--- a/presentation/webdev workshop.pptx
+++ b/presentation/webdev workshop.pptx
@@ -5,69 +5,76 @@
     <p:sldMasterId id="2147483659" r:id="rId1"/>
   </p:sldMasterIdLst>
   <p:notesMasterIdLst>
-    <p:notesMasterId r:id="rId62"/>
+    <p:notesMasterId r:id="rId69"/>
   </p:notesMasterIdLst>
   <p:sldIdLst>
     <p:sldId id="256" r:id="rId2"/>
     <p:sldId id="257" r:id="rId3"/>
-    <p:sldId id="258" r:id="rId4"/>
-    <p:sldId id="267" r:id="rId5"/>
-    <p:sldId id="278" r:id="rId6"/>
-    <p:sldId id="268" r:id="rId7"/>
-    <p:sldId id="270" r:id="rId8"/>
-    <p:sldId id="269" r:id="rId9"/>
-    <p:sldId id="271" r:id="rId10"/>
-    <p:sldId id="272" r:id="rId11"/>
-    <p:sldId id="273" r:id="rId12"/>
-    <p:sldId id="274" r:id="rId13"/>
-    <p:sldId id="275" r:id="rId14"/>
-    <p:sldId id="276" r:id="rId15"/>
-    <p:sldId id="280" r:id="rId16"/>
-    <p:sldId id="281" r:id="rId17"/>
-    <p:sldId id="282" r:id="rId18"/>
-    <p:sldId id="283" r:id="rId19"/>
-    <p:sldId id="284" r:id="rId20"/>
-    <p:sldId id="285" r:id="rId21"/>
-    <p:sldId id="286" r:id="rId22"/>
-    <p:sldId id="306" r:id="rId23"/>
-    <p:sldId id="307" r:id="rId24"/>
-    <p:sldId id="308" r:id="rId25"/>
-    <p:sldId id="309" r:id="rId26"/>
-    <p:sldId id="310" r:id="rId27"/>
-    <p:sldId id="311" r:id="rId28"/>
-    <p:sldId id="312" r:id="rId29"/>
-    <p:sldId id="313" r:id="rId30"/>
-    <p:sldId id="314" r:id="rId31"/>
-    <p:sldId id="315" r:id="rId32"/>
-    <p:sldId id="316" r:id="rId33"/>
-    <p:sldId id="318" r:id="rId34"/>
-    <p:sldId id="319" r:id="rId35"/>
-    <p:sldId id="320" r:id="rId36"/>
-    <p:sldId id="321" r:id="rId37"/>
-    <p:sldId id="322" r:id="rId38"/>
-    <p:sldId id="323" r:id="rId39"/>
-    <p:sldId id="317" r:id="rId40"/>
-    <p:sldId id="324" r:id="rId41"/>
-    <p:sldId id="287" r:id="rId42"/>
-    <p:sldId id="288" r:id="rId43"/>
-    <p:sldId id="289" r:id="rId44"/>
-    <p:sldId id="290" r:id="rId45"/>
-    <p:sldId id="291" r:id="rId46"/>
-    <p:sldId id="292" r:id="rId47"/>
-    <p:sldId id="293" r:id="rId48"/>
-    <p:sldId id="294" r:id="rId49"/>
-    <p:sldId id="295" r:id="rId50"/>
-    <p:sldId id="296" r:id="rId51"/>
-    <p:sldId id="297" r:id="rId52"/>
-    <p:sldId id="298" r:id="rId53"/>
-    <p:sldId id="299" r:id="rId54"/>
-    <p:sldId id="300" r:id="rId55"/>
-    <p:sldId id="301" r:id="rId56"/>
-    <p:sldId id="302" r:id="rId57"/>
-    <p:sldId id="303" r:id="rId58"/>
-    <p:sldId id="304" r:id="rId59"/>
-    <p:sldId id="305" r:id="rId60"/>
-    <p:sldId id="325" r:id="rId61"/>
+    <p:sldId id="332" r:id="rId4"/>
+    <p:sldId id="258" r:id="rId5"/>
+    <p:sldId id="267" r:id="rId6"/>
+    <p:sldId id="278" r:id="rId7"/>
+    <p:sldId id="268" r:id="rId8"/>
+    <p:sldId id="270" r:id="rId9"/>
+    <p:sldId id="269" r:id="rId10"/>
+    <p:sldId id="271" r:id="rId11"/>
+    <p:sldId id="272" r:id="rId12"/>
+    <p:sldId id="273" r:id="rId13"/>
+    <p:sldId id="274" r:id="rId14"/>
+    <p:sldId id="275" r:id="rId15"/>
+    <p:sldId id="276" r:id="rId16"/>
+    <p:sldId id="280" r:id="rId17"/>
+    <p:sldId id="328" r:id="rId18"/>
+    <p:sldId id="329" r:id="rId19"/>
+    <p:sldId id="281" r:id="rId20"/>
+    <p:sldId id="282" r:id="rId21"/>
+    <p:sldId id="283" r:id="rId22"/>
+    <p:sldId id="284" r:id="rId23"/>
+    <p:sldId id="285" r:id="rId24"/>
+    <p:sldId id="286" r:id="rId25"/>
+    <p:sldId id="330" r:id="rId26"/>
+    <p:sldId id="306" r:id="rId27"/>
+    <p:sldId id="307" r:id="rId28"/>
+    <p:sldId id="308" r:id="rId29"/>
+    <p:sldId id="309" r:id="rId30"/>
+    <p:sldId id="310" r:id="rId31"/>
+    <p:sldId id="311" r:id="rId32"/>
+    <p:sldId id="312" r:id="rId33"/>
+    <p:sldId id="313" r:id="rId34"/>
+    <p:sldId id="314" r:id="rId35"/>
+    <p:sldId id="315" r:id="rId36"/>
+    <p:sldId id="316" r:id="rId37"/>
+    <p:sldId id="318" r:id="rId38"/>
+    <p:sldId id="319" r:id="rId39"/>
+    <p:sldId id="320" r:id="rId40"/>
+    <p:sldId id="321" r:id="rId41"/>
+    <p:sldId id="322" r:id="rId42"/>
+    <p:sldId id="323" r:id="rId43"/>
+    <p:sldId id="317" r:id="rId44"/>
+    <p:sldId id="324" r:id="rId45"/>
+    <p:sldId id="327" r:id="rId46"/>
+    <p:sldId id="331" r:id="rId47"/>
+    <p:sldId id="326" r:id="rId48"/>
+    <p:sldId id="287" r:id="rId49"/>
+    <p:sldId id="288" r:id="rId50"/>
+    <p:sldId id="289" r:id="rId51"/>
+    <p:sldId id="290" r:id="rId52"/>
+    <p:sldId id="291" r:id="rId53"/>
+    <p:sldId id="292" r:id="rId54"/>
+    <p:sldId id="293" r:id="rId55"/>
+    <p:sldId id="294" r:id="rId56"/>
+    <p:sldId id="295" r:id="rId57"/>
+    <p:sldId id="296" r:id="rId58"/>
+    <p:sldId id="297" r:id="rId59"/>
+    <p:sldId id="298" r:id="rId60"/>
+    <p:sldId id="299" r:id="rId61"/>
+    <p:sldId id="300" r:id="rId62"/>
+    <p:sldId id="301" r:id="rId63"/>
+    <p:sldId id="302" r:id="rId64"/>
+    <p:sldId id="303" r:id="rId65"/>
+    <p:sldId id="304" r:id="rId66"/>
+    <p:sldId id="305" r:id="rId67"/>
+    <p:sldId id="325" r:id="rId68"/>
   </p:sldIdLst>
   <p:sldSz cx="9144000" cy="5143500" type="screen16x9"/>
   <p:notesSz cx="6858000" cy="9144000"/>
@@ -5787,6 +5794,171 @@
           </a:bodyPr>
           <a:lstStyle/>
           <a:p>
+            <a:r>
+              <a:rPr lang="en-GB" b="1" dirty="0" smtClean="0"/>
+              <a:t>File upload</a:t>
+            </a:r>
+          </a:p>
+          <a:p>
+            <a:r>
+              <a:rPr lang="en-US" dirty="0"/>
+              <a:t>&lt;input type="file" name="file</a:t>
+            </a:r>
+            <a:r>
+              <a:rPr lang="en-US" dirty="0" smtClean="0"/>
+              <a:t>"&gt;</a:t>
+            </a:r>
+          </a:p>
+          <a:p>
+            <a:r>
+              <a:rPr lang="en-US" dirty="0" smtClean="0"/>
+              <a:t>Form must have attribute </a:t>
+            </a:r>
+            <a:r>
+              <a:rPr lang="en-US" dirty="0" err="1" smtClean="0"/>
+              <a:t>enctype</a:t>
+            </a:r>
+            <a:r>
+              <a:rPr lang="en-US" dirty="0" smtClean="0"/>
+              <a:t>=“multipart/form-data”</a:t>
+            </a:r>
+          </a:p>
+          <a:p>
+            <a:r>
+              <a:rPr lang="en-US" b="1" dirty="0" smtClean="0"/>
+              <a:t>Submit</a:t>
+            </a:r>
+          </a:p>
+          <a:p>
+            <a:r>
+              <a:rPr lang="en" dirty="0" smtClean="0"/>
+              <a:t>&lt;input type=“submit” value=“send”&gt;</a:t>
+            </a:r>
+          </a:p>
+          <a:p>
+            <a:pPr marL="285750" lvl="0" indent="-285750">
+              <a:spcBef>
+                <a:spcPts val="0"/>
+              </a:spcBef>
+              <a:spcAft>
+                <a:spcPts val="400"/>
+              </a:spcAft>
+              <a:buFont typeface="Arial" panose="020B0604020202020204" pitchFamily="34" charset="0"/>
+              <a:buChar char="•"/>
+            </a:pPr>
+            <a:endParaRPr lang="en" dirty="0" smtClean="0"/>
+          </a:p>
+        </p:txBody>
+      </p:sp>
+    </p:spTree>
+    <p:extLst>
+      <p:ext uri="{BB962C8B-B14F-4D97-AF65-F5344CB8AC3E}">
+        <p14:creationId xmlns:p14="http://schemas.microsoft.com/office/powerpoint/2010/main" val="1218938767"/>
+      </p:ext>
+    </p:extLst>
+  </p:cSld>
+  <p:clrMapOvr>
+    <a:masterClrMapping/>
+  </p:clrMapOvr>
+  <p:timing>
+    <p:tnLst>
+      <p:par>
+        <p:cTn id="1" dur="indefinite" restart="never" nodeType="tmRoot"/>
+      </p:par>
+    </p:tnLst>
+  </p:timing>
+</p:sld>
+</file>
+
+<file path=ppt/slides/slide11.xml><?xml version="1.0" encoding="utf-8"?>
+<p:sld xmlns:a="http://schemas.openxmlformats.org/drawingml/2006/main" xmlns:r="http://schemas.openxmlformats.org/officeDocument/2006/relationships" xmlns:p="http://schemas.openxmlformats.org/presentationml/2006/main">
+  <p:cSld>
+    <p:spTree>
+      <p:nvGrpSpPr>
+        <p:cNvPr id="1" name="Shape 69"/>
+        <p:cNvGrpSpPr/>
+        <p:nvPr/>
+      </p:nvGrpSpPr>
+      <p:grpSpPr>
+        <a:xfrm>
+          <a:off x="0" y="0"/>
+          <a:ext cx="0" cy="0"/>
+          <a:chOff x="0" y="0"/>
+          <a:chExt cx="0" cy="0"/>
+        </a:xfrm>
+      </p:grpSpPr>
+      <p:sp>
+        <p:nvSpPr>
+          <p:cNvPr id="70" name="Shape 70"/>
+          <p:cNvSpPr txBox="1">
+            <a:spLocks noGrp="1"/>
+          </p:cNvSpPr>
+          <p:nvPr>
+            <p:ph type="title"/>
+          </p:nvPr>
+        </p:nvSpPr>
+        <p:spPr>
+          <a:xfrm>
+            <a:off x="311700" y="445025"/>
+            <a:ext cx="8520600" cy="572700"/>
+          </a:xfrm>
+          <a:prstGeom prst="rect">
+            <a:avLst/>
+          </a:prstGeom>
+        </p:spPr>
+        <p:txBody>
+          <a:bodyPr lIns="91425" tIns="91425" rIns="91425" bIns="91425" anchor="t" anchorCtr="0">
+            <a:noAutofit/>
+          </a:bodyPr>
+          <a:lstStyle/>
+          <a:p>
+            <a:pPr lvl="0">
+              <a:spcBef>
+                <a:spcPts val="0"/>
+              </a:spcBef>
+              <a:buNone/>
+            </a:pPr>
+            <a:r>
+              <a:rPr lang="en" dirty="0" smtClean="0">
+                <a:solidFill>
+                  <a:schemeClr val="lt1"/>
+                </a:solidFill>
+              </a:rPr>
+              <a:t>HTML</a:t>
+            </a:r>
+            <a:endParaRPr lang="en" dirty="0">
+              <a:solidFill>
+                <a:schemeClr val="lt1"/>
+              </a:solidFill>
+            </a:endParaRPr>
+          </a:p>
+        </p:txBody>
+      </p:sp>
+      <p:sp>
+        <p:nvSpPr>
+          <p:cNvPr id="71" name="Shape 71"/>
+          <p:cNvSpPr txBox="1">
+            <a:spLocks noGrp="1"/>
+          </p:cNvSpPr>
+          <p:nvPr>
+            <p:ph type="body" idx="1"/>
+          </p:nvPr>
+        </p:nvSpPr>
+        <p:spPr>
+          <a:xfrm>
+            <a:off x="339025" y="1575975"/>
+            <a:ext cx="8520600" cy="3416400"/>
+          </a:xfrm>
+          <a:prstGeom prst="rect">
+            <a:avLst/>
+          </a:prstGeom>
+        </p:spPr>
+        <p:txBody>
+          <a:bodyPr lIns="91425" tIns="91425" rIns="91425" bIns="91425" anchor="t" anchorCtr="0">
+            <a:noAutofit/>
+          </a:bodyPr>
+          <a:lstStyle/>
+          <a:p>
             <a:pPr lvl="0">
               <a:spcBef>
                 <a:spcPts val="0"/>
@@ -5977,200 +6149,6 @@
 </p:sld>
 </file>
 
-<file path=ppt/slides/slide11.xml><?xml version="1.0" encoding="utf-8"?>
-<p:sld xmlns:a="http://schemas.openxmlformats.org/drawingml/2006/main" xmlns:r="http://schemas.openxmlformats.org/officeDocument/2006/relationships" xmlns:p="http://schemas.openxmlformats.org/presentationml/2006/main">
-  <p:cSld>
-    <p:spTree>
-      <p:nvGrpSpPr>
-        <p:cNvPr id="1" name="Shape 69"/>
-        <p:cNvGrpSpPr/>
-        <p:nvPr/>
-      </p:nvGrpSpPr>
-      <p:grpSpPr>
-        <a:xfrm>
-          <a:off x="0" y="0"/>
-          <a:ext cx="0" cy="0"/>
-          <a:chOff x="0" y="0"/>
-          <a:chExt cx="0" cy="0"/>
-        </a:xfrm>
-      </p:grpSpPr>
-      <p:sp>
-        <p:nvSpPr>
-          <p:cNvPr id="70" name="Shape 70"/>
-          <p:cNvSpPr txBox="1">
-            <a:spLocks noGrp="1"/>
-          </p:cNvSpPr>
-          <p:nvPr>
-            <p:ph type="title"/>
-          </p:nvPr>
-        </p:nvSpPr>
-        <p:spPr>
-          <a:xfrm>
-            <a:off x="311700" y="445025"/>
-            <a:ext cx="8520600" cy="572700"/>
-          </a:xfrm>
-          <a:prstGeom prst="rect">
-            <a:avLst/>
-          </a:prstGeom>
-        </p:spPr>
-        <p:txBody>
-          <a:bodyPr lIns="91425" tIns="91425" rIns="91425" bIns="91425" anchor="t" anchorCtr="0">
-            <a:noAutofit/>
-          </a:bodyPr>
-          <a:lstStyle/>
-          <a:p>
-            <a:pPr lvl="0">
-              <a:spcBef>
-                <a:spcPts val="0"/>
-              </a:spcBef>
-              <a:buNone/>
-            </a:pPr>
-            <a:r>
-              <a:rPr lang="en" dirty="0" smtClean="0">
-                <a:solidFill>
-                  <a:schemeClr val="lt1"/>
-                </a:solidFill>
-              </a:rPr>
-              <a:t>HTML</a:t>
-            </a:r>
-            <a:endParaRPr lang="en" dirty="0">
-              <a:solidFill>
-                <a:schemeClr val="lt1"/>
-              </a:solidFill>
-            </a:endParaRPr>
-          </a:p>
-        </p:txBody>
-      </p:sp>
-      <p:sp>
-        <p:nvSpPr>
-          <p:cNvPr id="71" name="Shape 71"/>
-          <p:cNvSpPr txBox="1">
-            <a:spLocks noGrp="1"/>
-          </p:cNvSpPr>
-          <p:nvPr>
-            <p:ph type="body" idx="1"/>
-          </p:nvPr>
-        </p:nvSpPr>
-        <p:spPr>
-          <a:xfrm>
-            <a:off x="339025" y="1575975"/>
-            <a:ext cx="8520600" cy="3416400"/>
-          </a:xfrm>
-          <a:prstGeom prst="rect">
-            <a:avLst/>
-          </a:prstGeom>
-        </p:spPr>
-        <p:txBody>
-          <a:bodyPr lIns="91425" tIns="91425" rIns="91425" bIns="91425" anchor="t" anchorCtr="0">
-            <a:noAutofit/>
-          </a:bodyPr>
-          <a:lstStyle/>
-          <a:p>
-            <a:pPr lvl="0">
-              <a:spcBef>
-                <a:spcPts val="0"/>
-              </a:spcBef>
-              <a:spcAft>
-                <a:spcPts val="400"/>
-              </a:spcAft>
-            </a:pPr>
-            <a:r>
-              <a:rPr lang="en" b="1" dirty="0" smtClean="0"/>
-              <a:t>Element Display</a:t>
-            </a:r>
-          </a:p>
-          <a:p>
-            <a:pPr lvl="0">
-              <a:spcBef>
-                <a:spcPts val="0"/>
-              </a:spcBef>
-              <a:spcAft>
-                <a:spcPts val="400"/>
-              </a:spcAft>
-            </a:pPr>
-            <a:r>
-              <a:rPr lang="en" dirty="0" smtClean="0"/>
-              <a:t>Elements can be divided into inline and block elements.</a:t>
-            </a:r>
-          </a:p>
-          <a:p>
-            <a:pPr marL="285750" lvl="0" indent="-285750">
-              <a:spcBef>
-                <a:spcPts val="0"/>
-              </a:spcBef>
-              <a:spcAft>
-                <a:spcPts val="400"/>
-              </a:spcAft>
-              <a:buFont typeface="Arial" panose="020B0604020202020204" pitchFamily="34" charset="0"/>
-              <a:buChar char="•"/>
-            </a:pPr>
-            <a:endParaRPr lang="en" dirty="0"/>
-          </a:p>
-          <a:p>
-            <a:pPr marL="285750" lvl="0" indent="-285750">
-              <a:spcBef>
-                <a:spcPts val="0"/>
-              </a:spcBef>
-              <a:spcAft>
-                <a:spcPts val="400"/>
-              </a:spcAft>
-              <a:buFont typeface="Arial" panose="020B0604020202020204" pitchFamily="34" charset="0"/>
-              <a:buChar char="•"/>
-            </a:pPr>
-            <a:r>
-              <a:rPr lang="en" dirty="0" smtClean="0"/>
-              <a:t>Inline elements ocuppy the space they require and don’t force line breaks</a:t>
-            </a:r>
-          </a:p>
-          <a:p>
-            <a:pPr marL="285750" lvl="0" indent="-285750">
-              <a:spcBef>
-                <a:spcPts val="0"/>
-              </a:spcBef>
-              <a:spcAft>
-                <a:spcPts val="400"/>
-              </a:spcAft>
-              <a:buFont typeface="Arial" panose="020B0604020202020204" pitchFamily="34" charset="0"/>
-              <a:buChar char="•"/>
-            </a:pPr>
-            <a:r>
-              <a:rPr lang="en" dirty="0" smtClean="0"/>
-              <a:t>Block elements use all the horizontal space by default and force a line break</a:t>
-            </a:r>
-          </a:p>
-          <a:p>
-            <a:pPr lvl="0">
-              <a:spcBef>
-                <a:spcPts val="0"/>
-              </a:spcBef>
-              <a:spcAft>
-                <a:spcPts val="400"/>
-              </a:spcAft>
-            </a:pPr>
-            <a:endParaRPr lang="en" b="1" dirty="0" smtClean="0"/>
-          </a:p>
-        </p:txBody>
-      </p:sp>
-    </p:spTree>
-    <p:extLst>
-      <p:ext uri="{BB962C8B-B14F-4D97-AF65-F5344CB8AC3E}">
-        <p14:creationId xmlns:p14="http://schemas.microsoft.com/office/powerpoint/2010/main" val="47695705"/>
-      </p:ext>
-    </p:extLst>
-  </p:cSld>
-  <p:clrMapOvr>
-    <a:masterClrMapping/>
-  </p:clrMapOvr>
-  <p:timing>
-    <p:tnLst>
-      <p:par>
-        <p:cTn id="1" dur="indefinite" restart="never" nodeType="tmRoot"/>
-      </p:par>
-    </p:tnLst>
-  </p:timing>
-</p:sld>
-</file>
-
 <file path=ppt/slides/slide12.xml><?xml version="1.0" encoding="utf-8"?>
 <p:sld xmlns:a="http://schemas.openxmlformats.org/drawingml/2006/main" xmlns:r="http://schemas.openxmlformats.org/officeDocument/2006/relationships" xmlns:p="http://schemas.openxmlformats.org/presentationml/2006/main">
   <p:cSld>
@@ -6270,7 +6248,7 @@
             </a:pPr>
             <a:r>
               <a:rPr lang="en" b="1" dirty="0" smtClean="0"/>
-              <a:t>ID’s and Classes</a:t>
+              <a:t>Element Display</a:t>
             </a:r>
           </a:p>
           <a:p>
@@ -6284,7 +6262,7 @@
             </a:pPr>
             <a:r>
               <a:rPr lang="en" dirty="0" smtClean="0"/>
-              <a:t>Attributes used to easily identify elements.</a:t>
+              <a:t>Elements can be divided into inline and block elements.</a:t>
             </a:r>
           </a:p>
           <a:p>
@@ -6298,10 +6276,7 @@
               <a:buFont typeface="Arial" panose="020B0604020202020204" pitchFamily="34" charset="0"/>
               <a:buChar char="•"/>
             </a:pPr>
-            <a:r>
-              <a:rPr lang="en" dirty="0" smtClean="0"/>
-              <a:t>ID is an unique identifier of a specific element</a:t>
-            </a:r>
+            <a:endParaRPr lang="en" dirty="0"/>
           </a:p>
           <a:p>
             <a:pPr marL="285750" lvl="0" indent="-285750">
@@ -6316,7 +6291,23 @@
             </a:pPr>
             <a:r>
               <a:rPr lang="en" dirty="0" smtClean="0"/>
-              <a:t>Multiple elements can have a common class</a:t>
+              <a:t>Inline elements ocuppy the space they require and don’t force line breaks</a:t>
+            </a:r>
+          </a:p>
+          <a:p>
+            <a:pPr marL="285750" lvl="0" indent="-285750">
+              <a:spcBef>
+                <a:spcPts val="0"/>
+              </a:spcBef>
+              <a:spcAft>
+                <a:spcPts val="400"/>
+              </a:spcAft>
+              <a:buFont typeface="Arial" panose="020B0604020202020204" pitchFamily="34" charset="0"/>
+              <a:buChar char="•"/>
+            </a:pPr>
+            <a:r>
+              <a:rPr lang="en" dirty="0" smtClean="0"/>
+              <a:t>Block elements use all the horizontal space by default and force a line break</a:t>
             </a:r>
           </a:p>
           <a:p>
@@ -6335,7 +6326,7 @@
     </p:spTree>
     <p:extLst>
       <p:ext uri="{BB962C8B-B14F-4D97-AF65-F5344CB8AC3E}">
-        <p14:creationId xmlns:p14="http://schemas.microsoft.com/office/powerpoint/2010/main" val="410927225"/>
+        <p14:creationId xmlns:p14="http://schemas.microsoft.com/office/powerpoint/2010/main" val="47695705"/>
       </p:ext>
     </p:extLst>
   </p:cSld>
@@ -6451,6 +6442,187 @@
             </a:pPr>
             <a:r>
               <a:rPr lang="en" b="1" dirty="0" smtClean="0"/>
+              <a:t>ID’s and Classes</a:t>
+            </a:r>
+          </a:p>
+          <a:p>
+            <a:pPr lvl="0">
+              <a:spcBef>
+                <a:spcPts val="0"/>
+              </a:spcBef>
+              <a:spcAft>
+                <a:spcPts val="400"/>
+              </a:spcAft>
+            </a:pPr>
+            <a:r>
+              <a:rPr lang="en" dirty="0" smtClean="0"/>
+              <a:t>Attributes used to easily identify elements.</a:t>
+            </a:r>
+          </a:p>
+          <a:p>
+            <a:pPr marL="285750" lvl="0" indent="-285750">
+              <a:spcBef>
+                <a:spcPts val="0"/>
+              </a:spcBef>
+              <a:spcAft>
+                <a:spcPts val="400"/>
+              </a:spcAft>
+              <a:buFont typeface="Arial" panose="020B0604020202020204" pitchFamily="34" charset="0"/>
+              <a:buChar char="•"/>
+            </a:pPr>
+            <a:r>
+              <a:rPr lang="en" dirty="0" smtClean="0"/>
+              <a:t>ID is an unique identifier of a specific element</a:t>
+            </a:r>
+          </a:p>
+          <a:p>
+            <a:pPr marL="285750" lvl="0" indent="-285750">
+              <a:spcBef>
+                <a:spcPts val="0"/>
+              </a:spcBef>
+              <a:spcAft>
+                <a:spcPts val="400"/>
+              </a:spcAft>
+              <a:buFont typeface="Arial" panose="020B0604020202020204" pitchFamily="34" charset="0"/>
+              <a:buChar char="•"/>
+            </a:pPr>
+            <a:r>
+              <a:rPr lang="en" dirty="0" smtClean="0"/>
+              <a:t>Multiple elements can have a common class</a:t>
+            </a:r>
+          </a:p>
+          <a:p>
+            <a:pPr lvl="0">
+              <a:spcBef>
+                <a:spcPts val="0"/>
+              </a:spcBef>
+              <a:spcAft>
+                <a:spcPts val="400"/>
+              </a:spcAft>
+            </a:pPr>
+            <a:endParaRPr lang="en" b="1" dirty="0" smtClean="0"/>
+          </a:p>
+        </p:txBody>
+      </p:sp>
+    </p:spTree>
+    <p:extLst>
+      <p:ext uri="{BB962C8B-B14F-4D97-AF65-F5344CB8AC3E}">
+        <p14:creationId xmlns:p14="http://schemas.microsoft.com/office/powerpoint/2010/main" val="410927225"/>
+      </p:ext>
+    </p:extLst>
+  </p:cSld>
+  <p:clrMapOvr>
+    <a:masterClrMapping/>
+  </p:clrMapOvr>
+  <p:timing>
+    <p:tnLst>
+      <p:par>
+        <p:cTn id="1" dur="indefinite" restart="never" nodeType="tmRoot"/>
+      </p:par>
+    </p:tnLst>
+  </p:timing>
+</p:sld>
+</file>
+
+<file path=ppt/slides/slide14.xml><?xml version="1.0" encoding="utf-8"?>
+<p:sld xmlns:a="http://schemas.openxmlformats.org/drawingml/2006/main" xmlns:r="http://schemas.openxmlformats.org/officeDocument/2006/relationships" xmlns:p="http://schemas.openxmlformats.org/presentationml/2006/main">
+  <p:cSld>
+    <p:spTree>
+      <p:nvGrpSpPr>
+        <p:cNvPr id="1" name="Shape 69"/>
+        <p:cNvGrpSpPr/>
+        <p:nvPr/>
+      </p:nvGrpSpPr>
+      <p:grpSpPr>
+        <a:xfrm>
+          <a:off x="0" y="0"/>
+          <a:ext cx="0" cy="0"/>
+          <a:chOff x="0" y="0"/>
+          <a:chExt cx="0" cy="0"/>
+        </a:xfrm>
+      </p:grpSpPr>
+      <p:sp>
+        <p:nvSpPr>
+          <p:cNvPr id="70" name="Shape 70"/>
+          <p:cNvSpPr txBox="1">
+            <a:spLocks noGrp="1"/>
+          </p:cNvSpPr>
+          <p:nvPr>
+            <p:ph type="title"/>
+          </p:nvPr>
+        </p:nvSpPr>
+        <p:spPr>
+          <a:xfrm>
+            <a:off x="311700" y="445025"/>
+            <a:ext cx="8520600" cy="572700"/>
+          </a:xfrm>
+          <a:prstGeom prst="rect">
+            <a:avLst/>
+          </a:prstGeom>
+        </p:spPr>
+        <p:txBody>
+          <a:bodyPr lIns="91425" tIns="91425" rIns="91425" bIns="91425" anchor="t" anchorCtr="0">
+            <a:noAutofit/>
+          </a:bodyPr>
+          <a:lstStyle/>
+          <a:p>
+            <a:pPr lvl="0">
+              <a:spcBef>
+                <a:spcPts val="0"/>
+              </a:spcBef>
+              <a:buNone/>
+            </a:pPr>
+            <a:r>
+              <a:rPr lang="en" dirty="0" smtClean="0">
+                <a:solidFill>
+                  <a:schemeClr val="lt1"/>
+                </a:solidFill>
+              </a:rPr>
+              <a:t>HTML</a:t>
+            </a:r>
+            <a:endParaRPr lang="en" dirty="0">
+              <a:solidFill>
+                <a:schemeClr val="lt1"/>
+              </a:solidFill>
+            </a:endParaRPr>
+          </a:p>
+        </p:txBody>
+      </p:sp>
+      <p:sp>
+        <p:nvSpPr>
+          <p:cNvPr id="71" name="Shape 71"/>
+          <p:cNvSpPr txBox="1">
+            <a:spLocks noGrp="1"/>
+          </p:cNvSpPr>
+          <p:nvPr>
+            <p:ph type="body" idx="1"/>
+          </p:nvPr>
+        </p:nvSpPr>
+        <p:spPr>
+          <a:xfrm>
+            <a:off x="339025" y="1575975"/>
+            <a:ext cx="8520600" cy="3416400"/>
+          </a:xfrm>
+          <a:prstGeom prst="rect">
+            <a:avLst/>
+          </a:prstGeom>
+        </p:spPr>
+        <p:txBody>
+          <a:bodyPr lIns="91425" tIns="91425" rIns="91425" bIns="91425" anchor="t" anchorCtr="0">
+            <a:noAutofit/>
+          </a:bodyPr>
+          <a:lstStyle/>
+          <a:p>
+            <a:pPr lvl="0">
+              <a:spcBef>
+                <a:spcPts val="0"/>
+              </a:spcBef>
+              <a:spcAft>
+                <a:spcPts val="400"/>
+              </a:spcAft>
+            </a:pPr>
+            <a:r>
+              <a:rPr lang="en" b="1" dirty="0" smtClean="0"/>
               <a:t>Generic Tags</a:t>
             </a:r>
           </a:p>
@@ -6533,7 +6705,7 @@
 </p:sld>
 </file>
 
-<file path=ppt/slides/slide14.xml><?xml version="1.0" encoding="utf-8"?>
+<file path=ppt/slides/slide15.xml><?xml version="1.0" encoding="utf-8"?>
 <p:sld xmlns:a="http://schemas.openxmlformats.org/drawingml/2006/main" xmlns:r="http://schemas.openxmlformats.org/officeDocument/2006/relationships" xmlns:p="http://schemas.openxmlformats.org/presentationml/2006/main">
   <p:cSld>
     <p:spTree>
@@ -6751,109 +6923,6 @@
 </p:sld>
 </file>
 
-<file path=ppt/slides/slide15.xml><?xml version="1.0" encoding="utf-8"?>
-<p:sld xmlns:a="http://schemas.openxmlformats.org/drawingml/2006/main" xmlns:r="http://schemas.openxmlformats.org/officeDocument/2006/relationships" xmlns:p="http://schemas.openxmlformats.org/presentationml/2006/main">
-  <p:cSld>
-    <p:spTree>
-      <p:nvGrpSpPr>
-        <p:cNvPr id="1" name=""/>
-        <p:cNvGrpSpPr/>
-        <p:nvPr/>
-      </p:nvGrpSpPr>
-      <p:grpSpPr>
-        <a:xfrm>
-          <a:off x="0" y="0"/>
-          <a:ext cx="0" cy="0"/>
-          <a:chOff x="0" y="0"/>
-          <a:chExt cx="0" cy="0"/>
-        </a:xfrm>
-      </p:grpSpPr>
-      <p:sp>
-        <p:nvSpPr>
-          <p:cNvPr id="2" name="Título 1"/>
-          <p:cNvSpPr>
-            <a:spLocks noGrp="1"/>
-          </p:cNvSpPr>
-          <p:nvPr>
-            <p:ph type="title"/>
-          </p:nvPr>
-        </p:nvSpPr>
-        <p:spPr/>
-        <p:txBody>
-          <a:bodyPr/>
-          <a:lstStyle/>
-          <a:p>
-            <a:r>
-              <a:rPr lang="en-GB" dirty="0" smtClean="0"/>
-              <a:t>CSS</a:t>
-            </a:r>
-            <a:endParaRPr lang="pt-PT" dirty="0"/>
-          </a:p>
-        </p:txBody>
-      </p:sp>
-      <p:sp>
-        <p:nvSpPr>
-          <p:cNvPr id="3" name="Marcador de Posição do Texto 2"/>
-          <p:cNvSpPr>
-            <a:spLocks noGrp="1"/>
-          </p:cNvSpPr>
-          <p:nvPr>
-            <p:ph type="body" idx="1"/>
-          </p:nvPr>
-        </p:nvSpPr>
-        <p:spPr/>
-        <p:txBody>
-          <a:bodyPr/>
-          <a:lstStyle/>
-          <a:p>
-            <a:r>
-              <a:rPr lang="en-GB" b="1" dirty="0" smtClean="0"/>
-              <a:t>Based on two main concepts:</a:t>
-            </a:r>
-          </a:p>
-          <a:p>
-            <a:pPr marL="285750" indent="-285750">
-              <a:buFont typeface="Arial" panose="020B0604020202020204" pitchFamily="34" charset="0"/>
-              <a:buChar char="•"/>
-            </a:pPr>
-            <a:r>
-              <a:rPr lang="en-GB" dirty="0" smtClean="0"/>
-              <a:t>Selectors</a:t>
-            </a:r>
-          </a:p>
-          <a:p>
-            <a:pPr marL="285750" indent="-285750">
-              <a:buFont typeface="Arial" panose="020B0604020202020204" pitchFamily="34" charset="0"/>
-              <a:buChar char="•"/>
-            </a:pPr>
-            <a:r>
-              <a:rPr lang="en-GB" dirty="0" smtClean="0"/>
-              <a:t>Properties</a:t>
-            </a:r>
-            <a:endParaRPr lang="pt-PT" dirty="0"/>
-          </a:p>
-        </p:txBody>
-      </p:sp>
-    </p:spTree>
-    <p:extLst>
-      <p:ext uri="{BB962C8B-B14F-4D97-AF65-F5344CB8AC3E}">
-        <p14:creationId xmlns:p14="http://schemas.microsoft.com/office/powerpoint/2010/main" val="4121803364"/>
-      </p:ext>
-    </p:extLst>
-  </p:cSld>
-  <p:clrMapOvr>
-    <a:masterClrMapping/>
-  </p:clrMapOvr>
-  <p:timing>
-    <p:tnLst>
-      <p:par>
-        <p:cTn id="1" dur="indefinite" restart="never" nodeType="tmRoot"/>
-      </p:par>
-    </p:tnLst>
-  </p:timing>
-</p:sld>
-</file>
-
 <file path=ppt/slides/slide16.xml><?xml version="1.0" encoding="utf-8"?>
 <p:sld xmlns:a="http://schemas.openxmlformats.org/drawingml/2006/main" xmlns:r="http://schemas.openxmlformats.org/officeDocument/2006/relationships" xmlns:p="http://schemas.openxmlformats.org/presentationml/2006/main">
   <p:cSld>
@@ -6911,13 +6980,27 @@
           <a:p>
             <a:r>
               <a:rPr lang="en-GB" b="1" dirty="0" smtClean="0"/>
+              <a:t>Based on two main concepts:</a:t>
+            </a:r>
+          </a:p>
+          <a:p>
+            <a:pPr marL="285750" indent="-285750">
+              <a:buFont typeface="Arial" panose="020B0604020202020204" pitchFamily="34" charset="0"/>
+              <a:buChar char="•"/>
+            </a:pPr>
+            <a:r>
+              <a:rPr lang="en-GB" dirty="0" smtClean="0"/>
               <a:t>Selectors</a:t>
             </a:r>
           </a:p>
           <a:p>
+            <a:pPr marL="285750" indent="-285750">
+              <a:buFont typeface="Arial" panose="020B0604020202020204" pitchFamily="34" charset="0"/>
+              <a:buChar char="•"/>
+            </a:pPr>
             <a:r>
               <a:rPr lang="en-GB" dirty="0" smtClean="0"/>
-              <a:t>Allow the selection of the desired html element(s) to which we want to apply some styles</a:t>
+              <a:t>Properties</a:t>
             </a:r>
             <a:endParaRPr lang="pt-PT" dirty="0"/>
           </a:p>
@@ -6926,7 +7009,7 @@
     </p:spTree>
     <p:extLst>
       <p:ext uri="{BB962C8B-B14F-4D97-AF65-F5344CB8AC3E}">
-        <p14:creationId xmlns:p14="http://schemas.microsoft.com/office/powerpoint/2010/main" val="1518567559"/>
+        <p14:creationId xmlns:p14="http://schemas.microsoft.com/office/powerpoint/2010/main" val="4121803364"/>
       </p:ext>
     </p:extLst>
   </p:cSld>
@@ -6977,6 +7060,369 @@
           <a:p>
             <a:r>
               <a:rPr lang="en-GB" dirty="0" smtClean="0"/>
+              <a:t>Let’s get to work!</a:t>
+            </a:r>
+            <a:endParaRPr lang="pt-PT" dirty="0"/>
+          </a:p>
+        </p:txBody>
+      </p:sp>
+    </p:spTree>
+    <p:extLst>
+      <p:ext uri="{BB962C8B-B14F-4D97-AF65-F5344CB8AC3E}">
+        <p14:creationId xmlns:p14="http://schemas.microsoft.com/office/powerpoint/2010/main" val="3937355533"/>
+      </p:ext>
+    </p:extLst>
+  </p:cSld>
+  <p:clrMapOvr>
+    <a:masterClrMapping/>
+  </p:clrMapOvr>
+</p:sld>
+</file>
+
+<file path=ppt/slides/slide18.xml><?xml version="1.0" encoding="utf-8"?>
+<p:sld xmlns:a="http://schemas.openxmlformats.org/drawingml/2006/main" xmlns:r="http://schemas.openxmlformats.org/officeDocument/2006/relationships" xmlns:p="http://schemas.openxmlformats.org/presentationml/2006/main">
+  <p:cSld>
+    <p:spTree>
+      <p:nvGrpSpPr>
+        <p:cNvPr id="1" name=""/>
+        <p:cNvGrpSpPr/>
+        <p:nvPr/>
+      </p:nvGrpSpPr>
+      <p:grpSpPr>
+        <a:xfrm>
+          <a:off x="0" y="0"/>
+          <a:ext cx="0" cy="0"/>
+          <a:chOff x="0" y="0"/>
+          <a:chExt cx="0" cy="0"/>
+        </a:xfrm>
+      </p:grpSpPr>
+      <p:sp>
+        <p:nvSpPr>
+          <p:cNvPr id="2" name="Título 1"/>
+          <p:cNvSpPr>
+            <a:spLocks noGrp="1"/>
+          </p:cNvSpPr>
+          <p:nvPr>
+            <p:ph type="title"/>
+          </p:nvPr>
+        </p:nvSpPr>
+        <p:spPr/>
+        <p:txBody>
+          <a:bodyPr/>
+          <a:lstStyle/>
+          <a:p>
+            <a:r>
+              <a:rPr lang="en-GB" b="1" dirty="0" smtClean="0"/>
+              <a:t>CSS</a:t>
+            </a:r>
+            <a:endParaRPr lang="pt-PT" b="1" dirty="0"/>
+          </a:p>
+        </p:txBody>
+      </p:sp>
+    </p:spTree>
+    <p:extLst>
+      <p:ext uri="{BB962C8B-B14F-4D97-AF65-F5344CB8AC3E}">
+        <p14:creationId xmlns:p14="http://schemas.microsoft.com/office/powerpoint/2010/main" val="516132095"/>
+      </p:ext>
+    </p:extLst>
+  </p:cSld>
+  <p:clrMapOvr>
+    <a:masterClrMapping/>
+  </p:clrMapOvr>
+</p:sld>
+</file>
+
+<file path=ppt/slides/slide19.xml><?xml version="1.0" encoding="utf-8"?>
+<p:sld xmlns:a="http://schemas.openxmlformats.org/drawingml/2006/main" xmlns:r="http://schemas.openxmlformats.org/officeDocument/2006/relationships" xmlns:p="http://schemas.openxmlformats.org/presentationml/2006/main">
+  <p:cSld>
+    <p:spTree>
+      <p:nvGrpSpPr>
+        <p:cNvPr id="1" name=""/>
+        <p:cNvGrpSpPr/>
+        <p:nvPr/>
+      </p:nvGrpSpPr>
+      <p:grpSpPr>
+        <a:xfrm>
+          <a:off x="0" y="0"/>
+          <a:ext cx="0" cy="0"/>
+          <a:chOff x="0" y="0"/>
+          <a:chExt cx="0" cy="0"/>
+        </a:xfrm>
+      </p:grpSpPr>
+      <p:sp>
+        <p:nvSpPr>
+          <p:cNvPr id="2" name="Título 1"/>
+          <p:cNvSpPr>
+            <a:spLocks noGrp="1"/>
+          </p:cNvSpPr>
+          <p:nvPr>
+            <p:ph type="title"/>
+          </p:nvPr>
+        </p:nvSpPr>
+        <p:spPr/>
+        <p:txBody>
+          <a:bodyPr/>
+          <a:lstStyle/>
+          <a:p>
+            <a:r>
+              <a:rPr lang="en-GB" dirty="0" smtClean="0"/>
+              <a:t>CSS</a:t>
+            </a:r>
+            <a:endParaRPr lang="pt-PT" dirty="0"/>
+          </a:p>
+        </p:txBody>
+      </p:sp>
+      <p:sp>
+        <p:nvSpPr>
+          <p:cNvPr id="3" name="Marcador de Posição do Texto 2"/>
+          <p:cNvSpPr>
+            <a:spLocks noGrp="1"/>
+          </p:cNvSpPr>
+          <p:nvPr>
+            <p:ph type="body" idx="1"/>
+          </p:nvPr>
+        </p:nvSpPr>
+        <p:spPr/>
+        <p:txBody>
+          <a:bodyPr/>
+          <a:lstStyle/>
+          <a:p>
+            <a:r>
+              <a:rPr lang="en-GB" b="1" dirty="0" smtClean="0"/>
+              <a:t>Selectors</a:t>
+            </a:r>
+          </a:p>
+          <a:p>
+            <a:r>
+              <a:rPr lang="en-GB" dirty="0" smtClean="0"/>
+              <a:t>Allow the selection of the desired html element(s) to which we want to apply some styles</a:t>
+            </a:r>
+            <a:endParaRPr lang="pt-PT" dirty="0"/>
+          </a:p>
+        </p:txBody>
+      </p:sp>
+    </p:spTree>
+    <p:extLst>
+      <p:ext uri="{BB962C8B-B14F-4D97-AF65-F5344CB8AC3E}">
+        <p14:creationId xmlns:p14="http://schemas.microsoft.com/office/powerpoint/2010/main" val="1518567559"/>
+      </p:ext>
+    </p:extLst>
+  </p:cSld>
+  <p:clrMapOvr>
+    <a:masterClrMapping/>
+  </p:clrMapOvr>
+  <p:timing>
+    <p:tnLst>
+      <p:par>
+        <p:cTn id="1" dur="indefinite" restart="never" nodeType="tmRoot"/>
+      </p:par>
+    </p:tnLst>
+  </p:timing>
+</p:sld>
+</file>
+
+<file path=ppt/slides/slide2.xml><?xml version="1.0" encoding="utf-8"?>
+<p:sld xmlns:a="http://schemas.openxmlformats.org/drawingml/2006/main" xmlns:r="http://schemas.openxmlformats.org/officeDocument/2006/relationships" xmlns:p="http://schemas.openxmlformats.org/presentationml/2006/main">
+  <p:cSld>
+    <p:spTree>
+      <p:nvGrpSpPr>
+        <p:cNvPr id="1" name="Shape 63"/>
+        <p:cNvGrpSpPr/>
+        <p:nvPr/>
+      </p:nvGrpSpPr>
+      <p:grpSpPr>
+        <a:xfrm>
+          <a:off x="0" y="0"/>
+          <a:ext cx="0" cy="0"/>
+          <a:chOff x="0" y="0"/>
+          <a:chExt cx="0" cy="0"/>
+        </a:xfrm>
+      </p:grpSpPr>
+      <p:sp>
+        <p:nvSpPr>
+          <p:cNvPr id="64" name="Shape 64"/>
+          <p:cNvSpPr txBox="1">
+            <a:spLocks noGrp="1"/>
+          </p:cNvSpPr>
+          <p:nvPr>
+            <p:ph type="title"/>
+          </p:nvPr>
+        </p:nvSpPr>
+        <p:spPr>
+          <a:xfrm>
+            <a:off x="263900" y="342575"/>
+            <a:ext cx="8520600" cy="572700"/>
+          </a:xfrm>
+          <a:prstGeom prst="rect">
+            <a:avLst/>
+          </a:prstGeom>
+        </p:spPr>
+        <p:txBody>
+          <a:bodyPr lIns="91425" tIns="91425" rIns="91425" bIns="91425" anchor="t" anchorCtr="0">
+            <a:noAutofit/>
+          </a:bodyPr>
+          <a:lstStyle/>
+          <a:p>
+            <a:pPr lvl="0">
+              <a:spcBef>
+                <a:spcPts val="0"/>
+              </a:spcBef>
+              <a:buNone/>
+            </a:pPr>
+            <a:r>
+              <a:rPr lang="en">
+                <a:solidFill>
+                  <a:schemeClr val="lt1"/>
+                </a:solidFill>
+              </a:rPr>
+              <a:t>On the menu</a:t>
+            </a:r>
+          </a:p>
+        </p:txBody>
+      </p:sp>
+      <p:sp>
+        <p:nvSpPr>
+          <p:cNvPr id="65" name="Shape 65"/>
+          <p:cNvSpPr txBox="1">
+            <a:spLocks noGrp="1"/>
+          </p:cNvSpPr>
+          <p:nvPr>
+            <p:ph type="body" idx="1"/>
+          </p:nvPr>
+        </p:nvSpPr>
+        <p:spPr>
+          <a:xfrm>
+            <a:off x="339025" y="1575975"/>
+            <a:ext cx="8520600" cy="3416400"/>
+          </a:xfrm>
+          <a:prstGeom prst="rect">
+            <a:avLst/>
+          </a:prstGeom>
+        </p:spPr>
+        <p:txBody>
+          <a:bodyPr lIns="91425" tIns="91425" rIns="91425" bIns="91425" anchor="t" anchorCtr="0">
+            <a:noAutofit/>
+          </a:bodyPr>
+          <a:lstStyle/>
+          <a:p>
+            <a:pPr marL="457200" lvl="0" indent="-228600" rtl="0">
+              <a:spcBef>
+                <a:spcPts val="0"/>
+              </a:spcBef>
+            </a:pPr>
+            <a:r>
+              <a:rPr lang="en" dirty="0" smtClean="0"/>
+              <a:t>Brief Introduction </a:t>
+            </a:r>
+          </a:p>
+          <a:p>
+            <a:pPr marL="457200" lvl="0" indent="-228600" rtl="0">
+              <a:spcBef>
+                <a:spcPts val="0"/>
+              </a:spcBef>
+            </a:pPr>
+            <a:r>
+              <a:rPr lang="en" dirty="0" smtClean="0"/>
+              <a:t>HTML Basics</a:t>
+            </a:r>
+          </a:p>
+          <a:p>
+            <a:pPr marL="457200" lvl="0" indent="-228600" rtl="0">
+              <a:spcBef>
+                <a:spcPts val="0"/>
+              </a:spcBef>
+            </a:pPr>
+            <a:r>
+              <a:rPr lang="en" dirty="0" smtClean="0"/>
+              <a:t>CSS Basics</a:t>
+            </a:r>
+          </a:p>
+          <a:p>
+            <a:pPr marL="457200" lvl="0" indent="-228600" rtl="0">
+              <a:spcBef>
+                <a:spcPts val="0"/>
+              </a:spcBef>
+            </a:pPr>
+            <a:r>
+              <a:rPr lang="en" dirty="0" smtClean="0"/>
+              <a:t>PHP Basics</a:t>
+            </a:r>
+          </a:p>
+          <a:p>
+            <a:pPr marL="457200" lvl="0" indent="-228600" rtl="0">
+              <a:spcBef>
+                <a:spcPts val="0"/>
+              </a:spcBef>
+            </a:pPr>
+            <a:r>
+              <a:rPr lang="en" dirty="0" smtClean="0"/>
+              <a:t>Javascript and J</a:t>
+            </a:r>
+            <a:r>
+              <a:rPr lang="pt-PT" dirty="0" smtClean="0"/>
+              <a:t>q</a:t>
+            </a:r>
+            <a:r>
+              <a:rPr lang="en" dirty="0" smtClean="0"/>
+              <a:t>uery Basics</a:t>
+            </a:r>
+            <a:endParaRPr lang="en" dirty="0"/>
+          </a:p>
+          <a:p>
+            <a:pPr marL="457200" lvl="0" indent="-228600">
+              <a:spcBef>
+                <a:spcPts val="0"/>
+              </a:spcBef>
+            </a:pPr>
+            <a:r>
+              <a:rPr lang="en" dirty="0"/>
+              <a:t>Exercises/Questions</a:t>
+            </a:r>
+          </a:p>
+        </p:txBody>
+      </p:sp>
+    </p:spTree>
+  </p:cSld>
+  <p:clrMapOvr>
+    <a:masterClrMapping/>
+  </p:clrMapOvr>
+</p:sld>
+</file>
+
+<file path=ppt/slides/slide20.xml><?xml version="1.0" encoding="utf-8"?>
+<p:sld xmlns:a="http://schemas.openxmlformats.org/drawingml/2006/main" xmlns:r="http://schemas.openxmlformats.org/officeDocument/2006/relationships" xmlns:p="http://schemas.openxmlformats.org/presentationml/2006/main">
+  <p:cSld>
+    <p:spTree>
+      <p:nvGrpSpPr>
+        <p:cNvPr id="1" name=""/>
+        <p:cNvGrpSpPr/>
+        <p:nvPr/>
+      </p:nvGrpSpPr>
+      <p:grpSpPr>
+        <a:xfrm>
+          <a:off x="0" y="0"/>
+          <a:ext cx="0" cy="0"/>
+          <a:chOff x="0" y="0"/>
+          <a:chExt cx="0" cy="0"/>
+        </a:xfrm>
+      </p:grpSpPr>
+      <p:sp>
+        <p:nvSpPr>
+          <p:cNvPr id="2" name="Título 1"/>
+          <p:cNvSpPr>
+            <a:spLocks noGrp="1"/>
+          </p:cNvSpPr>
+          <p:nvPr>
+            <p:ph type="title"/>
+          </p:nvPr>
+        </p:nvSpPr>
+        <p:spPr/>
+        <p:txBody>
+          <a:bodyPr/>
+          <a:lstStyle/>
+          <a:p>
+            <a:r>
+              <a:rPr lang="en-GB" dirty="0" smtClean="0"/>
               <a:t>CSS</a:t>
             </a:r>
             <a:endParaRPr lang="pt-PT" dirty="0"/>
@@ -7032,7 +7478,7 @@
 </p:sld>
 </file>
 
-<file path=ppt/slides/slide18.xml><?xml version="1.0" encoding="utf-8"?>
+<file path=ppt/slides/slide21.xml><?xml version="1.0" encoding="utf-8"?>
 <p:sld xmlns:a="http://schemas.openxmlformats.org/drawingml/2006/main" xmlns:r="http://schemas.openxmlformats.org/officeDocument/2006/relationships" xmlns:p="http://schemas.openxmlformats.org/presentationml/2006/main">
   <p:cSld>
     <p:spTree>
@@ -7165,7 +7611,7 @@
 </p:sld>
 </file>
 
-<file path=ppt/slides/slide19.xml><?xml version="1.0" encoding="utf-8"?>
+<file path=ppt/slides/slide22.xml><?xml version="1.0" encoding="utf-8"?>
 <p:sld xmlns:a="http://schemas.openxmlformats.org/drawingml/2006/main" xmlns:r="http://schemas.openxmlformats.org/officeDocument/2006/relationships" xmlns:p="http://schemas.openxmlformats.org/presentationml/2006/main">
   <p:cSld>
     <p:spTree>
@@ -7363,175 +7809,7 @@
 </p:sld>
 </file>
 
-<file path=ppt/slides/slide2.xml><?xml version="1.0" encoding="utf-8"?>
-<p:sld xmlns:a="http://schemas.openxmlformats.org/drawingml/2006/main" xmlns:r="http://schemas.openxmlformats.org/officeDocument/2006/relationships" xmlns:p="http://schemas.openxmlformats.org/presentationml/2006/main">
-  <p:cSld>
-    <p:spTree>
-      <p:nvGrpSpPr>
-        <p:cNvPr id="1" name="Shape 63"/>
-        <p:cNvGrpSpPr/>
-        <p:nvPr/>
-      </p:nvGrpSpPr>
-      <p:grpSpPr>
-        <a:xfrm>
-          <a:off x="0" y="0"/>
-          <a:ext cx="0" cy="0"/>
-          <a:chOff x="0" y="0"/>
-          <a:chExt cx="0" cy="0"/>
-        </a:xfrm>
-      </p:grpSpPr>
-      <p:sp>
-        <p:nvSpPr>
-          <p:cNvPr id="64" name="Shape 64"/>
-          <p:cNvSpPr txBox="1">
-            <a:spLocks noGrp="1"/>
-          </p:cNvSpPr>
-          <p:nvPr>
-            <p:ph type="title"/>
-          </p:nvPr>
-        </p:nvSpPr>
-        <p:spPr>
-          <a:xfrm>
-            <a:off x="263900" y="342575"/>
-            <a:ext cx="8520600" cy="572700"/>
-          </a:xfrm>
-          <a:prstGeom prst="rect">
-            <a:avLst/>
-          </a:prstGeom>
-        </p:spPr>
-        <p:txBody>
-          <a:bodyPr lIns="91425" tIns="91425" rIns="91425" bIns="91425" anchor="t" anchorCtr="0">
-            <a:noAutofit/>
-          </a:bodyPr>
-          <a:lstStyle/>
-          <a:p>
-            <a:pPr lvl="0">
-              <a:spcBef>
-                <a:spcPts val="0"/>
-              </a:spcBef>
-              <a:buNone/>
-            </a:pPr>
-            <a:r>
-              <a:rPr lang="en">
-                <a:solidFill>
-                  <a:schemeClr val="lt1"/>
-                </a:solidFill>
-              </a:rPr>
-              <a:t>On the menu</a:t>
-            </a:r>
-          </a:p>
-        </p:txBody>
-      </p:sp>
-      <p:sp>
-        <p:nvSpPr>
-          <p:cNvPr id="65" name="Shape 65"/>
-          <p:cNvSpPr txBox="1">
-            <a:spLocks noGrp="1"/>
-          </p:cNvSpPr>
-          <p:nvPr>
-            <p:ph type="body" idx="1"/>
-          </p:nvPr>
-        </p:nvSpPr>
-        <p:spPr>
-          <a:xfrm>
-            <a:off x="339025" y="1575975"/>
-            <a:ext cx="8520600" cy="3416400"/>
-          </a:xfrm>
-          <a:prstGeom prst="rect">
-            <a:avLst/>
-          </a:prstGeom>
-        </p:spPr>
-        <p:txBody>
-          <a:bodyPr lIns="91425" tIns="91425" rIns="91425" bIns="91425" anchor="t" anchorCtr="0">
-            <a:noAutofit/>
-          </a:bodyPr>
-          <a:lstStyle/>
-          <a:p>
-            <a:pPr marL="457200" lvl="0" indent="-228600" rtl="0">
-              <a:spcBef>
-                <a:spcPts val="0"/>
-              </a:spcBef>
-            </a:pPr>
-            <a:r>
-              <a:rPr lang="en" dirty="0" smtClean="0"/>
-              <a:t>Brief Introduction </a:t>
-            </a:r>
-          </a:p>
-          <a:p>
-            <a:pPr marL="457200" lvl="0" indent="-228600" rtl="0">
-              <a:spcBef>
-                <a:spcPts val="0"/>
-              </a:spcBef>
-            </a:pPr>
-            <a:r>
-              <a:rPr lang="en" dirty="0" smtClean="0"/>
-              <a:t>HTML Basics</a:t>
-            </a:r>
-          </a:p>
-          <a:p>
-            <a:pPr marL="457200" lvl="0" indent="-228600" rtl="0">
-              <a:spcBef>
-                <a:spcPts val="0"/>
-              </a:spcBef>
-            </a:pPr>
-            <a:r>
-              <a:rPr lang="en" dirty="0" smtClean="0"/>
-              <a:t>CSS Basics</a:t>
-            </a:r>
-          </a:p>
-          <a:p>
-            <a:pPr marL="457200" lvl="0" indent="-228600" rtl="0">
-              <a:spcBef>
-                <a:spcPts val="0"/>
-              </a:spcBef>
-            </a:pPr>
-            <a:r>
-              <a:rPr lang="en" dirty="0" smtClean="0"/>
-              <a:t>PHP Basics</a:t>
-            </a:r>
-          </a:p>
-          <a:p>
-            <a:pPr marL="457200" lvl="0" indent="-228600" rtl="0">
-              <a:spcBef>
-                <a:spcPts val="0"/>
-              </a:spcBef>
-            </a:pPr>
-            <a:r>
-              <a:rPr lang="en" dirty="0" smtClean="0"/>
-              <a:t>Javascript and J</a:t>
-            </a:r>
-            <a:r>
-              <a:rPr lang="pt-PT" dirty="0" smtClean="0"/>
-              <a:t>q</a:t>
-            </a:r>
-            <a:r>
-              <a:rPr lang="en" dirty="0" smtClean="0"/>
-              <a:t>uery Basics</a:t>
-            </a:r>
-            <a:endParaRPr lang="en" dirty="0"/>
-          </a:p>
-          <a:p>
-            <a:pPr marL="457200" lvl="0" indent="-228600">
-              <a:spcBef>
-                <a:spcPts val="0"/>
-              </a:spcBef>
-            </a:pPr>
-            <a:r>
-              <a:rPr lang="en" dirty="0"/>
-              <a:t>Exercises/Questions</a:t>
-            </a:r>
-          </a:p>
-        </p:txBody>
-      </p:sp>
-    </p:spTree>
-  </p:cSld>
-  <p:clrMapOvr>
-    <a:masterClrMapping/>
-  </p:clrMapOvr>
-</p:sld>
-</file>
-
-<file path=ppt/slides/slide20.xml><?xml version="1.0" encoding="utf-8"?>
+<file path=ppt/slides/slide23.xml><?xml version="1.0" encoding="utf-8"?>
 <p:sld xmlns:a="http://schemas.openxmlformats.org/drawingml/2006/main" xmlns:r="http://schemas.openxmlformats.org/officeDocument/2006/relationships" xmlns:p="http://schemas.openxmlformats.org/presentationml/2006/main">
   <p:cSld>
     <p:spTree>
@@ -7993,7 +8271,7 @@
 </p:sld>
 </file>
 
-<file path=ppt/slides/slide21.xml><?xml version="1.0" encoding="utf-8"?>
+<file path=ppt/slides/slide24.xml><?xml version="1.0" encoding="utf-8"?>
 <p:sld xmlns:a="http://schemas.openxmlformats.org/drawingml/2006/main" xmlns:r="http://schemas.openxmlformats.org/officeDocument/2006/relationships" xmlns:p="http://schemas.openxmlformats.org/presentationml/2006/main">
   <p:cSld>
     <p:spTree>
@@ -8124,7 +8402,7 @@
 </p:sld>
 </file>
 
-<file path=ppt/slides/slide22.xml><?xml version="1.0" encoding="utf-8"?>
+<file path=ppt/slides/slide25.xml><?xml version="1.0" encoding="utf-8"?>
 <p:sld xmlns:a="http://schemas.openxmlformats.org/drawingml/2006/main" xmlns:r="http://schemas.openxmlformats.org/officeDocument/2006/relationships" xmlns:p="http://schemas.openxmlformats.org/presentationml/2006/main">
   <p:cSld>
     <p:spTree>
@@ -8157,155 +8435,17 @@
           <a:lstStyle/>
           <a:p>
             <a:r>
-              <a:rPr lang="en-GB" dirty="0" smtClean="0"/>
+              <a:rPr lang="en-GB" b="1" dirty="0" smtClean="0"/>
               <a:t>PHP</a:t>
             </a:r>
-            <a:endParaRPr lang="pt-PT" dirty="0"/>
-          </a:p>
-        </p:txBody>
-      </p:sp>
-      <p:sp>
-        <p:nvSpPr>
-          <p:cNvPr id="3" name="Marcador de Posição do Texto 2"/>
-          <p:cNvSpPr>
-            <a:spLocks noGrp="1"/>
-          </p:cNvSpPr>
-          <p:nvPr>
-            <p:ph type="body" idx="1"/>
-          </p:nvPr>
-        </p:nvSpPr>
-        <p:spPr/>
-        <p:txBody>
-          <a:bodyPr/>
-          <a:lstStyle/>
-          <a:p>
-            <a:endParaRPr lang="pt-PT" dirty="0" smtClean="0"/>
-          </a:p>
-          <a:p>
-            <a:r>
-              <a:rPr lang="pt-PT" dirty="0" err="1" smtClean="0"/>
-              <a:t>Code</a:t>
-            </a:r>
-            <a:r>
-              <a:rPr lang="pt-PT" dirty="0" smtClean="0"/>
-              <a:t> </a:t>
-            </a:r>
-            <a:r>
-              <a:rPr lang="pt-PT" dirty="0" err="1" smtClean="0"/>
-              <a:t>block</a:t>
-            </a:r>
-            <a:r>
-              <a:rPr lang="pt-PT" dirty="0" smtClean="0"/>
-              <a:t> </a:t>
-            </a:r>
-            <a:r>
-              <a:rPr lang="pt-PT" dirty="0" err="1" smtClean="0"/>
-              <a:t>delimiters</a:t>
-            </a:r>
-            <a:r>
-              <a:rPr lang="pt-PT" dirty="0" smtClean="0"/>
-              <a:t>		&lt;?</a:t>
-            </a:r>
-            <a:r>
-              <a:rPr lang="pt-PT" dirty="0" err="1" smtClean="0"/>
-              <a:t>php</a:t>
-            </a:r>
-            <a:r>
-              <a:rPr lang="pt-PT" dirty="0" smtClean="0"/>
-              <a:t> ………. ?&gt;</a:t>
-            </a:r>
-          </a:p>
-          <a:p>
-            <a:endParaRPr lang="pt-PT" dirty="0" smtClean="0"/>
-          </a:p>
-          <a:p>
-            <a:r>
-              <a:rPr lang="pt-PT" dirty="0" err="1" smtClean="0"/>
-              <a:t>Each</a:t>
-            </a:r>
-            <a:r>
-              <a:rPr lang="pt-PT" dirty="0" smtClean="0"/>
-              <a:t> </a:t>
-            </a:r>
-            <a:r>
-              <a:rPr lang="pt-PT" i="1" dirty="0" err="1" smtClean="0"/>
-              <a:t>php</a:t>
-            </a:r>
-            <a:r>
-              <a:rPr lang="pt-PT" dirty="0" smtClean="0"/>
-              <a:t> </a:t>
-            </a:r>
-            <a:r>
-              <a:rPr lang="pt-PT" dirty="0" err="1" smtClean="0"/>
-              <a:t>code</a:t>
-            </a:r>
-            <a:r>
-              <a:rPr lang="pt-PT" dirty="0" smtClean="0"/>
-              <a:t> </a:t>
-            </a:r>
-            <a:r>
-              <a:rPr lang="pt-PT" dirty="0" err="1" smtClean="0"/>
-              <a:t>block</a:t>
-            </a:r>
-            <a:r>
-              <a:rPr lang="pt-PT" dirty="0" smtClean="0"/>
-              <a:t> </a:t>
-            </a:r>
-            <a:r>
-              <a:rPr lang="pt-PT" dirty="0" err="1" smtClean="0"/>
-              <a:t>is</a:t>
-            </a:r>
-            <a:r>
-              <a:rPr lang="pt-PT" dirty="0" smtClean="0"/>
-              <a:t> </a:t>
-            </a:r>
-            <a:r>
-              <a:rPr lang="pt-PT" dirty="0" err="1" smtClean="0"/>
-              <a:t>interpreted</a:t>
-            </a:r>
-            <a:r>
-              <a:rPr lang="pt-PT" dirty="0" smtClean="0"/>
-              <a:t> </a:t>
-            </a:r>
-            <a:r>
-              <a:rPr lang="pt-PT" dirty="0" err="1" smtClean="0"/>
-              <a:t>and</a:t>
-            </a:r>
-            <a:r>
-              <a:rPr lang="pt-PT" dirty="0" smtClean="0"/>
-              <a:t> </a:t>
-            </a:r>
-            <a:r>
-              <a:rPr lang="pt-PT" dirty="0" err="1" smtClean="0"/>
-              <a:t>its</a:t>
-            </a:r>
-            <a:r>
-              <a:rPr lang="pt-PT" dirty="0" smtClean="0"/>
-              <a:t> output </a:t>
-            </a:r>
-            <a:r>
-              <a:rPr lang="pt-PT" dirty="0" err="1" smtClean="0"/>
-              <a:t>is</a:t>
-            </a:r>
-            <a:r>
-              <a:rPr lang="pt-PT" dirty="0" smtClean="0"/>
-              <a:t> </a:t>
-            </a:r>
-            <a:r>
-              <a:rPr lang="pt-PT" dirty="0" err="1" smtClean="0"/>
-              <a:t>printed</a:t>
-            </a:r>
-            <a:endParaRPr lang="pt-PT" dirty="0" smtClean="0"/>
-          </a:p>
-          <a:p>
-            <a:endParaRPr lang="pt-PT" dirty="0"/>
+            <a:endParaRPr lang="pt-PT" b="1" dirty="0"/>
           </a:p>
         </p:txBody>
       </p:sp>
     </p:spTree>
     <p:extLst>
       <p:ext uri="{BB962C8B-B14F-4D97-AF65-F5344CB8AC3E}">
-        <p14:creationId xmlns:p14="http://schemas.microsoft.com/office/powerpoint/2010/main" val="1860266399"/>
+        <p14:creationId xmlns:p14="http://schemas.microsoft.com/office/powerpoint/2010/main" val="2433638055"/>
       </p:ext>
     </p:extLst>
   </p:cSld>
@@ -8315,7 +8455,7 @@
 </p:sld>
 </file>
 
-<file path=ppt/slides/slide23.xml><?xml version="1.0" encoding="utf-8"?>
+<file path=ppt/slides/slide26.xml><?xml version="1.0" encoding="utf-8"?>
 <p:sld xmlns:a="http://schemas.openxmlformats.org/drawingml/2006/main" xmlns:r="http://schemas.openxmlformats.org/officeDocument/2006/relationships" xmlns:p="http://schemas.openxmlformats.org/presentationml/2006/main">
   <p:cSld>
     <p:spTree>
@@ -8371,11 +8511,210 @@
           <a:lstStyle/>
           <a:p>
             <a:r>
+              <a:rPr lang="en-GB" dirty="0" smtClean="0"/>
+              <a:t>PHP is a server-side scripting language which allows the processing of the user’s request and providing a response page</a:t>
+            </a:r>
+          </a:p>
+          <a:p>
+            <a:endParaRPr lang="pt-PT" dirty="0" smtClean="0"/>
+          </a:p>
+          <a:p>
+            <a:r>
+              <a:rPr lang="pt-PT" dirty="0" err="1" smtClean="0"/>
+              <a:t>Code</a:t>
+            </a:r>
+            <a:r>
+              <a:rPr lang="pt-PT" dirty="0" smtClean="0"/>
+              <a:t> </a:t>
+            </a:r>
+            <a:r>
+              <a:rPr lang="pt-PT" dirty="0" err="1" smtClean="0"/>
+              <a:t>block</a:t>
+            </a:r>
+            <a:r>
+              <a:rPr lang="pt-PT" dirty="0" smtClean="0"/>
+              <a:t> </a:t>
+            </a:r>
+            <a:r>
+              <a:rPr lang="pt-PT" dirty="0" err="1" smtClean="0"/>
+              <a:t>delimiters</a:t>
+            </a:r>
+            <a:r>
+              <a:rPr lang="pt-PT" dirty="0" smtClean="0"/>
+              <a:t>		&lt;?</a:t>
+            </a:r>
+            <a:r>
+              <a:rPr lang="pt-PT" dirty="0" err="1" smtClean="0"/>
+              <a:t>php</a:t>
+            </a:r>
+            <a:r>
+              <a:rPr lang="pt-PT" dirty="0" smtClean="0"/>
+              <a:t> ………. </a:t>
+            </a:r>
+            <a:r>
+              <a:rPr lang="pt-PT" dirty="0" smtClean="0"/>
+              <a:t>?&gt;</a:t>
+            </a:r>
+          </a:p>
+          <a:p>
+            <a:endParaRPr lang="pt-PT" dirty="0" smtClean="0"/>
+          </a:p>
+          <a:p>
+            <a:r>
+              <a:rPr lang="pt-PT" dirty="0" err="1" smtClean="0"/>
+              <a:t>Each</a:t>
+            </a:r>
+            <a:r>
+              <a:rPr lang="pt-PT" dirty="0" smtClean="0"/>
+              <a:t> </a:t>
+            </a:r>
+            <a:r>
+              <a:rPr lang="pt-PT" i="1" dirty="0" err="1" smtClean="0"/>
+              <a:t>php</a:t>
+            </a:r>
+            <a:r>
+              <a:rPr lang="pt-PT" dirty="0" smtClean="0"/>
+              <a:t> </a:t>
+            </a:r>
+            <a:r>
+              <a:rPr lang="pt-PT" dirty="0" err="1" smtClean="0"/>
+              <a:t>code</a:t>
+            </a:r>
+            <a:r>
+              <a:rPr lang="pt-PT" dirty="0" smtClean="0"/>
+              <a:t> </a:t>
+            </a:r>
+            <a:r>
+              <a:rPr lang="pt-PT" dirty="0" err="1" smtClean="0"/>
+              <a:t>block</a:t>
+            </a:r>
+            <a:r>
+              <a:rPr lang="pt-PT" dirty="0" smtClean="0"/>
+              <a:t> </a:t>
+            </a:r>
+            <a:r>
+              <a:rPr lang="pt-PT" dirty="0" err="1" smtClean="0"/>
+              <a:t>is</a:t>
+            </a:r>
+            <a:r>
+              <a:rPr lang="pt-PT" dirty="0" smtClean="0"/>
+              <a:t> </a:t>
+            </a:r>
+            <a:r>
+              <a:rPr lang="pt-PT" dirty="0" err="1" smtClean="0"/>
+              <a:t>interpreted</a:t>
+            </a:r>
+            <a:r>
+              <a:rPr lang="pt-PT" dirty="0" smtClean="0"/>
+              <a:t> </a:t>
+            </a:r>
+            <a:r>
+              <a:rPr lang="pt-PT" dirty="0" err="1" smtClean="0"/>
+              <a:t>and</a:t>
+            </a:r>
+            <a:r>
+              <a:rPr lang="pt-PT" dirty="0" smtClean="0"/>
+              <a:t> </a:t>
+            </a:r>
+            <a:r>
+              <a:rPr lang="pt-PT" dirty="0" err="1" smtClean="0"/>
+              <a:t>its</a:t>
+            </a:r>
+            <a:r>
+              <a:rPr lang="pt-PT" dirty="0" smtClean="0"/>
+              <a:t> output </a:t>
+            </a:r>
+            <a:r>
+              <a:rPr lang="pt-PT" dirty="0" err="1" smtClean="0"/>
+              <a:t>is</a:t>
+            </a:r>
+            <a:r>
+              <a:rPr lang="pt-PT" dirty="0" smtClean="0"/>
+              <a:t> </a:t>
+            </a:r>
+            <a:r>
+              <a:rPr lang="pt-PT" dirty="0" err="1" smtClean="0"/>
+              <a:t>printed</a:t>
+            </a:r>
+            <a:endParaRPr lang="pt-PT" dirty="0" smtClean="0"/>
+          </a:p>
+          <a:p>
+            <a:endParaRPr lang="pt-PT" dirty="0"/>
+          </a:p>
+        </p:txBody>
+      </p:sp>
+    </p:spTree>
+    <p:extLst>
+      <p:ext uri="{BB962C8B-B14F-4D97-AF65-F5344CB8AC3E}">
+        <p14:creationId xmlns:p14="http://schemas.microsoft.com/office/powerpoint/2010/main" val="1860266399"/>
+      </p:ext>
+    </p:extLst>
+  </p:cSld>
+  <p:clrMapOvr>
+    <a:masterClrMapping/>
+  </p:clrMapOvr>
+</p:sld>
+</file>
+
+<file path=ppt/slides/slide27.xml><?xml version="1.0" encoding="utf-8"?>
+<p:sld xmlns:a="http://schemas.openxmlformats.org/drawingml/2006/main" xmlns:r="http://schemas.openxmlformats.org/officeDocument/2006/relationships" xmlns:p="http://schemas.openxmlformats.org/presentationml/2006/main">
+  <p:cSld>
+    <p:spTree>
+      <p:nvGrpSpPr>
+        <p:cNvPr id="1" name=""/>
+        <p:cNvGrpSpPr/>
+        <p:nvPr/>
+      </p:nvGrpSpPr>
+      <p:grpSpPr>
+        <a:xfrm>
+          <a:off x="0" y="0"/>
+          <a:ext cx="0" cy="0"/>
+          <a:chOff x="0" y="0"/>
+          <a:chExt cx="0" cy="0"/>
+        </a:xfrm>
+      </p:grpSpPr>
+      <p:sp>
+        <p:nvSpPr>
+          <p:cNvPr id="2" name="Título 1"/>
+          <p:cNvSpPr>
+            <a:spLocks noGrp="1"/>
+          </p:cNvSpPr>
+          <p:nvPr>
+            <p:ph type="title"/>
+          </p:nvPr>
+        </p:nvSpPr>
+        <p:spPr/>
+        <p:txBody>
+          <a:bodyPr/>
+          <a:lstStyle/>
+          <a:p>
+            <a:r>
+              <a:rPr lang="en-GB" dirty="0" smtClean="0"/>
+              <a:t>PHP</a:t>
+            </a:r>
+            <a:endParaRPr lang="pt-PT" dirty="0"/>
+          </a:p>
+        </p:txBody>
+      </p:sp>
+      <p:sp>
+        <p:nvSpPr>
+          <p:cNvPr id="3" name="Marcador de Posição do Texto 2"/>
+          <p:cNvSpPr>
+            <a:spLocks noGrp="1"/>
+          </p:cNvSpPr>
+          <p:nvPr>
+            <p:ph type="body" idx="1"/>
+          </p:nvPr>
+        </p:nvSpPr>
+        <p:spPr/>
+        <p:txBody>
+          <a:bodyPr/>
+          <a:lstStyle/>
+          <a:p>
+            <a:r>
               <a:rPr lang="en-GB" b="1" dirty="0" smtClean="0"/>
               <a:t>Echo</a:t>
             </a:r>
-          </a:p>
-          <a:p>
             <a:endParaRPr lang="en-GB" b="1" dirty="0" smtClean="0"/>
           </a:p>
           <a:p>
@@ -8385,6 +8724,18 @@
             </a:r>
           </a:p>
           <a:p>
+            <a:r>
+              <a:rPr lang="en-GB" dirty="0" smtClean="0"/>
+              <a:t>&lt;?</a:t>
+            </a:r>
+            <a:r>
+              <a:rPr lang="en-GB" dirty="0" err="1" smtClean="0"/>
+              <a:t>php</a:t>
+            </a:r>
+            <a:r>
+              <a:rPr lang="en-GB" dirty="0" smtClean="0"/>
+              <a:t> echo ‘Hello World’; ?&gt;</a:t>
+            </a:r>
             <a:endParaRPr lang="en-GB" dirty="0" smtClean="0"/>
           </a:p>
           <a:p>
@@ -8414,7 +8765,7 @@
 </p:sld>
 </file>
 
-<file path=ppt/slides/slide24.xml><?xml version="1.0" encoding="utf-8"?>
+<file path=ppt/slides/slide28.xml><?xml version="1.0" encoding="utf-8"?>
 <p:sld xmlns:a="http://schemas.openxmlformats.org/drawingml/2006/main" xmlns:r="http://schemas.openxmlformats.org/officeDocument/2006/relationships" xmlns:p="http://schemas.openxmlformats.org/presentationml/2006/main">
   <p:cSld>
     <p:spTree>
@@ -8537,7 +8888,7 @@
 </p:sld>
 </file>
 
-<file path=ppt/slides/slide25.xml><?xml version="1.0" encoding="utf-8"?>
+<file path=ppt/slides/slide29.xml><?xml version="1.0" encoding="utf-8"?>
 <p:sld xmlns:a="http://schemas.openxmlformats.org/drawingml/2006/main" xmlns:r="http://schemas.openxmlformats.org/officeDocument/2006/relationships" xmlns:p="http://schemas.openxmlformats.org/presentationml/2006/main">
   <p:cSld>
     <p:spTree>
@@ -8600,15 +8951,7 @@
           <a:p>
             <a:r>
               <a:rPr lang="en-GB" dirty="0" smtClean="0"/>
-              <a:t>The type of </a:t>
-            </a:r>
-            <a:r>
-              <a:rPr lang="en-GB" dirty="0" smtClean="0"/>
-              <a:t>a variable </a:t>
-            </a:r>
-            <a:r>
-              <a:rPr lang="en-GB" dirty="0" smtClean="0"/>
-              <a:t>changes with the type of value attributed to it</a:t>
+              <a:t>The type of a variable changes with the type of value attributed to it</a:t>
             </a:r>
           </a:p>
           <a:p>
@@ -8633,7 +8976,7 @@
 </p:sld>
 </file>
 
-<file path=ppt/slides/slide26.xml><?xml version="1.0" encoding="utf-8"?>
+<file path=ppt/slides/slide3.xml><?xml version="1.0" encoding="utf-8"?>
 <p:sld xmlns:a="http://schemas.openxmlformats.org/drawingml/2006/main" xmlns:r="http://schemas.openxmlformats.org/officeDocument/2006/relationships" xmlns:p="http://schemas.openxmlformats.org/presentationml/2006/main">
   <p:cSld>
     <p:spTree>
@@ -8666,71 +9009,17 @@
           <a:lstStyle/>
           <a:p>
             <a:r>
-              <a:rPr lang="en-GB" dirty="0" smtClean="0"/>
-              <a:t>PHP</a:t>
-            </a:r>
-            <a:endParaRPr lang="pt-PT" dirty="0"/>
-          </a:p>
-        </p:txBody>
-      </p:sp>
-      <p:sp>
-        <p:nvSpPr>
-          <p:cNvPr id="3" name="Marcador de Posição do Texto 2"/>
-          <p:cNvSpPr>
-            <a:spLocks noGrp="1"/>
-          </p:cNvSpPr>
-          <p:nvPr>
-            <p:ph type="body" idx="1"/>
-          </p:nvPr>
-        </p:nvSpPr>
-        <p:spPr/>
-        <p:txBody>
-          <a:bodyPr/>
-          <a:lstStyle/>
-          <a:p>
-            <a:r>
               <a:rPr lang="en-GB" b="1" dirty="0" smtClean="0"/>
-              <a:t>Control structures</a:t>
-            </a:r>
-          </a:p>
-          <a:p>
-            <a:endParaRPr lang="en-GB" b="1" dirty="0" smtClean="0"/>
-          </a:p>
-          <a:p>
-            <a:r>
-              <a:rPr lang="en-GB" i="1" dirty="0" err="1" smtClean="0"/>
-              <a:t>Php</a:t>
-            </a:r>
-            <a:r>
-              <a:rPr lang="en-GB" i="1" dirty="0" smtClean="0"/>
-              <a:t> </a:t>
-            </a:r>
-            <a:r>
-              <a:rPr lang="en-GB" dirty="0" smtClean="0"/>
-              <a:t>has the common control structures: </a:t>
-            </a:r>
-            <a:r>
-              <a:rPr lang="en-GB" i="1" dirty="0" smtClean="0"/>
-              <a:t>while loops, for loops, </a:t>
-            </a:r>
-            <a:r>
-              <a:rPr lang="en-GB" i="1" dirty="0" err="1" smtClean="0"/>
-              <a:t>if..else</a:t>
-            </a:r>
-            <a:r>
-              <a:rPr lang="en-GB" i="1" dirty="0" smtClean="0"/>
-              <a:t>, break, continue, switch, die/exit.</a:t>
-            </a:r>
-          </a:p>
-          <a:p>
-            <a:endParaRPr lang="pt-PT" i="1" dirty="0"/>
+              <a:t>HTML</a:t>
+            </a:r>
+            <a:endParaRPr lang="pt-PT" b="1" dirty="0"/>
           </a:p>
         </p:txBody>
       </p:sp>
     </p:spTree>
     <p:extLst>
       <p:ext uri="{BB962C8B-B14F-4D97-AF65-F5344CB8AC3E}">
-        <p14:creationId xmlns:p14="http://schemas.microsoft.com/office/powerpoint/2010/main" val="2837097917"/>
+        <p14:creationId xmlns:p14="http://schemas.microsoft.com/office/powerpoint/2010/main" val="2499278189"/>
       </p:ext>
     </p:extLst>
   </p:cSld>
@@ -8740,7 +9029,7 @@
 </p:sld>
 </file>
 
-<file path=ppt/slides/slide27.xml><?xml version="1.0" encoding="utf-8"?>
+<file path=ppt/slides/slide30.xml><?xml version="1.0" encoding="utf-8"?>
 <p:sld xmlns:a="http://schemas.openxmlformats.org/drawingml/2006/main" xmlns:r="http://schemas.openxmlformats.org/officeDocument/2006/relationships" xmlns:p="http://schemas.openxmlformats.org/presentationml/2006/main">
   <p:cSld>
     <p:spTree>
@@ -8797,40 +9086,47 @@
           <a:p>
             <a:r>
               <a:rPr lang="en-GB" b="1" dirty="0" smtClean="0"/>
-              <a:t>Loose and Strict comparators</a:t>
-            </a:r>
-          </a:p>
-          <a:p>
+              <a:t>Control structures</a:t>
+            </a:r>
+          </a:p>
+          <a:p>
+            <a:endParaRPr lang="en-GB" b="1" dirty="0" smtClean="0"/>
+          </a:p>
+          <a:p>
+            <a:r>
+              <a:rPr lang="en-GB" i="1" dirty="0" err="1" smtClean="0"/>
+              <a:t>Php</a:t>
+            </a:r>
+            <a:r>
+              <a:rPr lang="en-GB" i="1" dirty="0" smtClean="0"/>
+              <a:t> </a:t>
+            </a:r>
             <a:r>
               <a:rPr lang="en-GB" dirty="0" smtClean="0"/>
-              <a:t>Loose comparator	$a == $b</a:t>
-            </a:r>
-          </a:p>
-          <a:p>
-            <a:r>
-              <a:rPr lang="en-GB" dirty="0" smtClean="0"/>
-              <a:t>Strict comparator		$a === $b</a:t>
-            </a:r>
-          </a:p>
-          <a:p>
-            <a:r>
-              <a:rPr lang="en-GB" dirty="0" smtClean="0"/>
-              <a:t>A loose comparator casts one of the variables to the type of the other in order to compare them</a:t>
-            </a:r>
-          </a:p>
-          <a:p>
-            <a:r>
-              <a:rPr lang="en-GB" dirty="0" smtClean="0"/>
-              <a:t>A strict comparator takes into account the variable type. Therefore, a strict comparison is only true if the variables are equal and of the same type</a:t>
-            </a:r>
-            <a:endParaRPr lang="pt-PT" dirty="0"/>
+              <a:t>has the common control structures: </a:t>
+            </a:r>
+            <a:r>
+              <a:rPr lang="en-GB" i="1" dirty="0" smtClean="0"/>
+              <a:t>while loops, for loops, </a:t>
+            </a:r>
+            <a:r>
+              <a:rPr lang="en-GB" i="1" dirty="0" err="1" smtClean="0"/>
+              <a:t>if..else</a:t>
+            </a:r>
+            <a:r>
+              <a:rPr lang="en-GB" i="1" dirty="0" smtClean="0"/>
+              <a:t>, break, continue, switch, die/exit.</a:t>
+            </a:r>
+          </a:p>
+          <a:p>
+            <a:endParaRPr lang="pt-PT" i="1" dirty="0"/>
           </a:p>
         </p:txBody>
       </p:sp>
     </p:spTree>
     <p:extLst>
       <p:ext uri="{BB962C8B-B14F-4D97-AF65-F5344CB8AC3E}">
-        <p14:creationId xmlns:p14="http://schemas.microsoft.com/office/powerpoint/2010/main" val="1523027290"/>
+        <p14:creationId xmlns:p14="http://schemas.microsoft.com/office/powerpoint/2010/main" val="2837097917"/>
       </p:ext>
     </p:extLst>
   </p:cSld>
@@ -8840,7 +9136,7 @@
 </p:sld>
 </file>
 
-<file path=ppt/slides/slide28.xml><?xml version="1.0" encoding="utf-8"?>
+<file path=ppt/slides/slide31.xml><?xml version="1.0" encoding="utf-8"?>
 <p:sld xmlns:a="http://schemas.openxmlformats.org/drawingml/2006/main" xmlns:r="http://schemas.openxmlformats.org/officeDocument/2006/relationships" xmlns:p="http://schemas.openxmlformats.org/presentationml/2006/main">
   <p:cSld>
     <p:spTree>
@@ -8897,6 +9193,106 @@
           <a:p>
             <a:r>
               <a:rPr lang="en-GB" b="1" dirty="0" smtClean="0"/>
+              <a:t>Loose and Strict comparators</a:t>
+            </a:r>
+          </a:p>
+          <a:p>
+            <a:r>
+              <a:rPr lang="en-GB" dirty="0" smtClean="0"/>
+              <a:t>Loose comparator	$a == $b</a:t>
+            </a:r>
+          </a:p>
+          <a:p>
+            <a:r>
+              <a:rPr lang="en-GB" dirty="0" smtClean="0"/>
+              <a:t>Strict comparator		$a === $b</a:t>
+            </a:r>
+          </a:p>
+          <a:p>
+            <a:r>
+              <a:rPr lang="en-GB" dirty="0" smtClean="0"/>
+              <a:t>A loose comparator casts one of the variables to the type of the other in order to compare them</a:t>
+            </a:r>
+          </a:p>
+          <a:p>
+            <a:r>
+              <a:rPr lang="en-GB" dirty="0" smtClean="0"/>
+              <a:t>A strict comparator takes into account the variable type. Therefore, a strict comparison is only true if the variables are equal and of the same type</a:t>
+            </a:r>
+            <a:endParaRPr lang="pt-PT" dirty="0"/>
+          </a:p>
+        </p:txBody>
+      </p:sp>
+    </p:spTree>
+    <p:extLst>
+      <p:ext uri="{BB962C8B-B14F-4D97-AF65-F5344CB8AC3E}">
+        <p14:creationId xmlns:p14="http://schemas.microsoft.com/office/powerpoint/2010/main" val="1523027290"/>
+      </p:ext>
+    </p:extLst>
+  </p:cSld>
+  <p:clrMapOvr>
+    <a:masterClrMapping/>
+  </p:clrMapOvr>
+</p:sld>
+</file>
+
+<file path=ppt/slides/slide32.xml><?xml version="1.0" encoding="utf-8"?>
+<p:sld xmlns:a="http://schemas.openxmlformats.org/drawingml/2006/main" xmlns:r="http://schemas.openxmlformats.org/officeDocument/2006/relationships" xmlns:p="http://schemas.openxmlformats.org/presentationml/2006/main">
+  <p:cSld>
+    <p:spTree>
+      <p:nvGrpSpPr>
+        <p:cNvPr id="1" name=""/>
+        <p:cNvGrpSpPr/>
+        <p:nvPr/>
+      </p:nvGrpSpPr>
+      <p:grpSpPr>
+        <a:xfrm>
+          <a:off x="0" y="0"/>
+          <a:ext cx="0" cy="0"/>
+          <a:chOff x="0" y="0"/>
+          <a:chExt cx="0" cy="0"/>
+        </a:xfrm>
+      </p:grpSpPr>
+      <p:sp>
+        <p:nvSpPr>
+          <p:cNvPr id="2" name="Título 1"/>
+          <p:cNvSpPr>
+            <a:spLocks noGrp="1"/>
+          </p:cNvSpPr>
+          <p:nvPr>
+            <p:ph type="title"/>
+          </p:nvPr>
+        </p:nvSpPr>
+        <p:spPr/>
+        <p:txBody>
+          <a:bodyPr/>
+          <a:lstStyle/>
+          <a:p>
+            <a:r>
+              <a:rPr lang="en-GB" dirty="0" smtClean="0"/>
+              <a:t>PHP</a:t>
+            </a:r>
+            <a:endParaRPr lang="pt-PT" dirty="0"/>
+          </a:p>
+        </p:txBody>
+      </p:sp>
+      <p:sp>
+        <p:nvSpPr>
+          <p:cNvPr id="3" name="Marcador de Posição do Texto 2"/>
+          <p:cNvSpPr>
+            <a:spLocks noGrp="1"/>
+          </p:cNvSpPr>
+          <p:nvPr>
+            <p:ph type="body" idx="1"/>
+          </p:nvPr>
+        </p:nvSpPr>
+        <p:spPr/>
+        <p:txBody>
+          <a:bodyPr/>
+          <a:lstStyle/>
+          <a:p>
+            <a:r>
+              <a:rPr lang="en-GB" b="1" dirty="0" smtClean="0"/>
               <a:t>String concatenation</a:t>
             </a:r>
           </a:p>
@@ -9025,7 +9421,7 @@
 </p:sld>
 </file>
 
-<file path=ppt/slides/slide29.xml><?xml version="1.0" encoding="utf-8"?>
+<file path=ppt/slides/slide33.xml><?xml version="1.0" encoding="utf-8"?>
 <p:sld xmlns:a="http://schemas.openxmlformats.org/drawingml/2006/main" xmlns:r="http://schemas.openxmlformats.org/officeDocument/2006/relationships" xmlns:p="http://schemas.openxmlformats.org/presentationml/2006/main">
   <p:cSld>
     <p:spTree>
@@ -9139,189 +9535,7 @@
 </p:sld>
 </file>
 
-<file path=ppt/slides/slide3.xml><?xml version="1.0" encoding="utf-8"?>
-<p:sld xmlns:a="http://schemas.openxmlformats.org/drawingml/2006/main" xmlns:r="http://schemas.openxmlformats.org/officeDocument/2006/relationships" xmlns:p="http://schemas.openxmlformats.org/presentationml/2006/main">
-  <p:cSld>
-    <p:spTree>
-      <p:nvGrpSpPr>
-        <p:cNvPr id="1" name="Shape 69"/>
-        <p:cNvGrpSpPr/>
-        <p:nvPr/>
-      </p:nvGrpSpPr>
-      <p:grpSpPr>
-        <a:xfrm>
-          <a:off x="0" y="0"/>
-          <a:ext cx="0" cy="0"/>
-          <a:chOff x="0" y="0"/>
-          <a:chExt cx="0" cy="0"/>
-        </a:xfrm>
-      </p:grpSpPr>
-      <p:sp>
-        <p:nvSpPr>
-          <p:cNvPr id="70" name="Shape 70"/>
-          <p:cNvSpPr txBox="1">
-            <a:spLocks noGrp="1"/>
-          </p:cNvSpPr>
-          <p:nvPr>
-            <p:ph type="title"/>
-          </p:nvPr>
-        </p:nvSpPr>
-        <p:spPr>
-          <a:xfrm>
-            <a:off x="311700" y="445025"/>
-            <a:ext cx="8520600" cy="572700"/>
-          </a:xfrm>
-          <a:prstGeom prst="rect">
-            <a:avLst/>
-          </a:prstGeom>
-        </p:spPr>
-        <p:txBody>
-          <a:bodyPr lIns="91425" tIns="91425" rIns="91425" bIns="91425" anchor="t" anchorCtr="0">
-            <a:noAutofit/>
-          </a:bodyPr>
-          <a:lstStyle/>
-          <a:p>
-            <a:pPr lvl="0">
-              <a:spcBef>
-                <a:spcPts val="0"/>
-              </a:spcBef>
-              <a:buNone/>
-            </a:pPr>
-            <a:r>
-              <a:rPr lang="en" dirty="0" smtClean="0">
-                <a:solidFill>
-                  <a:schemeClr val="lt1"/>
-                </a:solidFill>
-              </a:rPr>
-              <a:t>HTML</a:t>
-            </a:r>
-            <a:endParaRPr lang="en" dirty="0">
-              <a:solidFill>
-                <a:schemeClr val="lt1"/>
-              </a:solidFill>
-            </a:endParaRPr>
-          </a:p>
-        </p:txBody>
-      </p:sp>
-      <p:sp>
-        <p:nvSpPr>
-          <p:cNvPr id="71" name="Shape 71"/>
-          <p:cNvSpPr txBox="1">
-            <a:spLocks noGrp="1"/>
-          </p:cNvSpPr>
-          <p:nvPr>
-            <p:ph type="body" idx="1"/>
-          </p:nvPr>
-        </p:nvSpPr>
-        <p:spPr>
-          <a:xfrm>
-            <a:off x="339025" y="1575975"/>
-            <a:ext cx="8520600" cy="3416400"/>
-          </a:xfrm>
-          <a:prstGeom prst="rect">
-            <a:avLst/>
-          </a:prstGeom>
-        </p:spPr>
-        <p:txBody>
-          <a:bodyPr lIns="91425" tIns="91425" rIns="91425" bIns="91425" anchor="t" anchorCtr="0">
-            <a:noAutofit/>
-          </a:bodyPr>
-          <a:lstStyle/>
-          <a:p>
-            <a:pPr lvl="0">
-              <a:spcBef>
-                <a:spcPts val="0"/>
-              </a:spcBef>
-              <a:buNone/>
-            </a:pPr>
-            <a:r>
-              <a:rPr lang="en" dirty="0" smtClean="0"/>
-              <a:t>HTML is composed of a tree of HTML elements</a:t>
-            </a:r>
-          </a:p>
-          <a:p>
-            <a:pPr lvl="0">
-              <a:spcBef>
-                <a:spcPts val="0"/>
-              </a:spcBef>
-              <a:buNone/>
-            </a:pPr>
-            <a:r>
-              <a:rPr lang="en" dirty="0" smtClean="0"/>
-              <a:t>Elements can contain other elements or text</a:t>
-            </a:r>
-          </a:p>
-          <a:p>
-            <a:pPr lvl="0">
-              <a:spcBef>
-                <a:spcPts val="0"/>
-              </a:spcBef>
-              <a:buNone/>
-            </a:pPr>
-            <a:r>
-              <a:rPr lang="en" dirty="0" smtClean="0"/>
-              <a:t>HTML elements are defined by tags</a:t>
-            </a:r>
-          </a:p>
-          <a:p>
-            <a:pPr lvl="0">
-              <a:spcBef>
-                <a:spcPts val="0"/>
-              </a:spcBef>
-              <a:buNone/>
-            </a:pPr>
-            <a:r>
-              <a:rPr lang="en" dirty="0" smtClean="0"/>
-              <a:t>Elements can have attributes</a:t>
-            </a:r>
-          </a:p>
-          <a:p>
-            <a:pPr lvl="0">
-              <a:spcBef>
-                <a:spcPts val="0"/>
-              </a:spcBef>
-              <a:buNone/>
-            </a:pPr>
-            <a:r>
-              <a:rPr lang="en" dirty="0" smtClean="0"/>
-              <a:t>A tag starts with a &lt; and ends with a &gt; and always contains a name. &lt;html&gt;</a:t>
-            </a:r>
-          </a:p>
-          <a:p>
-            <a:pPr lvl="0">
-              <a:spcBef>
-                <a:spcPts val="0"/>
-              </a:spcBef>
-              <a:buNone/>
-            </a:pPr>
-            <a:r>
-              <a:rPr lang="en" dirty="0" smtClean="0"/>
-              <a:t>Some tags come in pairs, an opening tag and a closing tag. </a:t>
-            </a:r>
-          </a:p>
-          <a:p>
-            <a:pPr lvl="0">
-              <a:spcBef>
-                <a:spcPts val="0"/>
-              </a:spcBef>
-              <a:buNone/>
-            </a:pPr>
-            <a:r>
-              <a:rPr lang="en" dirty="0" smtClean="0"/>
-              <a:t>&lt;html&gt; content &lt;/html&gt;</a:t>
-            </a:r>
-          </a:p>
-        </p:txBody>
-      </p:sp>
-    </p:spTree>
-  </p:cSld>
-  <p:clrMapOvr>
-    <a:masterClrMapping/>
-  </p:clrMapOvr>
-</p:sld>
-</file>
-
-<file path=ppt/slides/slide30.xml><?xml version="1.0" encoding="utf-8"?>
+<file path=ppt/slides/slide34.xml><?xml version="1.0" encoding="utf-8"?>
 <p:sld xmlns:a="http://schemas.openxmlformats.org/drawingml/2006/main" xmlns:r="http://schemas.openxmlformats.org/officeDocument/2006/relationships" xmlns:p="http://schemas.openxmlformats.org/presentationml/2006/main">
   <p:cSld>
     <p:spTree>
@@ -9439,7 +9653,7 @@
 </p:sld>
 </file>
 
-<file path=ppt/slides/slide31.xml><?xml version="1.0" encoding="utf-8"?>
+<file path=ppt/slides/slide35.xml><?xml version="1.0" encoding="utf-8"?>
 <p:sld xmlns:a="http://schemas.openxmlformats.org/drawingml/2006/main" xmlns:r="http://schemas.openxmlformats.org/officeDocument/2006/relationships" xmlns:p="http://schemas.openxmlformats.org/presentationml/2006/main">
   <p:cSld>
     <p:spTree>
@@ -9565,7 +9779,7 @@
 </p:sld>
 </file>
 
-<file path=ppt/slides/slide32.xml><?xml version="1.0" encoding="utf-8"?>
+<file path=ppt/slides/slide36.xml><?xml version="1.0" encoding="utf-8"?>
 <p:sld xmlns:a="http://schemas.openxmlformats.org/drawingml/2006/main" xmlns:r="http://schemas.openxmlformats.org/officeDocument/2006/relationships" xmlns:p="http://schemas.openxmlformats.org/presentationml/2006/main">
   <p:cSld>
     <p:spTree>
@@ -9763,7 +9977,7 @@
 </p:sld>
 </file>
 
-<file path=ppt/slides/slide33.xml><?xml version="1.0" encoding="utf-8"?>
+<file path=ppt/slides/slide37.xml><?xml version="1.0" encoding="utf-8"?>
 <p:sld xmlns:a="http://schemas.openxmlformats.org/drawingml/2006/main" xmlns:r="http://schemas.openxmlformats.org/officeDocument/2006/relationships" xmlns:p="http://schemas.openxmlformats.org/presentationml/2006/main">
   <p:cSld>
     <p:spTree>
@@ -9877,7 +10091,7 @@
 </p:sld>
 </file>
 
-<file path=ppt/slides/slide34.xml><?xml version="1.0" encoding="utf-8"?>
+<file path=ppt/slides/slide38.xml><?xml version="1.0" encoding="utf-8"?>
 <p:sld xmlns:a="http://schemas.openxmlformats.org/drawingml/2006/main" xmlns:r="http://schemas.openxmlformats.org/officeDocument/2006/relationships" xmlns:p="http://schemas.openxmlformats.org/presentationml/2006/main">
   <p:cSld>
     <p:spTree>
@@ -9983,7 +10197,7 @@
 </p:sld>
 </file>
 
-<file path=ppt/slides/slide35.xml><?xml version="1.0" encoding="utf-8"?>
+<file path=ppt/slides/slide39.xml><?xml version="1.0" encoding="utf-8"?>
 <p:sld xmlns:a="http://schemas.openxmlformats.org/drawingml/2006/main" xmlns:r="http://schemas.openxmlformats.org/officeDocument/2006/relationships" xmlns:p="http://schemas.openxmlformats.org/presentationml/2006/main">
   <p:cSld>
     <p:spTree>
@@ -10097,7 +10311,189 @@
 </p:sld>
 </file>
 
-<file path=ppt/slides/slide36.xml><?xml version="1.0" encoding="utf-8"?>
+<file path=ppt/slides/slide4.xml><?xml version="1.0" encoding="utf-8"?>
+<p:sld xmlns:a="http://schemas.openxmlformats.org/drawingml/2006/main" xmlns:r="http://schemas.openxmlformats.org/officeDocument/2006/relationships" xmlns:p="http://schemas.openxmlformats.org/presentationml/2006/main">
+  <p:cSld>
+    <p:spTree>
+      <p:nvGrpSpPr>
+        <p:cNvPr id="1" name="Shape 69"/>
+        <p:cNvGrpSpPr/>
+        <p:nvPr/>
+      </p:nvGrpSpPr>
+      <p:grpSpPr>
+        <a:xfrm>
+          <a:off x="0" y="0"/>
+          <a:ext cx="0" cy="0"/>
+          <a:chOff x="0" y="0"/>
+          <a:chExt cx="0" cy="0"/>
+        </a:xfrm>
+      </p:grpSpPr>
+      <p:sp>
+        <p:nvSpPr>
+          <p:cNvPr id="70" name="Shape 70"/>
+          <p:cNvSpPr txBox="1">
+            <a:spLocks noGrp="1"/>
+          </p:cNvSpPr>
+          <p:nvPr>
+            <p:ph type="title"/>
+          </p:nvPr>
+        </p:nvSpPr>
+        <p:spPr>
+          <a:xfrm>
+            <a:off x="311700" y="445025"/>
+            <a:ext cx="8520600" cy="572700"/>
+          </a:xfrm>
+          <a:prstGeom prst="rect">
+            <a:avLst/>
+          </a:prstGeom>
+        </p:spPr>
+        <p:txBody>
+          <a:bodyPr lIns="91425" tIns="91425" rIns="91425" bIns="91425" anchor="t" anchorCtr="0">
+            <a:noAutofit/>
+          </a:bodyPr>
+          <a:lstStyle/>
+          <a:p>
+            <a:pPr lvl="0">
+              <a:spcBef>
+                <a:spcPts val="0"/>
+              </a:spcBef>
+              <a:buNone/>
+            </a:pPr>
+            <a:r>
+              <a:rPr lang="en" dirty="0" smtClean="0">
+                <a:solidFill>
+                  <a:schemeClr val="lt1"/>
+                </a:solidFill>
+              </a:rPr>
+              <a:t>HTML</a:t>
+            </a:r>
+            <a:endParaRPr lang="en" dirty="0">
+              <a:solidFill>
+                <a:schemeClr val="lt1"/>
+              </a:solidFill>
+            </a:endParaRPr>
+          </a:p>
+        </p:txBody>
+      </p:sp>
+      <p:sp>
+        <p:nvSpPr>
+          <p:cNvPr id="71" name="Shape 71"/>
+          <p:cNvSpPr txBox="1">
+            <a:spLocks noGrp="1"/>
+          </p:cNvSpPr>
+          <p:nvPr>
+            <p:ph type="body" idx="1"/>
+          </p:nvPr>
+        </p:nvSpPr>
+        <p:spPr>
+          <a:xfrm>
+            <a:off x="339025" y="1575975"/>
+            <a:ext cx="8520600" cy="3416400"/>
+          </a:xfrm>
+          <a:prstGeom prst="rect">
+            <a:avLst/>
+          </a:prstGeom>
+        </p:spPr>
+        <p:txBody>
+          <a:bodyPr lIns="91425" tIns="91425" rIns="91425" bIns="91425" anchor="t" anchorCtr="0">
+            <a:noAutofit/>
+          </a:bodyPr>
+          <a:lstStyle/>
+          <a:p>
+            <a:pPr lvl="0">
+              <a:spcBef>
+                <a:spcPts val="0"/>
+              </a:spcBef>
+              <a:buNone/>
+            </a:pPr>
+            <a:r>
+              <a:rPr lang="en" dirty="0" smtClean="0"/>
+              <a:t>HTML is composed of a tree of HTML elements</a:t>
+            </a:r>
+          </a:p>
+          <a:p>
+            <a:pPr lvl="0">
+              <a:spcBef>
+                <a:spcPts val="0"/>
+              </a:spcBef>
+              <a:buNone/>
+            </a:pPr>
+            <a:r>
+              <a:rPr lang="en" dirty="0" smtClean="0"/>
+              <a:t>Elements can contain other elements or text</a:t>
+            </a:r>
+          </a:p>
+          <a:p>
+            <a:pPr lvl="0">
+              <a:spcBef>
+                <a:spcPts val="0"/>
+              </a:spcBef>
+              <a:buNone/>
+            </a:pPr>
+            <a:r>
+              <a:rPr lang="en" dirty="0" smtClean="0"/>
+              <a:t>HTML elements are defined by tags</a:t>
+            </a:r>
+          </a:p>
+          <a:p>
+            <a:pPr lvl="0">
+              <a:spcBef>
+                <a:spcPts val="0"/>
+              </a:spcBef>
+              <a:buNone/>
+            </a:pPr>
+            <a:r>
+              <a:rPr lang="en" dirty="0" smtClean="0"/>
+              <a:t>Elements can have attributes</a:t>
+            </a:r>
+          </a:p>
+          <a:p>
+            <a:pPr lvl="0">
+              <a:spcBef>
+                <a:spcPts val="0"/>
+              </a:spcBef>
+              <a:buNone/>
+            </a:pPr>
+            <a:r>
+              <a:rPr lang="en" dirty="0" smtClean="0"/>
+              <a:t>A tag starts with a &lt; and ends with a &gt; and always contains a name. &lt;html&gt;</a:t>
+            </a:r>
+          </a:p>
+          <a:p>
+            <a:pPr lvl="0">
+              <a:spcBef>
+                <a:spcPts val="0"/>
+              </a:spcBef>
+              <a:buNone/>
+            </a:pPr>
+            <a:r>
+              <a:rPr lang="en" dirty="0" smtClean="0"/>
+              <a:t>Some tags come in pairs, an opening tag and a closing tag. </a:t>
+            </a:r>
+          </a:p>
+          <a:p>
+            <a:pPr lvl="0">
+              <a:spcBef>
+                <a:spcPts val="0"/>
+              </a:spcBef>
+              <a:buNone/>
+            </a:pPr>
+            <a:r>
+              <a:rPr lang="en" dirty="0" smtClean="0"/>
+              <a:t>&lt;html&gt; content &lt;/html&gt;</a:t>
+            </a:r>
+          </a:p>
+        </p:txBody>
+      </p:sp>
+    </p:spTree>
+  </p:cSld>
+  <p:clrMapOvr>
+    <a:masterClrMapping/>
+  </p:clrMapOvr>
+</p:sld>
+</file>
+
+<file path=ppt/slides/slide40.xml><?xml version="1.0" encoding="utf-8"?>
 <p:sld xmlns:a="http://schemas.openxmlformats.org/drawingml/2006/main" xmlns:r="http://schemas.openxmlformats.org/officeDocument/2006/relationships" xmlns:p="http://schemas.openxmlformats.org/presentationml/2006/main">
   <p:cSld>
     <p:spTree>
@@ -10277,7 +10673,7 @@
 </p:sld>
 </file>
 
-<file path=ppt/slides/slide37.xml><?xml version="1.0" encoding="utf-8"?>
+<file path=ppt/slides/slide41.xml><?xml version="1.0" encoding="utf-8"?>
 <p:sld xmlns:a="http://schemas.openxmlformats.org/drawingml/2006/main" xmlns:r="http://schemas.openxmlformats.org/officeDocument/2006/relationships" xmlns:p="http://schemas.openxmlformats.org/presentationml/2006/main">
   <p:cSld>
     <p:spTree>
@@ -10365,7 +10761,7 @@
 </p:sld>
 </file>
 
-<file path=ppt/slides/slide38.xml><?xml version="1.0" encoding="utf-8"?>
+<file path=ppt/slides/slide42.xml><?xml version="1.0" encoding="utf-8"?>
 <p:sld xmlns:a="http://schemas.openxmlformats.org/drawingml/2006/main" xmlns:r="http://schemas.openxmlformats.org/officeDocument/2006/relationships" xmlns:p="http://schemas.openxmlformats.org/presentationml/2006/main">
   <p:cSld>
     <p:spTree>
@@ -10510,7 +10906,7 @@
 </p:sld>
 </file>
 
-<file path=ppt/slides/slide39.xml><?xml version="1.0" encoding="utf-8"?>
+<file path=ppt/slides/slide43.xml><?xml version="1.0" encoding="utf-8"?>
 <p:sld xmlns:a="http://schemas.openxmlformats.org/drawingml/2006/main" xmlns:r="http://schemas.openxmlformats.org/officeDocument/2006/relationships" xmlns:p="http://schemas.openxmlformats.org/presentationml/2006/main">
   <p:cSld>
     <p:spTree>
@@ -10683,188 +11079,7 @@
 </p:sld>
 </file>
 
-<file path=ppt/slides/slide4.xml><?xml version="1.0" encoding="utf-8"?>
-<p:sld xmlns:a="http://schemas.openxmlformats.org/drawingml/2006/main" xmlns:r="http://schemas.openxmlformats.org/officeDocument/2006/relationships" xmlns:p="http://schemas.openxmlformats.org/presentationml/2006/main">
-  <p:cSld>
-    <p:spTree>
-      <p:nvGrpSpPr>
-        <p:cNvPr id="1" name="Shape 69"/>
-        <p:cNvGrpSpPr/>
-        <p:nvPr/>
-      </p:nvGrpSpPr>
-      <p:grpSpPr>
-        <a:xfrm>
-          <a:off x="0" y="0"/>
-          <a:ext cx="0" cy="0"/>
-          <a:chOff x="0" y="0"/>
-          <a:chExt cx="0" cy="0"/>
-        </a:xfrm>
-      </p:grpSpPr>
-      <p:sp>
-        <p:nvSpPr>
-          <p:cNvPr id="70" name="Shape 70"/>
-          <p:cNvSpPr txBox="1">
-            <a:spLocks noGrp="1"/>
-          </p:cNvSpPr>
-          <p:nvPr>
-            <p:ph type="title"/>
-          </p:nvPr>
-        </p:nvSpPr>
-        <p:spPr>
-          <a:xfrm>
-            <a:off x="311700" y="445025"/>
-            <a:ext cx="8520600" cy="572700"/>
-          </a:xfrm>
-          <a:prstGeom prst="rect">
-            <a:avLst/>
-          </a:prstGeom>
-        </p:spPr>
-        <p:txBody>
-          <a:bodyPr lIns="91425" tIns="91425" rIns="91425" bIns="91425" anchor="t" anchorCtr="0">
-            <a:noAutofit/>
-          </a:bodyPr>
-          <a:lstStyle/>
-          <a:p>
-            <a:pPr lvl="0">
-              <a:spcBef>
-                <a:spcPts val="0"/>
-              </a:spcBef>
-              <a:buNone/>
-            </a:pPr>
-            <a:r>
-              <a:rPr lang="en" dirty="0" smtClean="0">
-                <a:solidFill>
-                  <a:schemeClr val="lt1"/>
-                </a:solidFill>
-              </a:rPr>
-              <a:t>HTML</a:t>
-            </a:r>
-            <a:endParaRPr lang="en" dirty="0">
-              <a:solidFill>
-                <a:schemeClr val="lt1"/>
-              </a:solidFill>
-            </a:endParaRPr>
-          </a:p>
-        </p:txBody>
-      </p:sp>
-      <p:sp>
-        <p:nvSpPr>
-          <p:cNvPr id="71" name="Shape 71"/>
-          <p:cNvSpPr txBox="1">
-            <a:spLocks noGrp="1"/>
-          </p:cNvSpPr>
-          <p:nvPr>
-            <p:ph type="body" idx="1"/>
-          </p:nvPr>
-        </p:nvSpPr>
-        <p:spPr>
-          <a:xfrm>
-            <a:off x="339025" y="1575975"/>
-            <a:ext cx="8520600" cy="3416400"/>
-          </a:xfrm>
-          <a:prstGeom prst="rect">
-            <a:avLst/>
-          </a:prstGeom>
-        </p:spPr>
-        <p:txBody>
-          <a:bodyPr lIns="91425" tIns="91425" rIns="91425" bIns="91425" anchor="t" anchorCtr="0">
-            <a:noAutofit/>
-          </a:bodyPr>
-          <a:lstStyle/>
-          <a:p>
-            <a:pPr lvl="0">
-              <a:spcBef>
-                <a:spcPts val="0"/>
-              </a:spcBef>
-              <a:buNone/>
-            </a:pPr>
-            <a:r>
-              <a:rPr lang="en" dirty="0" smtClean="0"/>
-              <a:t>HTML elements can have children. Those elements have an opening and an ending tag.</a:t>
-            </a:r>
-          </a:p>
-          <a:p>
-            <a:pPr lvl="0">
-              <a:spcBef>
-                <a:spcPts val="0"/>
-              </a:spcBef>
-              <a:buNone/>
-            </a:pPr>
-            <a:endParaRPr lang="en" dirty="0" smtClean="0"/>
-          </a:p>
-          <a:p>
-            <a:pPr lvl="0">
-              <a:spcBef>
-                <a:spcPts val="0"/>
-              </a:spcBef>
-              <a:buNone/>
-            </a:pPr>
-            <a:endParaRPr lang="en" dirty="0"/>
-          </a:p>
-          <a:p>
-            <a:pPr lvl="0">
-              <a:spcBef>
-                <a:spcPts val="0"/>
-              </a:spcBef>
-              <a:buNone/>
-            </a:pPr>
-            <a:endParaRPr lang="en" dirty="0" smtClean="0"/>
-          </a:p>
-          <a:p>
-            <a:pPr lvl="0">
-              <a:spcBef>
-                <a:spcPts val="0"/>
-              </a:spcBef>
-              <a:buNone/>
-            </a:pPr>
-            <a:endParaRPr lang="en" dirty="0" smtClean="0"/>
-          </a:p>
-        </p:txBody>
-      </p:sp>
-      <p:pic>
-        <p:nvPicPr>
-          <p:cNvPr id="2" name="Imagem 1"/>
-          <p:cNvPicPr>
-            <a:picLocks noChangeAspect="1"/>
-          </p:cNvPicPr>
-          <p:nvPr/>
-        </p:nvPicPr>
-        <p:blipFill>
-          <a:blip r:embed="rId3">
-            <a:extLst>
-              <a:ext uri="{28A0092B-C50C-407E-A947-70E740481C1C}">
-                <a14:useLocalDpi xmlns:a14="http://schemas.microsoft.com/office/drawing/2010/main" val="0"/>
-              </a:ext>
-            </a:extLst>
-          </a:blip>
-          <a:stretch>
-            <a:fillRect/>
-          </a:stretch>
-        </p:blipFill>
-        <p:spPr>
-          <a:xfrm>
-            <a:off x="3976098" y="2156840"/>
-            <a:ext cx="4607739" cy="2719532"/>
-          </a:xfrm>
-          <a:prstGeom prst="rect">
-            <a:avLst/>
-          </a:prstGeom>
-        </p:spPr>
-      </p:pic>
-    </p:spTree>
-    <p:extLst>
-      <p:ext uri="{BB962C8B-B14F-4D97-AF65-F5344CB8AC3E}">
-        <p14:creationId xmlns:p14="http://schemas.microsoft.com/office/powerpoint/2010/main" val="4060848665"/>
-      </p:ext>
-    </p:extLst>
-  </p:cSld>
-  <p:clrMapOvr>
-    <a:masterClrMapping/>
-  </p:clrMapOvr>
-</p:sld>
-</file>
-
-<file path=ppt/slides/slide40.xml><?xml version="1.0" encoding="utf-8"?>
+<file path=ppt/slides/slide44.xml><?xml version="1.0" encoding="utf-8"?>
 <p:sld xmlns:a="http://schemas.openxmlformats.org/drawingml/2006/main" xmlns:r="http://schemas.openxmlformats.org/officeDocument/2006/relationships" xmlns:p="http://schemas.openxmlformats.org/presentationml/2006/main">
   <p:cSld>
     <p:spTree>
@@ -10980,7 +11195,211 @@
 </p:sld>
 </file>
 
-<file path=ppt/slides/slide41.xml><?xml version="1.0" encoding="utf-8"?>
+<file path=ppt/slides/slide45.xml><?xml version="1.0" encoding="utf-8"?>
+<p:sld xmlns:a="http://schemas.openxmlformats.org/drawingml/2006/main" xmlns:r="http://schemas.openxmlformats.org/officeDocument/2006/relationships" xmlns:p="http://schemas.openxmlformats.org/presentationml/2006/main">
+  <p:cSld>
+    <p:spTree>
+      <p:nvGrpSpPr>
+        <p:cNvPr id="1" name=""/>
+        <p:cNvGrpSpPr/>
+        <p:nvPr/>
+      </p:nvGrpSpPr>
+      <p:grpSpPr>
+        <a:xfrm>
+          <a:off x="0" y="0"/>
+          <a:ext cx="0" cy="0"/>
+          <a:chOff x="0" y="0"/>
+          <a:chExt cx="0" cy="0"/>
+        </a:xfrm>
+      </p:grpSpPr>
+      <p:sp>
+        <p:nvSpPr>
+          <p:cNvPr id="2" name="Título 1"/>
+          <p:cNvSpPr>
+            <a:spLocks noGrp="1"/>
+          </p:cNvSpPr>
+          <p:nvPr>
+            <p:ph type="title"/>
+          </p:nvPr>
+        </p:nvSpPr>
+        <p:spPr/>
+        <p:txBody>
+          <a:bodyPr/>
+          <a:lstStyle/>
+          <a:p>
+            <a:r>
+              <a:rPr lang="en-GB" dirty="0" smtClean="0"/>
+              <a:t>Let’s get to work!</a:t>
+            </a:r>
+            <a:endParaRPr lang="pt-PT" dirty="0"/>
+          </a:p>
+        </p:txBody>
+      </p:sp>
+    </p:spTree>
+    <p:extLst>
+      <p:ext uri="{BB962C8B-B14F-4D97-AF65-F5344CB8AC3E}">
+        <p14:creationId xmlns:p14="http://schemas.microsoft.com/office/powerpoint/2010/main" val="2981345496"/>
+      </p:ext>
+    </p:extLst>
+  </p:cSld>
+  <p:clrMapOvr>
+    <a:masterClrMapping/>
+  </p:clrMapOvr>
+</p:sld>
+</file>
+
+<file path=ppt/slides/slide46.xml><?xml version="1.0" encoding="utf-8"?>
+<p:sld xmlns:a="http://schemas.openxmlformats.org/drawingml/2006/main" xmlns:r="http://schemas.openxmlformats.org/officeDocument/2006/relationships" xmlns:p="http://schemas.openxmlformats.org/presentationml/2006/main">
+  <p:cSld>
+    <p:spTree>
+      <p:nvGrpSpPr>
+        <p:cNvPr id="1" name=""/>
+        <p:cNvGrpSpPr/>
+        <p:nvPr/>
+      </p:nvGrpSpPr>
+      <p:grpSpPr>
+        <a:xfrm>
+          <a:off x="0" y="0"/>
+          <a:ext cx="0" cy="0"/>
+          <a:chOff x="0" y="0"/>
+          <a:chExt cx="0" cy="0"/>
+        </a:xfrm>
+      </p:grpSpPr>
+      <p:sp>
+        <p:nvSpPr>
+          <p:cNvPr id="2" name="Título 1"/>
+          <p:cNvSpPr>
+            <a:spLocks noGrp="1"/>
+          </p:cNvSpPr>
+          <p:nvPr>
+            <p:ph type="title"/>
+          </p:nvPr>
+        </p:nvSpPr>
+        <p:spPr/>
+        <p:txBody>
+          <a:bodyPr/>
+          <a:lstStyle/>
+          <a:p>
+            <a:r>
+              <a:rPr lang="en-GB" b="1" dirty="0" smtClean="0"/>
+              <a:t>PHP</a:t>
+            </a:r>
+            <a:endParaRPr lang="pt-PT" b="1" dirty="0"/>
+          </a:p>
+        </p:txBody>
+      </p:sp>
+    </p:spTree>
+    <p:extLst>
+      <p:ext uri="{BB962C8B-B14F-4D97-AF65-F5344CB8AC3E}">
+        <p14:creationId xmlns:p14="http://schemas.microsoft.com/office/powerpoint/2010/main" val="3887989"/>
+      </p:ext>
+    </p:extLst>
+  </p:cSld>
+  <p:clrMapOvr>
+    <a:masterClrMapping/>
+  </p:clrMapOvr>
+</p:sld>
+</file>
+
+<file path=ppt/slides/slide47.xml><?xml version="1.0" encoding="utf-8"?>
+<p:sld xmlns:a="http://schemas.openxmlformats.org/drawingml/2006/main" xmlns:r="http://schemas.openxmlformats.org/officeDocument/2006/relationships" xmlns:p="http://schemas.openxmlformats.org/presentationml/2006/main">
+  <p:cSld>
+    <p:spTree>
+      <p:nvGrpSpPr>
+        <p:cNvPr id="1" name=""/>
+        <p:cNvGrpSpPr/>
+        <p:nvPr/>
+      </p:nvGrpSpPr>
+      <p:grpSpPr>
+        <a:xfrm>
+          <a:off x="0" y="0"/>
+          <a:ext cx="0" cy="0"/>
+          <a:chOff x="0" y="0"/>
+          <a:chExt cx="0" cy="0"/>
+        </a:xfrm>
+      </p:grpSpPr>
+      <p:sp>
+        <p:nvSpPr>
+          <p:cNvPr id="2" name="Título 1"/>
+          <p:cNvSpPr>
+            <a:spLocks noGrp="1"/>
+          </p:cNvSpPr>
+          <p:nvPr>
+            <p:ph type="title"/>
+          </p:nvPr>
+        </p:nvSpPr>
+        <p:spPr/>
+        <p:txBody>
+          <a:bodyPr/>
+          <a:lstStyle/>
+          <a:p>
+            <a:r>
+              <a:rPr lang="en-GB" dirty="0" err="1" smtClean="0"/>
+              <a:t>Javascript</a:t>
+            </a:r>
+            <a:endParaRPr lang="pt-PT" dirty="0"/>
+          </a:p>
+        </p:txBody>
+      </p:sp>
+      <p:sp>
+        <p:nvSpPr>
+          <p:cNvPr id="3" name="Marcador de Posição do Texto 2"/>
+          <p:cNvSpPr>
+            <a:spLocks noGrp="1"/>
+          </p:cNvSpPr>
+          <p:nvPr>
+            <p:ph type="body" idx="1"/>
+          </p:nvPr>
+        </p:nvSpPr>
+        <p:spPr/>
+        <p:txBody>
+          <a:bodyPr/>
+          <a:lstStyle/>
+          <a:p>
+            <a:r>
+              <a:rPr lang="en-GB" b="1" dirty="0" smtClean="0"/>
+              <a:t>Including </a:t>
+            </a:r>
+            <a:r>
+              <a:rPr lang="en-GB" b="1" dirty="0" err="1" smtClean="0"/>
+              <a:t>javascript</a:t>
+            </a:r>
+            <a:r>
+              <a:rPr lang="en-GB" b="1" dirty="0" smtClean="0"/>
+              <a:t> in a html page</a:t>
+            </a:r>
+          </a:p>
+          <a:p>
+            <a:r>
+              <a:rPr lang="en-GB" dirty="0" smtClean="0"/>
+              <a:t>&lt;script </a:t>
+            </a:r>
+            <a:r>
+              <a:rPr lang="en-GB" dirty="0" err="1" smtClean="0"/>
+              <a:t>src</a:t>
+            </a:r>
+            <a:r>
+              <a:rPr lang="en-GB" dirty="0" smtClean="0"/>
+              <a:t>=“where/the/script/is.js”&gt;&lt;/script&gt;</a:t>
+            </a:r>
+            <a:endParaRPr lang="pt-PT" dirty="0"/>
+          </a:p>
+        </p:txBody>
+      </p:sp>
+    </p:spTree>
+    <p:extLst>
+      <p:ext uri="{BB962C8B-B14F-4D97-AF65-F5344CB8AC3E}">
+        <p14:creationId xmlns:p14="http://schemas.microsoft.com/office/powerpoint/2010/main" val="4165425646"/>
+      </p:ext>
+    </p:extLst>
+  </p:cSld>
+  <p:clrMapOvr>
+    <a:masterClrMapping/>
+  </p:clrMapOvr>
+</p:sld>
+</file>
+
+<file path=ppt/slides/slide48.xml><?xml version="1.0" encoding="utf-8"?>
 <p:sld xmlns:a="http://schemas.openxmlformats.org/drawingml/2006/main" xmlns:r="http://schemas.openxmlformats.org/officeDocument/2006/relationships" xmlns:p="http://schemas.openxmlformats.org/presentationml/2006/main">
   <p:cSld>
     <p:spTree>
@@ -11117,7 +11536,7 @@
 </p:sld>
 </file>
 
-<file path=ppt/slides/slide42.xml><?xml version="1.0" encoding="utf-8"?>
+<file path=ppt/slides/slide49.xml><?xml version="1.0" encoding="utf-8"?>
 <p:sld xmlns:a="http://schemas.openxmlformats.org/drawingml/2006/main" xmlns:r="http://schemas.openxmlformats.org/officeDocument/2006/relationships" xmlns:p="http://schemas.openxmlformats.org/presentationml/2006/main">
   <p:cSld>
     <p:spTree>
@@ -11318,7 +11737,188 @@
 </p:sld>
 </file>
 
-<file path=ppt/slides/slide43.xml><?xml version="1.0" encoding="utf-8"?>
+<file path=ppt/slides/slide5.xml><?xml version="1.0" encoding="utf-8"?>
+<p:sld xmlns:a="http://schemas.openxmlformats.org/drawingml/2006/main" xmlns:r="http://schemas.openxmlformats.org/officeDocument/2006/relationships" xmlns:p="http://schemas.openxmlformats.org/presentationml/2006/main">
+  <p:cSld>
+    <p:spTree>
+      <p:nvGrpSpPr>
+        <p:cNvPr id="1" name="Shape 69"/>
+        <p:cNvGrpSpPr/>
+        <p:nvPr/>
+      </p:nvGrpSpPr>
+      <p:grpSpPr>
+        <a:xfrm>
+          <a:off x="0" y="0"/>
+          <a:ext cx="0" cy="0"/>
+          <a:chOff x="0" y="0"/>
+          <a:chExt cx="0" cy="0"/>
+        </a:xfrm>
+      </p:grpSpPr>
+      <p:sp>
+        <p:nvSpPr>
+          <p:cNvPr id="70" name="Shape 70"/>
+          <p:cNvSpPr txBox="1">
+            <a:spLocks noGrp="1"/>
+          </p:cNvSpPr>
+          <p:nvPr>
+            <p:ph type="title"/>
+          </p:nvPr>
+        </p:nvSpPr>
+        <p:spPr>
+          <a:xfrm>
+            <a:off x="311700" y="445025"/>
+            <a:ext cx="8520600" cy="572700"/>
+          </a:xfrm>
+          <a:prstGeom prst="rect">
+            <a:avLst/>
+          </a:prstGeom>
+        </p:spPr>
+        <p:txBody>
+          <a:bodyPr lIns="91425" tIns="91425" rIns="91425" bIns="91425" anchor="t" anchorCtr="0">
+            <a:noAutofit/>
+          </a:bodyPr>
+          <a:lstStyle/>
+          <a:p>
+            <a:pPr lvl="0">
+              <a:spcBef>
+                <a:spcPts val="0"/>
+              </a:spcBef>
+              <a:buNone/>
+            </a:pPr>
+            <a:r>
+              <a:rPr lang="en" dirty="0" smtClean="0">
+                <a:solidFill>
+                  <a:schemeClr val="lt1"/>
+                </a:solidFill>
+              </a:rPr>
+              <a:t>HTML</a:t>
+            </a:r>
+            <a:endParaRPr lang="en" dirty="0">
+              <a:solidFill>
+                <a:schemeClr val="lt1"/>
+              </a:solidFill>
+            </a:endParaRPr>
+          </a:p>
+        </p:txBody>
+      </p:sp>
+      <p:sp>
+        <p:nvSpPr>
+          <p:cNvPr id="71" name="Shape 71"/>
+          <p:cNvSpPr txBox="1">
+            <a:spLocks noGrp="1"/>
+          </p:cNvSpPr>
+          <p:nvPr>
+            <p:ph type="body" idx="1"/>
+          </p:nvPr>
+        </p:nvSpPr>
+        <p:spPr>
+          <a:xfrm>
+            <a:off x="339025" y="1575975"/>
+            <a:ext cx="8520600" cy="3416400"/>
+          </a:xfrm>
+          <a:prstGeom prst="rect">
+            <a:avLst/>
+          </a:prstGeom>
+        </p:spPr>
+        <p:txBody>
+          <a:bodyPr lIns="91425" tIns="91425" rIns="91425" bIns="91425" anchor="t" anchorCtr="0">
+            <a:noAutofit/>
+          </a:bodyPr>
+          <a:lstStyle/>
+          <a:p>
+            <a:pPr lvl="0">
+              <a:spcBef>
+                <a:spcPts val="0"/>
+              </a:spcBef>
+              <a:buNone/>
+            </a:pPr>
+            <a:r>
+              <a:rPr lang="en" dirty="0" smtClean="0"/>
+              <a:t>HTML elements can have children. Those elements have an opening and an ending tag.</a:t>
+            </a:r>
+          </a:p>
+          <a:p>
+            <a:pPr lvl="0">
+              <a:spcBef>
+                <a:spcPts val="0"/>
+              </a:spcBef>
+              <a:buNone/>
+            </a:pPr>
+            <a:endParaRPr lang="en" dirty="0" smtClean="0"/>
+          </a:p>
+          <a:p>
+            <a:pPr lvl="0">
+              <a:spcBef>
+                <a:spcPts val="0"/>
+              </a:spcBef>
+              <a:buNone/>
+            </a:pPr>
+            <a:endParaRPr lang="en" dirty="0"/>
+          </a:p>
+          <a:p>
+            <a:pPr lvl="0">
+              <a:spcBef>
+                <a:spcPts val="0"/>
+              </a:spcBef>
+              <a:buNone/>
+            </a:pPr>
+            <a:endParaRPr lang="en" dirty="0" smtClean="0"/>
+          </a:p>
+          <a:p>
+            <a:pPr lvl="0">
+              <a:spcBef>
+                <a:spcPts val="0"/>
+              </a:spcBef>
+              <a:buNone/>
+            </a:pPr>
+            <a:endParaRPr lang="en" dirty="0" smtClean="0"/>
+          </a:p>
+        </p:txBody>
+      </p:sp>
+      <p:pic>
+        <p:nvPicPr>
+          <p:cNvPr id="2" name="Imagem 1"/>
+          <p:cNvPicPr>
+            <a:picLocks noChangeAspect="1"/>
+          </p:cNvPicPr>
+          <p:nvPr/>
+        </p:nvPicPr>
+        <p:blipFill>
+          <a:blip r:embed="rId3">
+            <a:extLst>
+              <a:ext uri="{28A0092B-C50C-407E-A947-70E740481C1C}">
+                <a14:useLocalDpi xmlns:a14="http://schemas.microsoft.com/office/drawing/2010/main" val="0"/>
+              </a:ext>
+            </a:extLst>
+          </a:blip>
+          <a:stretch>
+            <a:fillRect/>
+          </a:stretch>
+        </p:blipFill>
+        <p:spPr>
+          <a:xfrm>
+            <a:off x="3976098" y="2156840"/>
+            <a:ext cx="4607739" cy="2719532"/>
+          </a:xfrm>
+          <a:prstGeom prst="rect">
+            <a:avLst/>
+          </a:prstGeom>
+        </p:spPr>
+      </p:pic>
+    </p:spTree>
+    <p:extLst>
+      <p:ext uri="{BB962C8B-B14F-4D97-AF65-F5344CB8AC3E}">
+        <p14:creationId xmlns:p14="http://schemas.microsoft.com/office/powerpoint/2010/main" val="4060848665"/>
+      </p:ext>
+    </p:extLst>
+  </p:cSld>
+  <p:clrMapOvr>
+    <a:masterClrMapping/>
+  </p:clrMapOvr>
+</p:sld>
+</file>
+
+<file path=ppt/slides/slide50.xml><?xml version="1.0" encoding="utf-8"?>
 <p:sld xmlns:a="http://schemas.openxmlformats.org/drawingml/2006/main" xmlns:r="http://schemas.openxmlformats.org/officeDocument/2006/relationships" xmlns:p="http://schemas.openxmlformats.org/presentationml/2006/main">
   <p:cSld>
     <p:spTree>
@@ -11435,7 +12035,7 @@
 </p:sld>
 </file>
 
-<file path=ppt/slides/slide44.xml><?xml version="1.0" encoding="utf-8"?>
+<file path=ppt/slides/slide51.xml><?xml version="1.0" encoding="utf-8"?>
 <p:sld xmlns:a="http://schemas.openxmlformats.org/drawingml/2006/main" xmlns:r="http://schemas.openxmlformats.org/officeDocument/2006/relationships" xmlns:p="http://schemas.openxmlformats.org/presentationml/2006/main">
   <p:cSld>
     <p:spTree>
@@ -11508,11 +12108,7 @@
           <a:p>
             <a:r>
               <a:rPr lang="en-GB" smtClean="0"/>
-              <a:t>A </a:t>
-            </a:r>
-            <a:r>
-              <a:rPr lang="en-GB" smtClean="0"/>
-              <a:t>property </a:t>
+              <a:t>A property </a:t>
             </a:r>
             <a:r>
               <a:rPr lang="en-GB" dirty="0" smtClean="0"/>
@@ -11623,7 +12219,7 @@
 </p:sld>
 </file>
 
-<file path=ppt/slides/slide45.xml><?xml version="1.0" encoding="utf-8"?>
+<file path=ppt/slides/slide52.xml><?xml version="1.0" encoding="utf-8"?>
 <p:sld xmlns:a="http://schemas.openxmlformats.org/drawingml/2006/main" xmlns:r="http://schemas.openxmlformats.org/officeDocument/2006/relationships" xmlns:p="http://schemas.openxmlformats.org/presentationml/2006/main">
   <p:cSld>
     <p:spTree>
@@ -11764,7 +12360,7 @@
 </p:sld>
 </file>
 
-<file path=ppt/slides/slide46.xml><?xml version="1.0" encoding="utf-8"?>
+<file path=ppt/slides/slide53.xml><?xml version="1.0" encoding="utf-8"?>
 <p:sld xmlns:a="http://schemas.openxmlformats.org/drawingml/2006/main" xmlns:r="http://schemas.openxmlformats.org/officeDocument/2006/relationships" xmlns:p="http://schemas.openxmlformats.org/presentationml/2006/main">
   <p:cSld>
     <p:spTree>
@@ -11887,7 +12483,7 @@
 </p:sld>
 </file>
 
-<file path=ppt/slides/slide47.xml><?xml version="1.0" encoding="utf-8"?>
+<file path=ppt/slides/slide54.xml><?xml version="1.0" encoding="utf-8"?>
 <p:sld xmlns:a="http://schemas.openxmlformats.org/drawingml/2006/main" xmlns:r="http://schemas.openxmlformats.org/officeDocument/2006/relationships" xmlns:p="http://schemas.openxmlformats.org/presentationml/2006/main">
   <p:cSld>
     <p:spTree>
@@ -12010,7 +12606,7 @@
 </p:sld>
 </file>
 
-<file path=ppt/slides/slide48.xml><?xml version="1.0" encoding="utf-8"?>
+<file path=ppt/slides/slide55.xml><?xml version="1.0" encoding="utf-8"?>
 <p:sld xmlns:a="http://schemas.openxmlformats.org/drawingml/2006/main" xmlns:r="http://schemas.openxmlformats.org/officeDocument/2006/relationships" xmlns:p="http://schemas.openxmlformats.org/presentationml/2006/main">
   <p:cSld>
     <p:spTree>
@@ -12129,7 +12725,7 @@
 </p:sld>
 </file>
 
-<file path=ppt/slides/slide49.xml><?xml version="1.0" encoding="utf-8"?>
+<file path=ppt/slides/slide56.xml><?xml version="1.0" encoding="utf-8"?>
 <p:sld xmlns:a="http://schemas.openxmlformats.org/drawingml/2006/main" xmlns:r="http://schemas.openxmlformats.org/officeDocument/2006/relationships" xmlns:p="http://schemas.openxmlformats.org/presentationml/2006/main">
   <p:cSld>
     <p:spTree>
@@ -12259,7 +12855,384 @@
 </p:sld>
 </file>
 
-<file path=ppt/slides/slide5.xml><?xml version="1.0" encoding="utf-8"?>
+<file path=ppt/slides/slide57.xml><?xml version="1.0" encoding="utf-8"?>
+<p:sld xmlns:a="http://schemas.openxmlformats.org/drawingml/2006/main" xmlns:r="http://schemas.openxmlformats.org/officeDocument/2006/relationships" xmlns:p="http://schemas.openxmlformats.org/presentationml/2006/main">
+  <p:cSld>
+    <p:spTree>
+      <p:nvGrpSpPr>
+        <p:cNvPr id="1" name=""/>
+        <p:cNvGrpSpPr/>
+        <p:nvPr/>
+      </p:nvGrpSpPr>
+      <p:grpSpPr>
+        <a:xfrm>
+          <a:off x="0" y="0"/>
+          <a:ext cx="0" cy="0"/>
+          <a:chOff x="0" y="0"/>
+          <a:chExt cx="0" cy="0"/>
+        </a:xfrm>
+      </p:grpSpPr>
+      <p:sp>
+        <p:nvSpPr>
+          <p:cNvPr id="2" name="Título 1"/>
+          <p:cNvSpPr>
+            <a:spLocks noGrp="1"/>
+          </p:cNvSpPr>
+          <p:nvPr>
+            <p:ph type="title"/>
+          </p:nvPr>
+        </p:nvSpPr>
+        <p:spPr/>
+        <p:txBody>
+          <a:bodyPr/>
+          <a:lstStyle/>
+          <a:p>
+            <a:r>
+              <a:rPr lang="en-GB" dirty="0" smtClean="0"/>
+              <a:t>JQuery</a:t>
+            </a:r>
+            <a:endParaRPr lang="pt-PT" dirty="0"/>
+          </a:p>
+        </p:txBody>
+      </p:sp>
+      <p:sp>
+        <p:nvSpPr>
+          <p:cNvPr id="3" name="Marcador de Posição do Texto 2"/>
+          <p:cNvSpPr>
+            <a:spLocks noGrp="1"/>
+          </p:cNvSpPr>
+          <p:nvPr>
+            <p:ph type="body" idx="1"/>
+          </p:nvPr>
+        </p:nvSpPr>
+        <p:spPr/>
+        <p:txBody>
+          <a:bodyPr/>
+          <a:lstStyle/>
+          <a:p>
+            <a:r>
+              <a:rPr lang="en-GB" dirty="0" smtClean="0"/>
+              <a:t>Most of JQuery’s functionality is based on the use of a function/object called jQuery</a:t>
+            </a:r>
+          </a:p>
+          <a:p>
+            <a:r>
+              <a:rPr lang="en-GB" dirty="0" smtClean="0"/>
+              <a:t>Because </a:t>
+            </a:r>
+            <a:r>
+              <a:rPr lang="en-GB" dirty="0" err="1" smtClean="0"/>
+              <a:t>javascript</a:t>
+            </a:r>
+            <a:r>
+              <a:rPr lang="en-GB" dirty="0" smtClean="0"/>
+              <a:t> is awesome, this function can also be called $</a:t>
+            </a:r>
+          </a:p>
+          <a:p>
+            <a:r>
+              <a:rPr lang="en-GB" dirty="0" smtClean="0"/>
+              <a:t>This function returns a collection of matched elements:</a:t>
+            </a:r>
+          </a:p>
+          <a:p>
+            <a:pPr marL="285750" indent="-285750">
+              <a:buFont typeface="Arial" panose="020B0604020202020204" pitchFamily="34" charset="0"/>
+              <a:buChar char="•"/>
+            </a:pPr>
+            <a:r>
+              <a:rPr lang="en-GB" dirty="0" smtClean="0"/>
+              <a:t>Found in the DOM</a:t>
+            </a:r>
+          </a:p>
+          <a:p>
+            <a:pPr marL="285750" indent="-285750">
+              <a:buFont typeface="Arial" panose="020B0604020202020204" pitchFamily="34" charset="0"/>
+              <a:buChar char="•"/>
+            </a:pPr>
+            <a:r>
+              <a:rPr lang="en-GB" dirty="0" smtClean="0"/>
+              <a:t>Based on passed arguments</a:t>
+            </a:r>
+          </a:p>
+          <a:p>
+            <a:pPr marL="285750" indent="-285750">
+              <a:buFont typeface="Arial" panose="020B0604020202020204" pitchFamily="34" charset="0"/>
+              <a:buChar char="•"/>
+            </a:pPr>
+            <a:r>
+              <a:rPr lang="en-GB" dirty="0" smtClean="0"/>
+              <a:t>Created by passing an HTML string</a:t>
+            </a:r>
+            <a:endParaRPr lang="pt-PT" dirty="0"/>
+          </a:p>
+        </p:txBody>
+      </p:sp>
+    </p:spTree>
+    <p:extLst>
+      <p:ext uri="{BB962C8B-B14F-4D97-AF65-F5344CB8AC3E}">
+        <p14:creationId xmlns:p14="http://schemas.microsoft.com/office/powerpoint/2010/main" val="602219448"/>
+      </p:ext>
+    </p:extLst>
+  </p:cSld>
+  <p:clrMapOvr>
+    <a:masterClrMapping/>
+  </p:clrMapOvr>
+</p:sld>
+</file>
+
+<file path=ppt/slides/slide58.xml><?xml version="1.0" encoding="utf-8"?>
+<p:sld xmlns:a="http://schemas.openxmlformats.org/drawingml/2006/main" xmlns:r="http://schemas.openxmlformats.org/officeDocument/2006/relationships" xmlns:p="http://schemas.openxmlformats.org/presentationml/2006/main">
+  <p:cSld>
+    <p:spTree>
+      <p:nvGrpSpPr>
+        <p:cNvPr id="1" name=""/>
+        <p:cNvGrpSpPr/>
+        <p:nvPr/>
+      </p:nvGrpSpPr>
+      <p:grpSpPr>
+        <a:xfrm>
+          <a:off x="0" y="0"/>
+          <a:ext cx="0" cy="0"/>
+          <a:chOff x="0" y="0"/>
+          <a:chExt cx="0" cy="0"/>
+        </a:xfrm>
+      </p:grpSpPr>
+      <p:sp>
+        <p:nvSpPr>
+          <p:cNvPr id="2" name="Título 1"/>
+          <p:cNvSpPr>
+            <a:spLocks noGrp="1"/>
+          </p:cNvSpPr>
+          <p:nvPr>
+            <p:ph type="title"/>
+          </p:nvPr>
+        </p:nvSpPr>
+        <p:spPr/>
+        <p:txBody>
+          <a:bodyPr/>
+          <a:lstStyle/>
+          <a:p>
+            <a:r>
+              <a:rPr lang="en-GB" dirty="0" smtClean="0"/>
+              <a:t>JQuery</a:t>
+            </a:r>
+            <a:endParaRPr lang="pt-PT" dirty="0"/>
+          </a:p>
+        </p:txBody>
+      </p:sp>
+      <p:sp>
+        <p:nvSpPr>
+          <p:cNvPr id="3" name="Marcador de Posição do Texto 2"/>
+          <p:cNvSpPr>
+            <a:spLocks noGrp="1"/>
+          </p:cNvSpPr>
+          <p:nvPr>
+            <p:ph type="body" idx="1"/>
+          </p:nvPr>
+        </p:nvSpPr>
+        <p:spPr/>
+        <p:txBody>
+          <a:bodyPr/>
+          <a:lstStyle/>
+          <a:p>
+            <a:r>
+              <a:rPr lang="en-GB" b="1" dirty="0" smtClean="0"/>
+              <a:t>jQuery() or $()</a:t>
+            </a:r>
+            <a:endParaRPr lang="pt-PT" b="1" dirty="0"/>
+          </a:p>
+        </p:txBody>
+      </p:sp>
+      <p:pic>
+        <p:nvPicPr>
+          <p:cNvPr id="4" name="Imagem 3"/>
+          <p:cNvPicPr>
+            <a:picLocks noChangeAspect="1"/>
+          </p:cNvPicPr>
+          <p:nvPr/>
+        </p:nvPicPr>
+        <p:blipFill>
+          <a:blip r:embed="rId2"/>
+          <a:stretch>
+            <a:fillRect/>
+          </a:stretch>
+        </p:blipFill>
+        <p:spPr>
+          <a:xfrm>
+            <a:off x="1539678" y="2531134"/>
+            <a:ext cx="6886575" cy="1971675"/>
+          </a:xfrm>
+          <a:prstGeom prst="rect">
+            <a:avLst/>
+          </a:prstGeom>
+        </p:spPr>
+      </p:pic>
+    </p:spTree>
+    <p:extLst>
+      <p:ext uri="{BB962C8B-B14F-4D97-AF65-F5344CB8AC3E}">
+        <p14:creationId xmlns:p14="http://schemas.microsoft.com/office/powerpoint/2010/main" val="3165642193"/>
+      </p:ext>
+    </p:extLst>
+  </p:cSld>
+  <p:clrMapOvr>
+    <a:masterClrMapping/>
+  </p:clrMapOvr>
+</p:sld>
+</file>
+
+<file path=ppt/slides/slide59.xml><?xml version="1.0" encoding="utf-8"?>
+<p:sld xmlns:a="http://schemas.openxmlformats.org/drawingml/2006/main" xmlns:r="http://schemas.openxmlformats.org/officeDocument/2006/relationships" xmlns:p="http://schemas.openxmlformats.org/presentationml/2006/main">
+  <p:cSld>
+    <p:spTree>
+      <p:nvGrpSpPr>
+        <p:cNvPr id="1" name=""/>
+        <p:cNvGrpSpPr/>
+        <p:nvPr/>
+      </p:nvGrpSpPr>
+      <p:grpSpPr>
+        <a:xfrm>
+          <a:off x="0" y="0"/>
+          <a:ext cx="0" cy="0"/>
+          <a:chOff x="0" y="0"/>
+          <a:chExt cx="0" cy="0"/>
+        </a:xfrm>
+      </p:grpSpPr>
+      <p:sp>
+        <p:nvSpPr>
+          <p:cNvPr id="2" name="Título 1"/>
+          <p:cNvSpPr>
+            <a:spLocks noGrp="1"/>
+          </p:cNvSpPr>
+          <p:nvPr>
+            <p:ph type="title"/>
+          </p:nvPr>
+        </p:nvSpPr>
+        <p:spPr/>
+        <p:txBody>
+          <a:bodyPr/>
+          <a:lstStyle/>
+          <a:p>
+            <a:r>
+              <a:rPr lang="en-GB" dirty="0" smtClean="0"/>
+              <a:t>JQuery</a:t>
+            </a:r>
+            <a:endParaRPr lang="pt-PT" dirty="0"/>
+          </a:p>
+        </p:txBody>
+      </p:sp>
+      <p:sp>
+        <p:nvSpPr>
+          <p:cNvPr id="3" name="Marcador de Posição do Texto 2"/>
+          <p:cNvSpPr>
+            <a:spLocks noGrp="1"/>
+          </p:cNvSpPr>
+          <p:nvPr>
+            <p:ph type="body" idx="1"/>
+          </p:nvPr>
+        </p:nvSpPr>
+        <p:spPr/>
+        <p:txBody>
+          <a:bodyPr/>
+          <a:lstStyle/>
+          <a:p>
+            <a:r>
+              <a:rPr lang="en-GB" b="1" dirty="0" smtClean="0"/>
+              <a:t>Using JQuery</a:t>
+            </a:r>
+          </a:p>
+          <a:p>
+            <a:r>
+              <a:rPr lang="en-GB" dirty="0" smtClean="0"/>
+              <a:t>You need to import the library either by using a local version or a CDN</a:t>
+            </a:r>
+          </a:p>
+          <a:p>
+            <a:r>
+              <a:rPr lang="pt-PT" sz="1400" dirty="0"/>
+              <a:t>&lt;</a:t>
+            </a:r>
+            <a:r>
+              <a:rPr lang="pt-PT" sz="1400" b="1" dirty="0"/>
+              <a:t>script</a:t>
+            </a:r>
+            <a:r>
+              <a:rPr lang="pt-PT" sz="1400" dirty="0"/>
+              <a:t> </a:t>
+            </a:r>
+            <a:r>
+              <a:rPr lang="pt-PT" sz="1400" dirty="0" err="1"/>
+              <a:t>src</a:t>
+            </a:r>
+            <a:r>
+              <a:rPr lang="pt-PT" sz="1400" dirty="0"/>
+              <a:t>="http://</a:t>
+            </a:r>
+            <a:r>
+              <a:rPr lang="pt-PT" sz="1400" dirty="0" smtClean="0"/>
+              <a:t>code.jquery.com/jquery-1.11.3.min.js"&gt;&lt;/</a:t>
+            </a:r>
+            <a:r>
+              <a:rPr lang="pt-PT" sz="1400" b="1" dirty="0"/>
+              <a:t>script</a:t>
+            </a:r>
+            <a:r>
+              <a:rPr lang="pt-PT" sz="1400" dirty="0" smtClean="0"/>
+              <a:t>&gt;</a:t>
+            </a:r>
+          </a:p>
+          <a:p>
+            <a:endParaRPr lang="en-GB" sz="1400" dirty="0"/>
+          </a:p>
+          <a:p>
+            <a:r>
+              <a:rPr lang="en-GB" dirty="0" smtClean="0"/>
+              <a:t>Before using jQuery you must wait for the document to finish loading</a:t>
+            </a:r>
+          </a:p>
+          <a:p>
+            <a:endParaRPr lang="en-GB" dirty="0" smtClean="0"/>
+          </a:p>
+        </p:txBody>
+      </p:sp>
+      <p:pic>
+        <p:nvPicPr>
+          <p:cNvPr id="4" name="Imagem 3"/>
+          <p:cNvPicPr>
+            <a:picLocks noChangeAspect="1"/>
+          </p:cNvPicPr>
+          <p:nvPr/>
+        </p:nvPicPr>
+        <p:blipFill>
+          <a:blip r:embed="rId2"/>
+          <a:stretch>
+            <a:fillRect/>
+          </a:stretch>
+        </p:blipFill>
+        <p:spPr>
+          <a:xfrm>
+            <a:off x="930452" y="4145141"/>
+            <a:ext cx="3543300" cy="428625"/>
+          </a:xfrm>
+          <a:prstGeom prst="rect">
+            <a:avLst/>
+          </a:prstGeom>
+        </p:spPr>
+      </p:pic>
+    </p:spTree>
+    <p:extLst>
+      <p:ext uri="{BB962C8B-B14F-4D97-AF65-F5344CB8AC3E}">
+        <p14:creationId xmlns:p14="http://schemas.microsoft.com/office/powerpoint/2010/main" val="2523504362"/>
+      </p:ext>
+    </p:extLst>
+  </p:cSld>
+  <p:clrMapOvr>
+    <a:masterClrMapping/>
+  </p:clrMapOvr>
+</p:sld>
+</file>
+
+<file path=ppt/slides/slide6.xml><?xml version="1.0" encoding="utf-8"?>
 <p:sld xmlns:a="http://schemas.openxmlformats.org/drawingml/2006/main" xmlns:r="http://schemas.openxmlformats.org/officeDocument/2006/relationships" xmlns:p="http://schemas.openxmlformats.org/presentationml/2006/main">
   <p:cSld>
     <p:spTree>
@@ -12483,7 +13456,7 @@
 </p:sld>
 </file>
 
-<file path=ppt/slides/slide50.xml><?xml version="1.0" encoding="utf-8"?>
+<file path=ppt/slides/slide60.xml><?xml version="1.0" encoding="utf-8"?>
 <p:sld xmlns:a="http://schemas.openxmlformats.org/drawingml/2006/main" xmlns:r="http://schemas.openxmlformats.org/officeDocument/2006/relationships" xmlns:p="http://schemas.openxmlformats.org/presentationml/2006/main">
   <p:cSld>
     <p:spTree>
@@ -12539,67 +13512,100 @@
           <a:lstStyle/>
           <a:p>
             <a:r>
+              <a:rPr lang="en-GB" b="1" dirty="0" smtClean="0"/>
+              <a:t>Selectors</a:t>
+            </a:r>
+          </a:p>
+          <a:p>
+            <a:r>
               <a:rPr lang="en-GB" dirty="0" smtClean="0"/>
-              <a:t>Most of JQuery’s functionality is based on the use of a function/object called jQuery</a:t>
+              <a:t>jQuery uses the same selectors as CSS, plus some other non-standard selectors, for example, selectors based on element attributes</a:t>
+            </a:r>
+            <a:endParaRPr lang="pt-PT" dirty="0"/>
+          </a:p>
+          <a:p>
+            <a:r>
+              <a:rPr lang="en-GB" b="1" dirty="0" smtClean="0"/>
+              <a:t>Traversal</a:t>
             </a:r>
           </a:p>
           <a:p>
             <a:r>
               <a:rPr lang="en-GB" dirty="0" smtClean="0"/>
-              <a:t>Because </a:t>
-            </a:r>
-            <a:r>
-              <a:rPr lang="en-GB" dirty="0" err="1" smtClean="0"/>
-              <a:t>javascript</a:t>
-            </a:r>
-            <a:r>
-              <a:rPr lang="en-GB" dirty="0" smtClean="0"/>
-              <a:t> is awesome, this function can also be called $</a:t>
-            </a:r>
-          </a:p>
-          <a:p>
-            <a:r>
-              <a:rPr lang="en-GB" dirty="0" smtClean="0"/>
-              <a:t>This function returns a collection of matched elements:</a:t>
-            </a:r>
-          </a:p>
-          <a:p>
-            <a:pPr marL="285750" indent="-285750">
-              <a:buFont typeface="Arial" panose="020B0604020202020204" pitchFamily="34" charset="0"/>
-              <a:buChar char="•"/>
-            </a:pPr>
-            <a:r>
-              <a:rPr lang="en-GB" dirty="0" smtClean="0"/>
-              <a:t>Found in the DOM</a:t>
-            </a:r>
-          </a:p>
-          <a:p>
-            <a:pPr marL="285750" indent="-285750">
-              <a:buFont typeface="Arial" panose="020B0604020202020204" pitchFamily="34" charset="0"/>
-              <a:buChar char="•"/>
-            </a:pPr>
-            <a:r>
-              <a:rPr lang="en-GB" dirty="0" smtClean="0"/>
-              <a:t>Based on passed arguments</a:t>
-            </a:r>
-          </a:p>
-          <a:p>
-            <a:pPr marL="285750" indent="-285750">
-              <a:buFont typeface="Arial" panose="020B0604020202020204" pitchFamily="34" charset="0"/>
-              <a:buChar char="•"/>
-            </a:pPr>
-            <a:r>
-              <a:rPr lang="en-GB" dirty="0" smtClean="0"/>
-              <a:t>Created by passing an HTML string</a:t>
-            </a:r>
-            <a:endParaRPr lang="pt-PT" dirty="0"/>
+              <a:t>It is easy to traverse the DOM tree using functions of the jQuery object, such as:</a:t>
+            </a:r>
+            <a:r>
+              <a:rPr lang="pt-PT" i="1" dirty="0"/>
+              <a:t> </a:t>
+            </a:r>
+            <a:r>
+              <a:rPr lang="pt-PT" i="1" dirty="0" err="1" smtClean="0"/>
+              <a:t>children</a:t>
+            </a:r>
+            <a:r>
+              <a:rPr lang="pt-PT" i="1" dirty="0" smtClean="0"/>
+              <a:t>, </a:t>
+            </a:r>
+            <a:r>
+              <a:rPr lang="pt-PT" i="1" dirty="0" err="1" smtClean="0"/>
+              <a:t>find</a:t>
+            </a:r>
+            <a:r>
+              <a:rPr lang="pt-PT" i="1" dirty="0" smtClean="0"/>
+              <a:t>, </a:t>
+            </a:r>
+            <a:r>
+              <a:rPr lang="pt-PT" i="1" dirty="0" err="1" smtClean="0"/>
+              <a:t>siblings</a:t>
+            </a:r>
+            <a:r>
+              <a:rPr lang="pt-PT" i="1" dirty="0" smtClean="0"/>
+              <a:t>, </a:t>
+            </a:r>
+            <a:r>
+              <a:rPr lang="pt-PT" i="1" dirty="0" err="1" smtClean="0"/>
+              <a:t>next</a:t>
+            </a:r>
+            <a:r>
+              <a:rPr lang="pt-PT" i="1" dirty="0" smtClean="0"/>
+              <a:t>, </a:t>
+            </a:r>
+            <a:r>
+              <a:rPr lang="pt-PT" i="1" dirty="0" err="1" smtClean="0"/>
+              <a:t>nextAll</a:t>
+            </a:r>
+            <a:r>
+              <a:rPr lang="pt-PT" i="1" dirty="0" smtClean="0"/>
+              <a:t>, </a:t>
+            </a:r>
+            <a:r>
+              <a:rPr lang="pt-PT" i="1" dirty="0" err="1" smtClean="0"/>
+              <a:t>parent</a:t>
+            </a:r>
+            <a:r>
+              <a:rPr lang="pt-PT" i="1" dirty="0" smtClean="0"/>
+              <a:t> </a:t>
+            </a:r>
+            <a:r>
+              <a:rPr lang="pt-PT" dirty="0" err="1" smtClean="0"/>
+              <a:t>and</a:t>
+            </a:r>
+            <a:r>
+              <a:rPr lang="pt-PT" dirty="0" smtClean="0"/>
+              <a:t> </a:t>
+            </a:r>
+            <a:r>
+              <a:rPr lang="pt-PT" i="1" dirty="0" err="1" smtClean="0"/>
+              <a:t>parents</a:t>
+            </a:r>
+            <a:endParaRPr lang="en-GB" dirty="0" smtClean="0"/>
           </a:p>
         </p:txBody>
       </p:sp>
     </p:spTree>
     <p:extLst>
       <p:ext uri="{BB962C8B-B14F-4D97-AF65-F5344CB8AC3E}">
-        <p14:creationId xmlns:p14="http://schemas.microsoft.com/office/powerpoint/2010/main" val="602219448"/>
+        <p14:creationId xmlns:p14="http://schemas.microsoft.com/office/powerpoint/2010/main" val="1273529085"/>
       </p:ext>
     </p:extLst>
   </p:cSld>
@@ -12609,7 +13615,7 @@
 </p:sld>
 </file>
 
-<file path=ppt/slides/slide51.xml><?xml version="1.0" encoding="utf-8"?>
+<file path=ppt/slides/slide61.xml><?xml version="1.0" encoding="utf-8"?>
 <p:sld xmlns:a="http://schemas.openxmlformats.org/drawingml/2006/main" xmlns:r="http://schemas.openxmlformats.org/officeDocument/2006/relationships" xmlns:p="http://schemas.openxmlformats.org/presentationml/2006/main">
   <p:cSld>
     <p:spTree>
@@ -12643,7 +13649,7 @@
           <a:p>
             <a:r>
               <a:rPr lang="en-GB" dirty="0" smtClean="0"/>
-              <a:t>JQuery</a:t>
+              <a:t>jQuery</a:t>
             </a:r>
             <a:endParaRPr lang="pt-PT" dirty="0"/>
           </a:p>
@@ -12666,40 +13672,91 @@
           <a:p>
             <a:r>
               <a:rPr lang="en-GB" b="1" dirty="0" smtClean="0"/>
-              <a:t>jQuery() or $()</a:t>
-            </a:r>
-            <a:endParaRPr lang="pt-PT" b="1" dirty="0"/>
-          </a:p>
-        </p:txBody>
-      </p:sp>
-      <p:pic>
-        <p:nvPicPr>
-          <p:cNvPr id="4" name="Imagem 3"/>
-          <p:cNvPicPr>
-            <a:picLocks noChangeAspect="1"/>
-          </p:cNvPicPr>
-          <p:nvPr/>
-        </p:nvPicPr>
-        <p:blipFill>
-          <a:blip r:embed="rId2"/>
-          <a:stretch>
-            <a:fillRect/>
-          </a:stretch>
-        </p:blipFill>
-        <p:spPr>
-          <a:xfrm>
-            <a:off x="1539678" y="2531134"/>
-            <a:ext cx="6886575" cy="1971675"/>
-          </a:xfrm>
-          <a:prstGeom prst="rect">
-            <a:avLst/>
-          </a:prstGeom>
-        </p:spPr>
-      </p:pic>
+              <a:t>Element manipulation</a:t>
+            </a:r>
+          </a:p>
+          <a:p>
+            <a:r>
+              <a:rPr lang="en-GB" dirty="0" smtClean="0"/>
+              <a:t>Class manipulation:	</a:t>
+            </a:r>
+            <a:r>
+              <a:rPr lang="en-GB" i="1" dirty="0" err="1" smtClean="0"/>
+              <a:t>addClass</a:t>
+            </a:r>
+            <a:r>
+              <a:rPr lang="en-GB" i="1" dirty="0" smtClean="0"/>
+              <a:t>, </a:t>
+            </a:r>
+            <a:r>
+              <a:rPr lang="en-GB" i="1" dirty="0" err="1" smtClean="0"/>
+              <a:t>removeClass</a:t>
+            </a:r>
+            <a:r>
+              <a:rPr lang="en-GB" i="1" dirty="0" smtClean="0"/>
+              <a:t>, </a:t>
+            </a:r>
+            <a:r>
+              <a:rPr lang="en-GB" i="1" dirty="0" err="1" smtClean="0"/>
+              <a:t>hasClass</a:t>
+            </a:r>
+            <a:r>
+              <a:rPr lang="en-GB" i="1" dirty="0" smtClean="0"/>
+              <a:t>, </a:t>
+            </a:r>
+            <a:r>
+              <a:rPr lang="en-GB" i="1" dirty="0" err="1" smtClean="0"/>
+              <a:t>toggleClass</a:t>
+            </a:r>
+            <a:endParaRPr lang="en-GB" i="1" dirty="0" smtClean="0"/>
+          </a:p>
+          <a:p>
+            <a:r>
+              <a:rPr lang="en-GB" dirty="0" smtClean="0"/>
+              <a:t>Attribute manipulation:	</a:t>
+            </a:r>
+            <a:r>
+              <a:rPr lang="en-GB" i="1" dirty="0" err="1" smtClean="0"/>
+              <a:t>attr</a:t>
+            </a:r>
+            <a:r>
+              <a:rPr lang="en-GB" i="1" dirty="0" smtClean="0"/>
+              <a:t>, </a:t>
+            </a:r>
+            <a:r>
+              <a:rPr lang="en-GB" i="1" dirty="0" err="1" smtClean="0"/>
+              <a:t>removeAttr</a:t>
+            </a:r>
+            <a:r>
+              <a:rPr lang="en-GB" i="1" dirty="0" smtClean="0"/>
+              <a:t>, prop (for </a:t>
+            </a:r>
+            <a:r>
+              <a:rPr lang="en-GB" i="1" dirty="0" err="1" smtClean="0"/>
+              <a:t>boolean</a:t>
+            </a:r>
+            <a:r>
+              <a:rPr lang="en-GB" i="1" dirty="0" smtClean="0"/>
+              <a:t> attributes)</a:t>
+            </a:r>
+          </a:p>
+          <a:p>
+            <a:r>
+              <a:rPr lang="en-GB" dirty="0" smtClean="0"/>
+              <a:t>CSS manipulation:	</a:t>
+            </a:r>
+            <a:r>
+              <a:rPr lang="en-GB" i="1" dirty="0" err="1" smtClean="0"/>
+              <a:t>css</a:t>
+            </a:r>
+            <a:endParaRPr lang="en-GB" i="1" dirty="0" smtClean="0"/>
+          </a:p>
+        </p:txBody>
+      </p:sp>
     </p:spTree>
     <p:extLst>
       <p:ext uri="{BB962C8B-B14F-4D97-AF65-F5344CB8AC3E}">
-        <p14:creationId xmlns:p14="http://schemas.microsoft.com/office/powerpoint/2010/main" val="3165642193"/>
+        <p14:creationId xmlns:p14="http://schemas.microsoft.com/office/powerpoint/2010/main" val="2288296196"/>
       </p:ext>
     </p:extLst>
   </p:cSld>
@@ -12709,7 +13766,7 @@
 </p:sld>
 </file>
 
-<file path=ppt/slides/slide52.xml><?xml version="1.0" encoding="utf-8"?>
+<file path=ppt/slides/slide62.xml><?xml version="1.0" encoding="utf-8"?>
 <p:sld xmlns:a="http://schemas.openxmlformats.org/drawingml/2006/main" xmlns:r="http://schemas.openxmlformats.org/officeDocument/2006/relationships" xmlns:p="http://schemas.openxmlformats.org/presentationml/2006/main">
   <p:cSld>
     <p:spTree>
@@ -12766,91 +13823,51 @@
           <a:p>
             <a:r>
               <a:rPr lang="en-GB" b="1" dirty="0" smtClean="0"/>
-              <a:t>Using JQuery</a:t>
+              <a:t>DOM tree manipulation</a:t>
             </a:r>
           </a:p>
           <a:p>
             <a:r>
               <a:rPr lang="en-GB" dirty="0" smtClean="0"/>
-              <a:t>You need to import the library either by using a local version or a CDN</a:t>
-            </a:r>
-          </a:p>
-          <a:p>
-            <a:r>
-              <a:rPr lang="pt-PT" sz="1400" dirty="0"/>
-              <a:t>&lt;</a:t>
-            </a:r>
-            <a:r>
-              <a:rPr lang="pt-PT" sz="1400" b="1" dirty="0"/>
-              <a:t>script</a:t>
-            </a:r>
-            <a:r>
-              <a:rPr lang="pt-PT" sz="1400" dirty="0"/>
+              <a:t>Simple manipulation:		</a:t>
+            </a:r>
+            <a:r>
+              <a:rPr lang="en-GB" i="1" dirty="0" smtClean="0"/>
+              <a:t>empty, remove, before, prepend, after, append</a:t>
+            </a:r>
+            <a:r>
+              <a:rPr lang="en-GB" dirty="0" smtClean="0"/>
+              <a:t>,</a:t>
+            </a:r>
+            <a:r>
+              <a:rPr lang="en-GB" i="1" dirty="0" smtClean="0"/>
               <a:t> </a:t>
             </a:r>
             <a:r>
-              <a:rPr lang="pt-PT" sz="1400" dirty="0" err="1"/>
-              <a:t>src</a:t>
-            </a:r>
-            <a:r>
-              <a:rPr lang="pt-PT" sz="1400" dirty="0"/>
-              <a:t>="http://</a:t>
-            </a:r>
-            <a:r>
-              <a:rPr lang="pt-PT" sz="1400" dirty="0" smtClean="0"/>
-              <a:t>code.jquery.com/jquery-1.11.3.min.js"&gt;&lt;/</a:t>
-            </a:r>
-            <a:r>
-              <a:rPr lang="pt-PT" sz="1400" b="1" dirty="0"/>
-              <a:t>script</a:t>
-            </a:r>
-            <a:r>
-              <a:rPr lang="pt-PT" sz="1400" dirty="0" smtClean="0"/>
-              <a:t>&gt;</a:t>
-            </a:r>
-          </a:p>
-          <a:p>
-            <a:endParaRPr lang="en-GB" sz="1400" dirty="0"/>
+              <a:rPr lang="en-GB" i="1" dirty="0" err="1" smtClean="0"/>
+              <a:t>replaceWith</a:t>
+            </a:r>
+            <a:endParaRPr lang="en-GB" i="1" dirty="0" smtClean="0"/>
           </a:p>
           <a:p>
             <a:r>
               <a:rPr lang="en-GB" dirty="0" smtClean="0"/>
-              <a:t>Before using jQuery you must wait for the document to finish loading</a:t>
-            </a:r>
-          </a:p>
-          <a:p>
-            <a:endParaRPr lang="en-GB" dirty="0" smtClean="0"/>
-          </a:p>
-        </p:txBody>
-      </p:sp>
-      <p:pic>
-        <p:nvPicPr>
-          <p:cNvPr id="4" name="Imagem 3"/>
-          <p:cNvPicPr>
-            <a:picLocks noChangeAspect="1"/>
-          </p:cNvPicPr>
-          <p:nvPr/>
-        </p:nvPicPr>
-        <p:blipFill>
-          <a:blip r:embed="rId2"/>
-          <a:stretch>
-            <a:fillRect/>
-          </a:stretch>
-        </p:blipFill>
-        <p:spPr>
-          <a:xfrm>
-            <a:off x="930452" y="4145141"/>
-            <a:ext cx="3543300" cy="428625"/>
-          </a:xfrm>
-          <a:prstGeom prst="rect">
-            <a:avLst/>
-          </a:prstGeom>
-        </p:spPr>
-      </p:pic>
+              <a:t>Wrapping and unwrapping:		</a:t>
+            </a:r>
+            <a:r>
+              <a:rPr lang="en-GB" i="1" dirty="0" smtClean="0"/>
+              <a:t>wrap, unwrap</a:t>
+            </a:r>
+          </a:p>
+          <a:p>
+            <a:endParaRPr lang="pt-PT" dirty="0"/>
+          </a:p>
+        </p:txBody>
+      </p:sp>
     </p:spTree>
     <p:extLst>
       <p:ext uri="{BB962C8B-B14F-4D97-AF65-F5344CB8AC3E}">
-        <p14:creationId xmlns:p14="http://schemas.microsoft.com/office/powerpoint/2010/main" val="2523504362"/>
+        <p14:creationId xmlns:p14="http://schemas.microsoft.com/office/powerpoint/2010/main" val="3130917822"/>
       </p:ext>
     </p:extLst>
   </p:cSld>
@@ -12860,7 +13877,7 @@
 </p:sld>
 </file>
 
-<file path=ppt/slides/slide53.xml><?xml version="1.0" encoding="utf-8"?>
+<file path=ppt/slides/slide63.xml><?xml version="1.0" encoding="utf-8"?>
 <p:sld xmlns:a="http://schemas.openxmlformats.org/drawingml/2006/main" xmlns:r="http://schemas.openxmlformats.org/officeDocument/2006/relationships" xmlns:p="http://schemas.openxmlformats.org/presentationml/2006/main">
   <p:cSld>
     <p:spTree>
@@ -12894,427 +13911,6 @@
           <a:p>
             <a:r>
               <a:rPr lang="en-GB" dirty="0" smtClean="0"/>
-              <a:t>JQuery</a:t>
-            </a:r>
-            <a:endParaRPr lang="pt-PT" dirty="0"/>
-          </a:p>
-        </p:txBody>
-      </p:sp>
-      <p:sp>
-        <p:nvSpPr>
-          <p:cNvPr id="3" name="Marcador de Posição do Texto 2"/>
-          <p:cNvSpPr>
-            <a:spLocks noGrp="1"/>
-          </p:cNvSpPr>
-          <p:nvPr>
-            <p:ph type="body" idx="1"/>
-          </p:nvPr>
-        </p:nvSpPr>
-        <p:spPr/>
-        <p:txBody>
-          <a:bodyPr/>
-          <a:lstStyle/>
-          <a:p>
-            <a:r>
-              <a:rPr lang="en-GB" b="1" dirty="0" smtClean="0"/>
-              <a:t>Selectors</a:t>
-            </a:r>
-          </a:p>
-          <a:p>
-            <a:r>
-              <a:rPr lang="en-GB" dirty="0" smtClean="0"/>
-              <a:t>jQuery uses the same selectors as CSS, plus some other non-standard selectors, for example, selectors based on element attributes</a:t>
-            </a:r>
-            <a:endParaRPr lang="pt-PT" dirty="0"/>
-          </a:p>
-          <a:p>
-            <a:r>
-              <a:rPr lang="en-GB" b="1" dirty="0" smtClean="0"/>
-              <a:t>Traversal</a:t>
-            </a:r>
-          </a:p>
-          <a:p>
-            <a:r>
-              <a:rPr lang="en-GB" dirty="0" smtClean="0"/>
-              <a:t>It is easy to traverse the DOM tree using functions of the jQuery object, such as:</a:t>
-            </a:r>
-            <a:r>
-              <a:rPr lang="pt-PT" i="1" dirty="0"/>
-              <a:t> </a:t>
-            </a:r>
-            <a:r>
-              <a:rPr lang="pt-PT" i="1" dirty="0" err="1" smtClean="0"/>
-              <a:t>children</a:t>
-            </a:r>
-            <a:r>
-              <a:rPr lang="pt-PT" i="1" dirty="0" smtClean="0"/>
-              <a:t>, </a:t>
-            </a:r>
-            <a:r>
-              <a:rPr lang="pt-PT" i="1" dirty="0" err="1" smtClean="0"/>
-              <a:t>find</a:t>
-            </a:r>
-            <a:r>
-              <a:rPr lang="pt-PT" i="1" dirty="0" smtClean="0"/>
-              <a:t>, </a:t>
-            </a:r>
-            <a:r>
-              <a:rPr lang="pt-PT" i="1" dirty="0" err="1" smtClean="0"/>
-              <a:t>siblings</a:t>
-            </a:r>
-            <a:r>
-              <a:rPr lang="pt-PT" i="1" dirty="0" smtClean="0"/>
-              <a:t>, </a:t>
-            </a:r>
-            <a:r>
-              <a:rPr lang="pt-PT" i="1" dirty="0" err="1" smtClean="0"/>
-              <a:t>next</a:t>
-            </a:r>
-            <a:r>
-              <a:rPr lang="pt-PT" i="1" dirty="0" smtClean="0"/>
-              <a:t>, </a:t>
-            </a:r>
-            <a:r>
-              <a:rPr lang="pt-PT" i="1" dirty="0" err="1" smtClean="0"/>
-              <a:t>nextAll</a:t>
-            </a:r>
-            <a:r>
-              <a:rPr lang="pt-PT" i="1" dirty="0" smtClean="0"/>
-              <a:t>, </a:t>
-            </a:r>
-            <a:r>
-              <a:rPr lang="pt-PT" i="1" dirty="0" err="1" smtClean="0"/>
-              <a:t>parent</a:t>
-            </a:r>
-            <a:r>
-              <a:rPr lang="pt-PT" i="1" dirty="0" smtClean="0"/>
-              <a:t> </a:t>
-            </a:r>
-            <a:r>
-              <a:rPr lang="pt-PT" dirty="0" err="1" smtClean="0"/>
-              <a:t>and</a:t>
-            </a:r>
-            <a:r>
-              <a:rPr lang="pt-PT" dirty="0" smtClean="0"/>
-              <a:t> </a:t>
-            </a:r>
-            <a:r>
-              <a:rPr lang="pt-PT" i="1" dirty="0" err="1" smtClean="0"/>
-              <a:t>parents</a:t>
-            </a:r>
-            <a:endParaRPr lang="en-GB" dirty="0" smtClean="0"/>
-          </a:p>
-        </p:txBody>
-      </p:sp>
-    </p:spTree>
-    <p:extLst>
-      <p:ext uri="{BB962C8B-B14F-4D97-AF65-F5344CB8AC3E}">
-        <p14:creationId xmlns:p14="http://schemas.microsoft.com/office/powerpoint/2010/main" val="1273529085"/>
-      </p:ext>
-    </p:extLst>
-  </p:cSld>
-  <p:clrMapOvr>
-    <a:masterClrMapping/>
-  </p:clrMapOvr>
-</p:sld>
-</file>
-
-<file path=ppt/slides/slide54.xml><?xml version="1.0" encoding="utf-8"?>
-<p:sld xmlns:a="http://schemas.openxmlformats.org/drawingml/2006/main" xmlns:r="http://schemas.openxmlformats.org/officeDocument/2006/relationships" xmlns:p="http://schemas.openxmlformats.org/presentationml/2006/main">
-  <p:cSld>
-    <p:spTree>
-      <p:nvGrpSpPr>
-        <p:cNvPr id="1" name=""/>
-        <p:cNvGrpSpPr/>
-        <p:nvPr/>
-      </p:nvGrpSpPr>
-      <p:grpSpPr>
-        <a:xfrm>
-          <a:off x="0" y="0"/>
-          <a:ext cx="0" cy="0"/>
-          <a:chOff x="0" y="0"/>
-          <a:chExt cx="0" cy="0"/>
-        </a:xfrm>
-      </p:grpSpPr>
-      <p:sp>
-        <p:nvSpPr>
-          <p:cNvPr id="2" name="Título 1"/>
-          <p:cNvSpPr>
-            <a:spLocks noGrp="1"/>
-          </p:cNvSpPr>
-          <p:nvPr>
-            <p:ph type="title"/>
-          </p:nvPr>
-        </p:nvSpPr>
-        <p:spPr/>
-        <p:txBody>
-          <a:bodyPr/>
-          <a:lstStyle/>
-          <a:p>
-            <a:r>
-              <a:rPr lang="en-GB" dirty="0" smtClean="0"/>
-              <a:t>jQuery</a:t>
-            </a:r>
-            <a:endParaRPr lang="pt-PT" dirty="0"/>
-          </a:p>
-        </p:txBody>
-      </p:sp>
-      <p:sp>
-        <p:nvSpPr>
-          <p:cNvPr id="3" name="Marcador de Posição do Texto 2"/>
-          <p:cNvSpPr>
-            <a:spLocks noGrp="1"/>
-          </p:cNvSpPr>
-          <p:nvPr>
-            <p:ph type="body" idx="1"/>
-          </p:nvPr>
-        </p:nvSpPr>
-        <p:spPr/>
-        <p:txBody>
-          <a:bodyPr/>
-          <a:lstStyle/>
-          <a:p>
-            <a:r>
-              <a:rPr lang="en-GB" b="1" dirty="0" smtClean="0"/>
-              <a:t>Element manipulation</a:t>
-            </a:r>
-          </a:p>
-          <a:p>
-            <a:r>
-              <a:rPr lang="en-GB" dirty="0" smtClean="0"/>
-              <a:t>Class manipulation:	</a:t>
-            </a:r>
-            <a:r>
-              <a:rPr lang="en-GB" i="1" dirty="0" err="1" smtClean="0"/>
-              <a:t>addClass</a:t>
-            </a:r>
-            <a:r>
-              <a:rPr lang="en-GB" i="1" dirty="0" smtClean="0"/>
-              <a:t>, </a:t>
-            </a:r>
-            <a:r>
-              <a:rPr lang="en-GB" i="1" dirty="0" err="1" smtClean="0"/>
-              <a:t>removeClass</a:t>
-            </a:r>
-            <a:r>
-              <a:rPr lang="en-GB" i="1" dirty="0" smtClean="0"/>
-              <a:t>, </a:t>
-            </a:r>
-            <a:r>
-              <a:rPr lang="en-GB" i="1" dirty="0" err="1" smtClean="0"/>
-              <a:t>hasClass</a:t>
-            </a:r>
-            <a:r>
-              <a:rPr lang="en-GB" i="1" dirty="0" smtClean="0"/>
-              <a:t>, </a:t>
-            </a:r>
-            <a:r>
-              <a:rPr lang="en-GB" i="1" dirty="0" err="1" smtClean="0"/>
-              <a:t>toggleClass</a:t>
-            </a:r>
-            <a:endParaRPr lang="en-GB" i="1" dirty="0" smtClean="0"/>
-          </a:p>
-          <a:p>
-            <a:r>
-              <a:rPr lang="en-GB" dirty="0" smtClean="0"/>
-              <a:t>Attribute manipulation:	</a:t>
-            </a:r>
-            <a:r>
-              <a:rPr lang="en-GB" i="1" dirty="0" err="1" smtClean="0"/>
-              <a:t>attr</a:t>
-            </a:r>
-            <a:r>
-              <a:rPr lang="en-GB" i="1" dirty="0" smtClean="0"/>
-              <a:t>, </a:t>
-            </a:r>
-            <a:r>
-              <a:rPr lang="en-GB" i="1" dirty="0" err="1" smtClean="0"/>
-              <a:t>removeAttr</a:t>
-            </a:r>
-            <a:r>
-              <a:rPr lang="en-GB" i="1" dirty="0" smtClean="0"/>
-              <a:t>, prop (for </a:t>
-            </a:r>
-            <a:r>
-              <a:rPr lang="en-GB" i="1" dirty="0" err="1" smtClean="0"/>
-              <a:t>boolean</a:t>
-            </a:r>
-            <a:r>
-              <a:rPr lang="en-GB" i="1" dirty="0" smtClean="0"/>
-              <a:t> attributes)</a:t>
-            </a:r>
-          </a:p>
-          <a:p>
-            <a:r>
-              <a:rPr lang="en-GB" dirty="0" smtClean="0"/>
-              <a:t>CSS manipulation:	</a:t>
-            </a:r>
-            <a:r>
-              <a:rPr lang="en-GB" i="1" dirty="0" err="1" smtClean="0"/>
-              <a:t>css</a:t>
-            </a:r>
-            <a:endParaRPr lang="en-GB" i="1" dirty="0" smtClean="0"/>
-          </a:p>
-        </p:txBody>
-      </p:sp>
-    </p:spTree>
-    <p:extLst>
-      <p:ext uri="{BB962C8B-B14F-4D97-AF65-F5344CB8AC3E}">
-        <p14:creationId xmlns:p14="http://schemas.microsoft.com/office/powerpoint/2010/main" val="2288296196"/>
-      </p:ext>
-    </p:extLst>
-  </p:cSld>
-  <p:clrMapOvr>
-    <a:masterClrMapping/>
-  </p:clrMapOvr>
-</p:sld>
-</file>
-
-<file path=ppt/slides/slide55.xml><?xml version="1.0" encoding="utf-8"?>
-<p:sld xmlns:a="http://schemas.openxmlformats.org/drawingml/2006/main" xmlns:r="http://schemas.openxmlformats.org/officeDocument/2006/relationships" xmlns:p="http://schemas.openxmlformats.org/presentationml/2006/main">
-  <p:cSld>
-    <p:spTree>
-      <p:nvGrpSpPr>
-        <p:cNvPr id="1" name=""/>
-        <p:cNvGrpSpPr/>
-        <p:nvPr/>
-      </p:nvGrpSpPr>
-      <p:grpSpPr>
-        <a:xfrm>
-          <a:off x="0" y="0"/>
-          <a:ext cx="0" cy="0"/>
-          <a:chOff x="0" y="0"/>
-          <a:chExt cx="0" cy="0"/>
-        </a:xfrm>
-      </p:grpSpPr>
-      <p:sp>
-        <p:nvSpPr>
-          <p:cNvPr id="2" name="Título 1"/>
-          <p:cNvSpPr>
-            <a:spLocks noGrp="1"/>
-          </p:cNvSpPr>
-          <p:nvPr>
-            <p:ph type="title"/>
-          </p:nvPr>
-        </p:nvSpPr>
-        <p:spPr/>
-        <p:txBody>
-          <a:bodyPr/>
-          <a:lstStyle/>
-          <a:p>
-            <a:r>
-              <a:rPr lang="en-GB" dirty="0" smtClean="0"/>
-              <a:t>JQuery</a:t>
-            </a:r>
-            <a:endParaRPr lang="pt-PT" dirty="0"/>
-          </a:p>
-        </p:txBody>
-      </p:sp>
-      <p:sp>
-        <p:nvSpPr>
-          <p:cNvPr id="3" name="Marcador de Posição do Texto 2"/>
-          <p:cNvSpPr>
-            <a:spLocks noGrp="1"/>
-          </p:cNvSpPr>
-          <p:nvPr>
-            <p:ph type="body" idx="1"/>
-          </p:nvPr>
-        </p:nvSpPr>
-        <p:spPr/>
-        <p:txBody>
-          <a:bodyPr/>
-          <a:lstStyle/>
-          <a:p>
-            <a:r>
-              <a:rPr lang="en-GB" b="1" dirty="0" smtClean="0"/>
-              <a:t>DOM tree manipulation</a:t>
-            </a:r>
-          </a:p>
-          <a:p>
-            <a:r>
-              <a:rPr lang="en-GB" dirty="0" smtClean="0"/>
-              <a:t>Simple manipulation:		</a:t>
-            </a:r>
-            <a:r>
-              <a:rPr lang="en-GB" i="1" dirty="0" smtClean="0"/>
-              <a:t>empty, remove, before, prepend, after, append</a:t>
-            </a:r>
-            <a:r>
-              <a:rPr lang="en-GB" dirty="0" smtClean="0"/>
-              <a:t>,</a:t>
-            </a:r>
-            <a:r>
-              <a:rPr lang="en-GB" i="1" dirty="0" smtClean="0"/>
-              <a:t> </a:t>
-            </a:r>
-            <a:r>
-              <a:rPr lang="en-GB" i="1" dirty="0" err="1" smtClean="0"/>
-              <a:t>replaceWith</a:t>
-            </a:r>
-            <a:endParaRPr lang="en-GB" i="1" dirty="0" smtClean="0"/>
-          </a:p>
-          <a:p>
-            <a:r>
-              <a:rPr lang="en-GB" dirty="0" smtClean="0"/>
-              <a:t>Wrapping and unwrapping:		</a:t>
-            </a:r>
-            <a:r>
-              <a:rPr lang="en-GB" i="1" dirty="0" smtClean="0"/>
-              <a:t>wrap, unwrap</a:t>
-            </a:r>
-          </a:p>
-          <a:p>
-            <a:endParaRPr lang="pt-PT" dirty="0"/>
-          </a:p>
-        </p:txBody>
-      </p:sp>
-    </p:spTree>
-    <p:extLst>
-      <p:ext uri="{BB962C8B-B14F-4D97-AF65-F5344CB8AC3E}">
-        <p14:creationId xmlns:p14="http://schemas.microsoft.com/office/powerpoint/2010/main" val="3130917822"/>
-      </p:ext>
-    </p:extLst>
-  </p:cSld>
-  <p:clrMapOvr>
-    <a:masterClrMapping/>
-  </p:clrMapOvr>
-</p:sld>
-</file>
-
-<file path=ppt/slides/slide56.xml><?xml version="1.0" encoding="utf-8"?>
-<p:sld xmlns:a="http://schemas.openxmlformats.org/drawingml/2006/main" xmlns:r="http://schemas.openxmlformats.org/officeDocument/2006/relationships" xmlns:p="http://schemas.openxmlformats.org/presentationml/2006/main">
-  <p:cSld>
-    <p:spTree>
-      <p:nvGrpSpPr>
-        <p:cNvPr id="1" name=""/>
-        <p:cNvGrpSpPr/>
-        <p:nvPr/>
-      </p:nvGrpSpPr>
-      <p:grpSpPr>
-        <a:xfrm>
-          <a:off x="0" y="0"/>
-          <a:ext cx="0" cy="0"/>
-          <a:chOff x="0" y="0"/>
-          <a:chExt cx="0" cy="0"/>
-        </a:xfrm>
-      </p:grpSpPr>
-      <p:sp>
-        <p:nvSpPr>
-          <p:cNvPr id="2" name="Título 1"/>
-          <p:cNvSpPr>
-            <a:spLocks noGrp="1"/>
-          </p:cNvSpPr>
-          <p:nvPr>
-            <p:ph type="title"/>
-          </p:nvPr>
-        </p:nvSpPr>
-        <p:spPr/>
-        <p:txBody>
-          <a:bodyPr/>
-          <a:lstStyle/>
-          <a:p>
-            <a:r>
-              <a:rPr lang="en-GB" dirty="0" smtClean="0"/>
               <a:t>jQuery</a:t>
             </a:r>
             <a:endParaRPr lang="pt-PT" dirty="0"/>
@@ -13377,7 +13973,7 @@
 </p:sld>
 </file>
 
-<file path=ppt/slides/slide57.xml><?xml version="1.0" encoding="utf-8"?>
+<file path=ppt/slides/slide64.xml><?xml version="1.0" encoding="utf-8"?>
 <p:sld xmlns:a="http://schemas.openxmlformats.org/drawingml/2006/main" xmlns:r="http://schemas.openxmlformats.org/officeDocument/2006/relationships" xmlns:p="http://schemas.openxmlformats.org/presentationml/2006/main">
   <p:cSld>
     <p:spTree>
@@ -13516,7 +14112,7 @@
 </p:sld>
 </file>
 
-<file path=ppt/slides/slide58.xml><?xml version="1.0" encoding="utf-8"?>
+<file path=ppt/slides/slide65.xml><?xml version="1.0" encoding="utf-8"?>
 <p:sld xmlns:a="http://schemas.openxmlformats.org/drawingml/2006/main" xmlns:r="http://schemas.openxmlformats.org/officeDocument/2006/relationships" xmlns:p="http://schemas.openxmlformats.org/presentationml/2006/main">
   <p:cSld>
     <p:spTree>
@@ -13669,7 +14265,7 @@
 </p:sld>
 </file>
 
-<file path=ppt/slides/slide59.xml><?xml version="1.0" encoding="utf-8"?>
+<file path=ppt/slides/slide66.xml><?xml version="1.0" encoding="utf-8"?>
 <p:sld xmlns:a="http://schemas.openxmlformats.org/drawingml/2006/main" xmlns:r="http://schemas.openxmlformats.org/officeDocument/2006/relationships" xmlns:p="http://schemas.openxmlformats.org/presentationml/2006/main">
   <p:cSld>
     <p:spTree>
@@ -13829,187 +14425,7 @@
 </p:sld>
 </file>
 
-<file path=ppt/slides/slide6.xml><?xml version="1.0" encoding="utf-8"?>
-<p:sld xmlns:a="http://schemas.openxmlformats.org/drawingml/2006/main" xmlns:r="http://schemas.openxmlformats.org/officeDocument/2006/relationships" xmlns:p="http://schemas.openxmlformats.org/presentationml/2006/main">
-  <p:cSld>
-    <p:spTree>
-      <p:nvGrpSpPr>
-        <p:cNvPr id="1" name="Shape 69"/>
-        <p:cNvGrpSpPr/>
-        <p:nvPr/>
-      </p:nvGrpSpPr>
-      <p:grpSpPr>
-        <a:xfrm>
-          <a:off x="0" y="0"/>
-          <a:ext cx="0" cy="0"/>
-          <a:chOff x="0" y="0"/>
-          <a:chExt cx="0" cy="0"/>
-        </a:xfrm>
-      </p:grpSpPr>
-      <p:sp>
-        <p:nvSpPr>
-          <p:cNvPr id="70" name="Shape 70"/>
-          <p:cNvSpPr txBox="1">
-            <a:spLocks noGrp="1"/>
-          </p:cNvSpPr>
-          <p:nvPr>
-            <p:ph type="title"/>
-          </p:nvPr>
-        </p:nvSpPr>
-        <p:spPr>
-          <a:xfrm>
-            <a:off x="311700" y="445025"/>
-            <a:ext cx="8520600" cy="572700"/>
-          </a:xfrm>
-          <a:prstGeom prst="rect">
-            <a:avLst/>
-          </a:prstGeom>
-        </p:spPr>
-        <p:txBody>
-          <a:bodyPr lIns="91425" tIns="91425" rIns="91425" bIns="91425" anchor="t" anchorCtr="0">
-            <a:noAutofit/>
-          </a:bodyPr>
-          <a:lstStyle/>
-          <a:p>
-            <a:pPr lvl="0">
-              <a:spcBef>
-                <a:spcPts val="0"/>
-              </a:spcBef>
-              <a:buNone/>
-            </a:pPr>
-            <a:r>
-              <a:rPr lang="en" dirty="0" smtClean="0">
-                <a:solidFill>
-                  <a:schemeClr val="lt1"/>
-                </a:solidFill>
-              </a:rPr>
-              <a:t>HTML</a:t>
-            </a:r>
-            <a:endParaRPr lang="en" dirty="0">
-              <a:solidFill>
-                <a:schemeClr val="lt1"/>
-              </a:solidFill>
-            </a:endParaRPr>
-          </a:p>
-        </p:txBody>
-      </p:sp>
-      <p:sp>
-        <p:nvSpPr>
-          <p:cNvPr id="71" name="Shape 71"/>
-          <p:cNvSpPr txBox="1">
-            <a:spLocks noGrp="1"/>
-          </p:cNvSpPr>
-          <p:nvPr>
-            <p:ph type="body" idx="1"/>
-          </p:nvPr>
-        </p:nvSpPr>
-        <p:spPr>
-          <a:xfrm>
-            <a:off x="339025" y="1575975"/>
-            <a:ext cx="8520600" cy="3416400"/>
-          </a:xfrm>
-          <a:prstGeom prst="rect">
-            <a:avLst/>
-          </a:prstGeom>
-        </p:spPr>
-        <p:txBody>
-          <a:bodyPr lIns="91425" tIns="91425" rIns="91425" bIns="91425" anchor="t" anchorCtr="0">
-            <a:noAutofit/>
-          </a:bodyPr>
-          <a:lstStyle/>
-          <a:p>
-            <a:pPr lvl="0">
-              <a:spcBef>
-                <a:spcPts val="0"/>
-              </a:spcBef>
-              <a:buNone/>
-            </a:pPr>
-            <a:r>
-              <a:rPr lang="en" dirty="0" smtClean="0"/>
-              <a:t>Common HTML tags</a:t>
-            </a:r>
-          </a:p>
-          <a:p>
-            <a:pPr marL="285750" lvl="0" indent="-285750">
-              <a:spcBef>
-                <a:spcPts val="0"/>
-              </a:spcBef>
-              <a:buFont typeface="Arial" panose="020B0604020202020204" pitchFamily="34" charset="0"/>
-              <a:buChar char="•"/>
-            </a:pPr>
-            <a:r>
-              <a:rPr lang="en" dirty="0" smtClean="0"/>
-              <a:t>&lt;h1&gt;&lt;/h1&gt;…&lt;h6&gt;&lt;/h6&gt; - Headings</a:t>
-            </a:r>
-          </a:p>
-          <a:p>
-            <a:pPr marL="285750" lvl="0" indent="-285750">
-              <a:spcBef>
-                <a:spcPts val="0"/>
-              </a:spcBef>
-              <a:buFont typeface="Arial" panose="020B0604020202020204" pitchFamily="34" charset="0"/>
-              <a:buChar char="•"/>
-            </a:pPr>
-            <a:r>
-              <a:rPr lang="en" dirty="0" smtClean="0"/>
-              <a:t>&lt;p&gt;&lt;/p&gt; - Paragraphs</a:t>
-            </a:r>
-          </a:p>
-          <a:p>
-            <a:pPr marL="285750" lvl="0" indent="-285750">
-              <a:spcBef>
-                <a:spcPts val="0"/>
-              </a:spcBef>
-              <a:buFont typeface="Arial" panose="020B0604020202020204" pitchFamily="34" charset="0"/>
-              <a:buChar char="•"/>
-            </a:pPr>
-            <a:r>
-              <a:rPr lang="en" dirty="0" smtClean="0"/>
-              <a:t>&lt;br&gt; - Line Break</a:t>
-            </a:r>
-          </a:p>
-          <a:p>
-            <a:pPr marL="285750" lvl="0" indent="-285750">
-              <a:spcBef>
-                <a:spcPts val="0"/>
-              </a:spcBef>
-              <a:buFont typeface="Arial" panose="020B0604020202020204" pitchFamily="34" charset="0"/>
-              <a:buChar char="•"/>
-            </a:pPr>
-            <a:r>
-              <a:rPr lang="en" dirty="0" smtClean="0"/>
-              <a:t>&lt;a href=“…”&gt;&lt;/a&gt; - Anchor</a:t>
-            </a:r>
-          </a:p>
-          <a:p>
-            <a:pPr marL="285750" lvl="0" indent="-285750">
-              <a:spcBef>
-                <a:spcPts val="0"/>
-              </a:spcBef>
-              <a:buFont typeface="Arial" panose="020B0604020202020204" pitchFamily="34" charset="0"/>
-              <a:buChar char="•"/>
-            </a:pPr>
-            <a:r>
-              <a:rPr lang="en" dirty="0" smtClean="0"/>
-              <a:t>&lt;img src=“…”&gt;&lt;/img&gt; - Image</a:t>
-            </a:r>
-          </a:p>
-        </p:txBody>
-      </p:sp>
-    </p:spTree>
-    <p:extLst>
-      <p:ext uri="{BB962C8B-B14F-4D97-AF65-F5344CB8AC3E}">
-        <p14:creationId xmlns:p14="http://schemas.microsoft.com/office/powerpoint/2010/main" val="1397460695"/>
-      </p:ext>
-    </p:extLst>
-  </p:cSld>
-  <p:clrMapOvr>
-    <a:masterClrMapping/>
-  </p:clrMapOvr>
-</p:sld>
-</file>
-
-<file path=ppt/slides/slide60.xml><?xml version="1.0" encoding="utf-8"?>
+<file path=ppt/slides/slide67.xml><?xml version="1.0" encoding="utf-8"?>
 <p:sld xmlns:a="http://schemas.openxmlformats.org/drawingml/2006/main" xmlns:r="http://schemas.openxmlformats.org/officeDocument/2006/relationships" xmlns:p="http://schemas.openxmlformats.org/presentationml/2006/main">
   <p:cSld>
     <p:spTree>
@@ -14152,77 +14568,87 @@
           <a:lstStyle/>
           <a:p>
             <a:pPr lvl="0">
-              <a:lnSpc>
-                <a:spcPct val="100000"/>
-              </a:lnSpc>
-              <a:spcBef>
-                <a:spcPts val="0"/>
-              </a:spcBef>
-              <a:spcAft>
-                <a:spcPts val="400"/>
-              </a:spcAft>
+              <a:spcBef>
+                <a:spcPts val="0"/>
+              </a:spcBef>
               <a:buNone/>
             </a:pPr>
             <a:r>
               <a:rPr lang="en" dirty="0" smtClean="0"/>
-              <a:t>Lists</a:t>
+              <a:t>Common HTML tags</a:t>
             </a:r>
           </a:p>
           <a:p>
             <a:pPr marL="285750" lvl="0" indent="-285750">
-              <a:lnSpc>
-                <a:spcPct val="100000"/>
-              </a:lnSpc>
-              <a:spcBef>
-                <a:spcPts val="0"/>
-              </a:spcBef>
-              <a:spcAft>
-                <a:spcPts val="400"/>
-              </a:spcAft>
+              <a:spcBef>
+                <a:spcPts val="0"/>
+              </a:spcBef>
               <a:buFont typeface="Arial" panose="020B0604020202020204" pitchFamily="34" charset="0"/>
               <a:buChar char="•"/>
             </a:pPr>
             <a:r>
               <a:rPr lang="en" dirty="0" smtClean="0"/>
-              <a:t>&lt;ul&gt;&lt;/ul&gt; - Unordered list</a:t>
+              <a:t>&lt;h1&gt;&lt;/h1&gt;…&lt;h6&gt;&lt;/h6&gt; - Headings</a:t>
             </a:r>
           </a:p>
           <a:p>
             <a:pPr marL="285750" lvl="0" indent="-285750">
-              <a:lnSpc>
-                <a:spcPct val="100000"/>
-              </a:lnSpc>
-              <a:spcBef>
-                <a:spcPts val="0"/>
-              </a:spcBef>
-              <a:spcAft>
-                <a:spcPts val="400"/>
-              </a:spcAft>
+              <a:spcBef>
+                <a:spcPts val="0"/>
+              </a:spcBef>
               <a:buFont typeface="Arial" panose="020B0604020202020204" pitchFamily="34" charset="0"/>
               <a:buChar char="•"/>
             </a:pPr>
             <a:r>
               <a:rPr lang="en" dirty="0" smtClean="0"/>
-              <a:t>&lt;ol&gt;&lt;/ol&gt; - Ordered list</a:t>
+              <a:t>&lt;p&gt;&lt;/p&gt; - Paragraphs</a:t>
             </a:r>
           </a:p>
           <a:p>
             <a:pPr marL="285750" lvl="0" indent="-285750">
-              <a:lnSpc>
-                <a:spcPct val="100000"/>
-              </a:lnSpc>
-              <a:spcBef>
-                <a:spcPts val="0"/>
-              </a:spcBef>
-              <a:spcAft>
-                <a:spcPts val="400"/>
-              </a:spcAft>
+              <a:spcBef>
+                <a:spcPts val="0"/>
+              </a:spcBef>
               <a:buFont typeface="Arial" panose="020B0604020202020204" pitchFamily="34" charset="0"/>
               <a:buChar char="•"/>
             </a:pPr>
             <a:r>
               <a:rPr lang="en" dirty="0" smtClean="0"/>
-              <a:t>&lt;li&gt;&lt;/li&gt; - List item</a:t>
+              <a:t>&lt;br&gt; - Line Break</a:t>
+            </a:r>
+          </a:p>
+          <a:p>
+            <a:pPr marL="285750" lvl="0" indent="-285750">
+              <a:spcBef>
+                <a:spcPts val="0"/>
+              </a:spcBef>
+              <a:buFont typeface="Arial" panose="020B0604020202020204" pitchFamily="34" charset="0"/>
+              <a:buChar char="•"/>
+            </a:pPr>
+            <a:r>
+              <a:rPr lang="en" dirty="0" smtClean="0"/>
+              <a:t>&lt;a href=“…”&gt;&lt;/a&gt; - Anchor</a:t>
+            </a:r>
+          </a:p>
+          <a:p>
+            <a:pPr marL="285750" lvl="0" indent="-285750">
+              <a:spcBef>
+                <a:spcPts val="0"/>
+              </a:spcBef>
+              <a:buFont typeface="Arial" panose="020B0604020202020204" pitchFamily="34" charset="0"/>
+              <a:buChar char="•"/>
+            </a:pPr>
+            <a:r>
+              <a:rPr lang="en" dirty="0" smtClean="0"/>
+              <a:t>&lt;img src</a:t>
+            </a:r>
+            <a:r>
+              <a:rPr lang="en" dirty="0" smtClean="0"/>
+              <a:t>=“…”&gt; </a:t>
+            </a:r>
+            <a:r>
+              <a:rPr lang="en" dirty="0" smtClean="0"/>
+              <a:t>- Image</a:t>
             </a:r>
           </a:p>
         </p:txBody>
@@ -14230,7 +14656,7 @@
     </p:spTree>
     <p:extLst>
       <p:ext uri="{BB962C8B-B14F-4D97-AF65-F5344CB8AC3E}">
-        <p14:creationId xmlns:p14="http://schemas.microsoft.com/office/powerpoint/2010/main" val="3051562236"/>
+        <p14:creationId xmlns:p14="http://schemas.microsoft.com/office/powerpoint/2010/main" val="1397460695"/>
       </p:ext>
     </p:extLst>
   </p:cSld>
@@ -14329,13 +14755,28 @@
           </a:bodyPr>
           <a:lstStyle/>
           <a:p>
+            <a:pPr lvl="0">
+              <a:lnSpc>
+                <a:spcPct val="100000"/>
+              </a:lnSpc>
+              <a:spcBef>
+                <a:spcPts val="0"/>
+              </a:spcBef>
+              <a:spcAft>
+                <a:spcPts val="400"/>
+              </a:spcAft>
+              <a:buNone/>
+            </a:pPr>
             <a:r>
               <a:rPr lang="en" dirty="0" smtClean="0"/>
-              <a:t>Forms</a:t>
+              <a:t>Lists</a:t>
             </a:r>
           </a:p>
           <a:p>
             <a:pPr marL="285750" lvl="0" indent="-285750">
+              <a:lnSpc>
+                <a:spcPct val="100000"/>
+              </a:lnSpc>
               <a:spcBef>
                 <a:spcPts val="0"/>
               </a:spcBef>
@@ -14347,11 +14788,17 @@
             </a:pPr>
             <a:r>
               <a:rPr lang="en" dirty="0" smtClean="0"/>
-              <a:t>&lt;form action=“url_to_action.php” method=“get|post|…”&gt;…..&lt;/form&gt;</a:t>
-            </a:r>
-          </a:p>
-          <a:p>
-            <a:pPr marL="285750" lvl="1" indent="-285750">
+              <a:t>&lt;ul&gt;&lt;/ul&gt; - Unordered list</a:t>
+            </a:r>
+          </a:p>
+          <a:p>
+            <a:pPr marL="285750" lvl="0" indent="-285750">
+              <a:lnSpc>
+                <a:spcPct val="100000"/>
+              </a:lnSpc>
+              <a:spcBef>
+                <a:spcPts val="0"/>
+              </a:spcBef>
               <a:spcAft>
                 <a:spcPts val="400"/>
               </a:spcAft>
@@ -14360,25 +14807,14 @@
             </a:pPr>
             <a:r>
               <a:rPr lang="en" dirty="0" smtClean="0"/>
-              <a:t>&lt;input type=“text|password|email|…” name=“…”&gt;</a:t>
-            </a:r>
-          </a:p>
-          <a:p>
-            <a:pPr lvl="0">
-              <a:spcBef>
-                <a:spcPts val="0"/>
-              </a:spcBef>
-              <a:spcAft>
-                <a:spcPts val="400"/>
-              </a:spcAft>
-            </a:pPr>
-            <a:r>
-              <a:rPr lang="en" dirty="0" smtClean="0"/>
-              <a:t>Other input attributes:</a:t>
+              <a:t>&lt;ol&gt;&lt;/ol&gt; - Ordered list</a:t>
             </a:r>
           </a:p>
           <a:p>
             <a:pPr marL="285750" lvl="0" indent="-285750">
+              <a:lnSpc>
+                <a:spcPct val="100000"/>
+              </a:lnSpc>
               <a:spcBef>
                 <a:spcPts val="0"/>
               </a:spcBef>
@@ -14389,126 +14825,22 @@
               <a:buChar char="•"/>
             </a:pPr>
             <a:r>
-              <a:rPr lang="pt-PT" dirty="0" smtClean="0"/>
-              <a:t>P</a:t>
-            </a:r>
-            <a:r>
               <a:rPr lang="en" dirty="0" smtClean="0"/>
-              <a:t>laceholder</a:t>
-            </a:r>
-          </a:p>
-          <a:p>
-            <a:pPr marL="285750" lvl="0" indent="-285750">
-              <a:spcBef>
-                <a:spcPts val="0"/>
-              </a:spcBef>
-              <a:spcAft>
-                <a:spcPts val="400"/>
-              </a:spcAft>
-              <a:buFont typeface="Arial" panose="020B0604020202020204" pitchFamily="34" charset="0"/>
-              <a:buChar char="•"/>
-            </a:pPr>
-            <a:r>
-              <a:rPr lang="pt-PT" dirty="0" smtClean="0"/>
-              <a:t>A</a:t>
-            </a:r>
-            <a:r>
-              <a:rPr lang="en" dirty="0" smtClean="0"/>
-              <a:t>utocomplete</a:t>
-            </a:r>
-          </a:p>
-          <a:p>
-            <a:pPr marL="285750" lvl="0" indent="-285750">
-              <a:spcBef>
-                <a:spcPts val="0"/>
-              </a:spcBef>
-              <a:spcAft>
-                <a:spcPts val="400"/>
-              </a:spcAft>
-              <a:buFont typeface="Arial" panose="020B0604020202020204" pitchFamily="34" charset="0"/>
-              <a:buChar char="•"/>
-            </a:pPr>
-            <a:r>
-              <a:rPr lang="pt-PT" dirty="0" smtClean="0"/>
-              <a:t>R</a:t>
-            </a:r>
-            <a:r>
-              <a:rPr lang="en" dirty="0" smtClean="0"/>
-              <a:t>eadonly</a:t>
-            </a:r>
-          </a:p>
-          <a:p>
-            <a:pPr marL="285750" lvl="0" indent="-285750">
-              <a:spcBef>
-                <a:spcPts val="0"/>
-              </a:spcBef>
-              <a:spcAft>
-                <a:spcPts val="400"/>
-              </a:spcAft>
-              <a:buFont typeface="Arial" panose="020B0604020202020204" pitchFamily="34" charset="0"/>
-              <a:buChar char="•"/>
-            </a:pPr>
-            <a:r>
-              <a:rPr lang="pt-PT" dirty="0" smtClean="0"/>
-              <a:t>R</a:t>
-            </a:r>
-            <a:r>
-              <a:rPr lang="en" dirty="0" smtClean="0"/>
-              <a:t>equired</a:t>
-            </a:r>
-          </a:p>
-          <a:p>
-            <a:pPr marL="285750" lvl="0" indent="-285750">
-              <a:spcBef>
-                <a:spcPts val="0"/>
-              </a:spcBef>
-              <a:spcAft>
-                <a:spcPts val="400"/>
-              </a:spcAft>
-              <a:buFont typeface="Arial" panose="020B0604020202020204" pitchFamily="34" charset="0"/>
-              <a:buChar char="•"/>
-            </a:pPr>
-            <a:r>
-              <a:rPr lang="pt-PT" dirty="0" smtClean="0"/>
-              <a:t>D</a:t>
-            </a:r>
-            <a:r>
-              <a:rPr lang="en" dirty="0" smtClean="0"/>
-              <a:t>isabled</a:t>
-            </a:r>
-          </a:p>
-          <a:p>
-            <a:pPr marL="285750" lvl="0" indent="-285750">
-              <a:spcBef>
-                <a:spcPts val="0"/>
-              </a:spcBef>
-              <a:spcAft>
-                <a:spcPts val="400"/>
-              </a:spcAft>
-              <a:buFont typeface="Arial" panose="020B0604020202020204" pitchFamily="34" charset="0"/>
-              <a:buChar char="•"/>
-            </a:pPr>
-            <a:endParaRPr lang="en" dirty="0" smtClean="0"/>
+              <a:t>&lt;li&gt;&lt;/li&gt; - List item</a:t>
+            </a:r>
           </a:p>
         </p:txBody>
       </p:sp>
     </p:spTree>
     <p:extLst>
       <p:ext uri="{BB962C8B-B14F-4D97-AF65-F5344CB8AC3E}">
-        <p14:creationId xmlns:p14="http://schemas.microsoft.com/office/powerpoint/2010/main" val="692788264"/>
+        <p14:creationId xmlns:p14="http://schemas.microsoft.com/office/powerpoint/2010/main" val="3051562236"/>
       </p:ext>
     </p:extLst>
   </p:cSld>
   <p:clrMapOvr>
     <a:masterClrMapping/>
   </p:clrMapOvr>
-  <p:timing>
-    <p:tnLst>
-      <p:par>
-        <p:cTn id="1" dur="indefinite" restart="never" nodeType="tmRoot"/>
-      </p:par>
-    </p:tnLst>
-  </p:timing>
 </p:sld>
 </file>
 
@@ -14602,45 +14934,151 @@
           <a:lstStyle/>
           <a:p>
             <a:r>
-              <a:rPr lang="en-GB" b="1" dirty="0" smtClean="0"/>
-              <a:t>File upload</a:t>
-            </a:r>
-          </a:p>
-          <a:p>
-            <a:r>
-              <a:rPr lang="en-US" dirty="0"/>
-              <a:t>&lt;input type="file" name="file</a:t>
-            </a:r>
-            <a:r>
-              <a:rPr lang="en-US" dirty="0" smtClean="0"/>
-              <a:t>"&gt;</a:t>
-            </a:r>
-          </a:p>
-          <a:p>
-            <a:r>
-              <a:rPr lang="en-US" dirty="0" smtClean="0"/>
-              <a:t>Form must have attribute </a:t>
-            </a:r>
-            <a:r>
-              <a:rPr lang="en-US" dirty="0" err="1" smtClean="0"/>
-              <a:t>enctype</a:t>
-            </a:r>
-            <a:r>
-              <a:rPr lang="en-US" dirty="0" smtClean="0"/>
-              <a:t>=“multipart/form-data”</a:t>
-            </a:r>
-          </a:p>
-          <a:p>
-            <a:r>
-              <a:rPr lang="en-US" b="1" dirty="0" smtClean="0"/>
-              <a:t>Submit</a:t>
-            </a:r>
-            <a:endParaRPr lang="en-US" b="1" dirty="0" smtClean="0"/>
-          </a:p>
-          <a:p>
-            <a:r>
               <a:rPr lang="en" dirty="0" smtClean="0"/>
-              <a:t>&lt;input type=“submit” value=“send”&gt;</a:t>
+              <a:t>Forms</a:t>
+            </a:r>
+          </a:p>
+          <a:p>
+            <a:pPr marL="285750" lvl="0" indent="-285750">
+              <a:spcBef>
+                <a:spcPts val="0"/>
+              </a:spcBef>
+              <a:spcAft>
+                <a:spcPts val="400"/>
+              </a:spcAft>
+              <a:buFont typeface="Arial" panose="020B0604020202020204" pitchFamily="34" charset="0"/>
+              <a:buChar char="•"/>
+            </a:pPr>
+            <a:r>
+              <a:rPr lang="en" dirty="0" smtClean="0"/>
+              <a:t>&lt;form action=“url_to_action.php” method=“get|post|…”&gt;…..&lt;/form&gt;</a:t>
+            </a:r>
+          </a:p>
+          <a:p>
+            <a:pPr marL="285750" lvl="1" indent="-285750">
+              <a:spcAft>
+                <a:spcPts val="400"/>
+              </a:spcAft>
+              <a:buFont typeface="Arial" panose="020B0604020202020204" pitchFamily="34" charset="0"/>
+              <a:buChar char="•"/>
+            </a:pPr>
+            <a:r>
+              <a:rPr lang="en" dirty="0" smtClean="0"/>
+              <a:t>&lt;input type=“text|password|email|…” name=“…”&gt;</a:t>
+            </a:r>
+          </a:p>
+          <a:p>
+            <a:pPr lvl="0">
+              <a:spcBef>
+                <a:spcPts val="0"/>
+              </a:spcBef>
+              <a:spcAft>
+                <a:spcPts val="400"/>
+              </a:spcAft>
+            </a:pPr>
+            <a:r>
+              <a:rPr lang="en" dirty="0" smtClean="0"/>
+              <a:t>Other input attributes:</a:t>
+            </a:r>
+          </a:p>
+          <a:p>
+            <a:pPr marL="285750" lvl="0" indent="-285750">
+              <a:spcBef>
+                <a:spcPts val="0"/>
+              </a:spcBef>
+              <a:spcAft>
+                <a:spcPts val="400"/>
+              </a:spcAft>
+              <a:buFont typeface="Arial" panose="020B0604020202020204" pitchFamily="34" charset="0"/>
+              <a:buChar char="•"/>
+            </a:pPr>
+            <a:r>
+              <a:rPr lang="pt-PT" dirty="0" smtClean="0"/>
+              <a:t>P</a:t>
+            </a:r>
+            <a:r>
+              <a:rPr lang="en" dirty="0" smtClean="0"/>
+              <a:t>laceholder</a:t>
+            </a:r>
+          </a:p>
+          <a:p>
+            <a:pPr marL="285750" lvl="0" indent="-285750">
+              <a:spcBef>
+                <a:spcPts val="0"/>
+              </a:spcBef>
+              <a:spcAft>
+                <a:spcPts val="400"/>
+              </a:spcAft>
+              <a:buFont typeface="Arial" panose="020B0604020202020204" pitchFamily="34" charset="0"/>
+              <a:buChar char="•"/>
+            </a:pPr>
+            <a:r>
+              <a:rPr lang="pt-PT" dirty="0" smtClean="0"/>
+              <a:t>A</a:t>
+            </a:r>
+            <a:r>
+              <a:rPr lang="en" dirty="0" smtClean="0"/>
+              <a:t>utocomplete</a:t>
+            </a:r>
+          </a:p>
+          <a:p>
+            <a:pPr marL="285750" lvl="0" indent="-285750">
+              <a:spcBef>
+                <a:spcPts val="0"/>
+              </a:spcBef>
+              <a:spcAft>
+                <a:spcPts val="400"/>
+              </a:spcAft>
+              <a:buFont typeface="Arial" panose="020B0604020202020204" pitchFamily="34" charset="0"/>
+              <a:buChar char="•"/>
+            </a:pPr>
+            <a:r>
+              <a:rPr lang="pt-PT" dirty="0" smtClean="0"/>
+              <a:t>R</a:t>
+            </a:r>
+            <a:r>
+              <a:rPr lang="en" dirty="0" smtClean="0"/>
+              <a:t>eadonly</a:t>
+            </a:r>
+          </a:p>
+          <a:p>
+            <a:pPr marL="285750" lvl="0" indent="-285750">
+              <a:spcBef>
+                <a:spcPts val="0"/>
+              </a:spcBef>
+              <a:spcAft>
+                <a:spcPts val="400"/>
+              </a:spcAft>
+              <a:buFont typeface="Arial" panose="020B0604020202020204" pitchFamily="34" charset="0"/>
+              <a:buChar char="•"/>
+            </a:pPr>
+            <a:r>
+              <a:rPr lang="pt-PT" dirty="0" smtClean="0"/>
+              <a:t>R</a:t>
+            </a:r>
+            <a:r>
+              <a:rPr lang="en" dirty="0" smtClean="0"/>
+              <a:t>equired</a:t>
+            </a:r>
+          </a:p>
+          <a:p>
+            <a:pPr marL="285750" lvl="0" indent="-285750">
+              <a:spcBef>
+                <a:spcPts val="0"/>
+              </a:spcBef>
+              <a:spcAft>
+                <a:spcPts val="400"/>
+              </a:spcAft>
+              <a:buFont typeface="Arial" panose="020B0604020202020204" pitchFamily="34" charset="0"/>
+              <a:buChar char="•"/>
+            </a:pPr>
+            <a:r>
+              <a:rPr lang="pt-PT" dirty="0" smtClean="0"/>
+              <a:t>D</a:t>
+            </a:r>
+            <a:r>
+              <a:rPr lang="en" dirty="0" smtClean="0"/>
+              <a:t>isabled</a:t>
             </a:r>
           </a:p>
           <a:p>
@@ -14661,7 +15099,7 @@
     </p:spTree>
     <p:extLst>
       <p:ext uri="{BB962C8B-B14F-4D97-AF65-F5344CB8AC3E}">
-        <p14:creationId xmlns:p14="http://schemas.microsoft.com/office/powerpoint/2010/main" val="1218938767"/>
+        <p14:creationId xmlns:p14="http://schemas.microsoft.com/office/powerpoint/2010/main" val="692788264"/>
       </p:ext>
     </p:extLst>
   </p:cSld>
